--- a/UI-UX/UI UX for growme/component.pptx
+++ b/UI-UX/UI UX for growme/component.pptx
@@ -105,6 +105,11 @@
       </a:defRPr>
     </a:lvl9pPr>
   </p:defaultTextStyle>
+  <p:extLst>
+    <p:ext uri="{EFAFB233-063F-42B5-8137-9DF3F51BA10A}">
+      <p15:sldGuideLst xmlns:p15="http://schemas.microsoft.com/office/powerpoint/2012/main"/>
+    </p:ext>
+  </p:extLst>
 </p:presentation>
 </file>
 
@@ -130,7 +135,7 @@
           <p:cNvPr id="2" name="Title 1">
             <a:extLst>
               <a:ext uri="{FF2B5EF4-FFF2-40B4-BE49-F238E27FC236}">
-                <a16:creationId xmlns:a16="http://schemas.microsoft.com/office/drawing/2014/main" id="{5C21F922-234E-4C16-BA0C-A408FAE13090}"/>
+                <a16:creationId xmlns="" xmlns:a16="http://schemas.microsoft.com/office/drawing/2014/main" id="{5C21F922-234E-4C16-BA0C-A408FAE13090}"/>
               </a:ext>
             </a:extLst>
           </p:cNvPr>
@@ -167,7 +172,7 @@
           <p:cNvPr id="3" name="Subtitle 2">
             <a:extLst>
               <a:ext uri="{FF2B5EF4-FFF2-40B4-BE49-F238E27FC236}">
-                <a16:creationId xmlns:a16="http://schemas.microsoft.com/office/drawing/2014/main" id="{61473917-140F-43B1-A72E-65C0A3274DF6}"/>
+                <a16:creationId xmlns="" xmlns:a16="http://schemas.microsoft.com/office/drawing/2014/main" id="{61473917-140F-43B1-A72E-65C0A3274DF6}"/>
               </a:ext>
             </a:extLst>
           </p:cNvPr>
@@ -237,7 +242,7 @@
           <p:cNvPr id="4" name="Date Placeholder 3">
             <a:extLst>
               <a:ext uri="{FF2B5EF4-FFF2-40B4-BE49-F238E27FC236}">
-                <a16:creationId xmlns:a16="http://schemas.microsoft.com/office/drawing/2014/main" id="{9B84E667-32AF-4717-AE0A-34AAA2AA1A70}"/>
+                <a16:creationId xmlns="" xmlns:a16="http://schemas.microsoft.com/office/drawing/2014/main" id="{9B84E667-32AF-4717-AE0A-34AAA2AA1A70}"/>
               </a:ext>
             </a:extLst>
           </p:cNvPr>
@@ -255,7 +260,7 @@
           <a:p>
             <a:fld id="{737AB778-D5D4-47BE-B45B-978819EB065A}" type="datetimeFigureOut">
               <a:rPr lang="en-US" smtClean="0"/>
-              <a:t>8/28/2019</a:t>
+              <a:t>8/29/2019</a:t>
             </a:fld>
             <a:endParaRPr lang="en-US"/>
           </a:p>
@@ -266,7 +271,7 @@
           <p:cNvPr id="5" name="Footer Placeholder 4">
             <a:extLst>
               <a:ext uri="{FF2B5EF4-FFF2-40B4-BE49-F238E27FC236}">
-                <a16:creationId xmlns:a16="http://schemas.microsoft.com/office/drawing/2014/main" id="{E5F22B24-05C7-43AE-81ED-E2812940AD03}"/>
+                <a16:creationId xmlns="" xmlns:a16="http://schemas.microsoft.com/office/drawing/2014/main" id="{E5F22B24-05C7-43AE-81ED-E2812940AD03}"/>
               </a:ext>
             </a:extLst>
           </p:cNvPr>
@@ -291,7 +296,7 @@
           <p:cNvPr id="6" name="Slide Number Placeholder 5">
             <a:extLst>
               <a:ext uri="{FF2B5EF4-FFF2-40B4-BE49-F238E27FC236}">
-                <a16:creationId xmlns:a16="http://schemas.microsoft.com/office/drawing/2014/main" id="{9A72D9D2-1A75-4B16-8F91-1F44C9880C62}"/>
+                <a16:creationId xmlns="" xmlns:a16="http://schemas.microsoft.com/office/drawing/2014/main" id="{9A72D9D2-1A75-4B16-8F91-1F44C9880C62}"/>
               </a:ext>
             </a:extLst>
           </p:cNvPr>
@@ -350,7 +355,7 @@
           <p:cNvPr id="2" name="Title 1">
             <a:extLst>
               <a:ext uri="{FF2B5EF4-FFF2-40B4-BE49-F238E27FC236}">
-                <a16:creationId xmlns:a16="http://schemas.microsoft.com/office/drawing/2014/main" id="{75D339D0-3519-4170-8393-A28C3413890C}"/>
+                <a16:creationId xmlns="" xmlns:a16="http://schemas.microsoft.com/office/drawing/2014/main" id="{75D339D0-3519-4170-8393-A28C3413890C}"/>
               </a:ext>
             </a:extLst>
           </p:cNvPr>
@@ -378,7 +383,7 @@
           <p:cNvPr id="3" name="Vertical Text Placeholder 2">
             <a:extLst>
               <a:ext uri="{FF2B5EF4-FFF2-40B4-BE49-F238E27FC236}">
-                <a16:creationId xmlns:a16="http://schemas.microsoft.com/office/drawing/2014/main" id="{FF4FF66A-2E5A-4BDA-8BEA-6EB25452B9F2}"/>
+                <a16:creationId xmlns="" xmlns:a16="http://schemas.microsoft.com/office/drawing/2014/main" id="{FF4FF66A-2E5A-4BDA-8BEA-6EB25452B9F2}"/>
               </a:ext>
             </a:extLst>
           </p:cNvPr>
@@ -435,7 +440,7 @@
           <p:cNvPr id="4" name="Date Placeholder 3">
             <a:extLst>
               <a:ext uri="{FF2B5EF4-FFF2-40B4-BE49-F238E27FC236}">
-                <a16:creationId xmlns:a16="http://schemas.microsoft.com/office/drawing/2014/main" id="{567D9531-0F0B-4EE6-8576-BBE409DD2371}"/>
+                <a16:creationId xmlns="" xmlns:a16="http://schemas.microsoft.com/office/drawing/2014/main" id="{567D9531-0F0B-4EE6-8576-BBE409DD2371}"/>
               </a:ext>
             </a:extLst>
           </p:cNvPr>
@@ -453,7 +458,7 @@
           <a:p>
             <a:fld id="{737AB778-D5D4-47BE-B45B-978819EB065A}" type="datetimeFigureOut">
               <a:rPr lang="en-US" smtClean="0"/>
-              <a:t>8/28/2019</a:t>
+              <a:t>8/29/2019</a:t>
             </a:fld>
             <a:endParaRPr lang="en-US"/>
           </a:p>
@@ -464,7 +469,7 @@
           <p:cNvPr id="5" name="Footer Placeholder 4">
             <a:extLst>
               <a:ext uri="{FF2B5EF4-FFF2-40B4-BE49-F238E27FC236}">
-                <a16:creationId xmlns:a16="http://schemas.microsoft.com/office/drawing/2014/main" id="{F944FA8E-A1EA-4A7F-A38D-3D2B820854CF}"/>
+                <a16:creationId xmlns="" xmlns:a16="http://schemas.microsoft.com/office/drawing/2014/main" id="{F944FA8E-A1EA-4A7F-A38D-3D2B820854CF}"/>
               </a:ext>
             </a:extLst>
           </p:cNvPr>
@@ -489,7 +494,7 @@
           <p:cNvPr id="6" name="Slide Number Placeholder 5">
             <a:extLst>
               <a:ext uri="{FF2B5EF4-FFF2-40B4-BE49-F238E27FC236}">
-                <a16:creationId xmlns:a16="http://schemas.microsoft.com/office/drawing/2014/main" id="{FD493899-D9A1-4478-89E3-B58B3EE365D4}"/>
+                <a16:creationId xmlns="" xmlns:a16="http://schemas.microsoft.com/office/drawing/2014/main" id="{FD493899-D9A1-4478-89E3-B58B3EE365D4}"/>
               </a:ext>
             </a:extLst>
           </p:cNvPr>
@@ -548,7 +553,7 @@
           <p:cNvPr id="2" name="Vertical Title 1">
             <a:extLst>
               <a:ext uri="{FF2B5EF4-FFF2-40B4-BE49-F238E27FC236}">
-                <a16:creationId xmlns:a16="http://schemas.microsoft.com/office/drawing/2014/main" id="{DA1BEC7D-35AE-4183-87B5-BF3A50138A31}"/>
+                <a16:creationId xmlns="" xmlns:a16="http://schemas.microsoft.com/office/drawing/2014/main" id="{DA1BEC7D-35AE-4183-87B5-BF3A50138A31}"/>
               </a:ext>
             </a:extLst>
           </p:cNvPr>
@@ -581,7 +586,7 @@
           <p:cNvPr id="3" name="Vertical Text Placeholder 2">
             <a:extLst>
               <a:ext uri="{FF2B5EF4-FFF2-40B4-BE49-F238E27FC236}">
-                <a16:creationId xmlns:a16="http://schemas.microsoft.com/office/drawing/2014/main" id="{52DCBB40-B5FB-4BFC-A89E-798ECC494616}"/>
+                <a16:creationId xmlns="" xmlns:a16="http://schemas.microsoft.com/office/drawing/2014/main" id="{52DCBB40-B5FB-4BFC-A89E-798ECC494616}"/>
               </a:ext>
             </a:extLst>
           </p:cNvPr>
@@ -643,7 +648,7 @@
           <p:cNvPr id="4" name="Date Placeholder 3">
             <a:extLst>
               <a:ext uri="{FF2B5EF4-FFF2-40B4-BE49-F238E27FC236}">
-                <a16:creationId xmlns:a16="http://schemas.microsoft.com/office/drawing/2014/main" id="{E5551FFE-B458-4263-83B3-5A4395618D8F}"/>
+                <a16:creationId xmlns="" xmlns:a16="http://schemas.microsoft.com/office/drawing/2014/main" id="{E5551FFE-B458-4263-83B3-5A4395618D8F}"/>
               </a:ext>
             </a:extLst>
           </p:cNvPr>
@@ -661,7 +666,7 @@
           <a:p>
             <a:fld id="{737AB778-D5D4-47BE-B45B-978819EB065A}" type="datetimeFigureOut">
               <a:rPr lang="en-US" smtClean="0"/>
-              <a:t>8/28/2019</a:t>
+              <a:t>8/29/2019</a:t>
             </a:fld>
             <a:endParaRPr lang="en-US"/>
           </a:p>
@@ -672,7 +677,7 @@
           <p:cNvPr id="5" name="Footer Placeholder 4">
             <a:extLst>
               <a:ext uri="{FF2B5EF4-FFF2-40B4-BE49-F238E27FC236}">
-                <a16:creationId xmlns:a16="http://schemas.microsoft.com/office/drawing/2014/main" id="{B21AA19F-5749-4744-8CF3-35CFA0A7B32B}"/>
+                <a16:creationId xmlns="" xmlns:a16="http://schemas.microsoft.com/office/drawing/2014/main" id="{B21AA19F-5749-4744-8CF3-35CFA0A7B32B}"/>
               </a:ext>
             </a:extLst>
           </p:cNvPr>
@@ -697,7 +702,7 @@
           <p:cNvPr id="6" name="Slide Number Placeholder 5">
             <a:extLst>
               <a:ext uri="{FF2B5EF4-FFF2-40B4-BE49-F238E27FC236}">
-                <a16:creationId xmlns:a16="http://schemas.microsoft.com/office/drawing/2014/main" id="{F9FC4D0B-24DD-458A-9439-51A0489CB31D}"/>
+                <a16:creationId xmlns="" xmlns:a16="http://schemas.microsoft.com/office/drawing/2014/main" id="{F9FC4D0B-24DD-458A-9439-51A0489CB31D}"/>
               </a:ext>
             </a:extLst>
           </p:cNvPr>
@@ -756,7 +761,7 @@
           <p:cNvPr id="2" name="Title 1">
             <a:extLst>
               <a:ext uri="{FF2B5EF4-FFF2-40B4-BE49-F238E27FC236}">
-                <a16:creationId xmlns:a16="http://schemas.microsoft.com/office/drawing/2014/main" id="{6FEC939E-48DB-45A0-BF70-ABD42F13505F}"/>
+                <a16:creationId xmlns="" xmlns:a16="http://schemas.microsoft.com/office/drawing/2014/main" id="{6FEC939E-48DB-45A0-BF70-ABD42F13505F}"/>
               </a:ext>
             </a:extLst>
           </p:cNvPr>
@@ -784,7 +789,7 @@
           <p:cNvPr id="3" name="Content Placeholder 2">
             <a:extLst>
               <a:ext uri="{FF2B5EF4-FFF2-40B4-BE49-F238E27FC236}">
-                <a16:creationId xmlns:a16="http://schemas.microsoft.com/office/drawing/2014/main" id="{287CAC3B-8B90-423F-8B89-74E45615EAE3}"/>
+                <a16:creationId xmlns="" xmlns:a16="http://schemas.microsoft.com/office/drawing/2014/main" id="{287CAC3B-8B90-423F-8B89-74E45615EAE3}"/>
               </a:ext>
             </a:extLst>
           </p:cNvPr>
@@ -841,7 +846,7 @@
           <p:cNvPr id="4" name="Date Placeholder 3">
             <a:extLst>
               <a:ext uri="{FF2B5EF4-FFF2-40B4-BE49-F238E27FC236}">
-                <a16:creationId xmlns:a16="http://schemas.microsoft.com/office/drawing/2014/main" id="{49985B83-280A-4585-9FAF-61DE67C6E425}"/>
+                <a16:creationId xmlns="" xmlns:a16="http://schemas.microsoft.com/office/drawing/2014/main" id="{49985B83-280A-4585-9FAF-61DE67C6E425}"/>
               </a:ext>
             </a:extLst>
           </p:cNvPr>
@@ -859,7 +864,7 @@
           <a:p>
             <a:fld id="{737AB778-D5D4-47BE-B45B-978819EB065A}" type="datetimeFigureOut">
               <a:rPr lang="en-US" smtClean="0"/>
-              <a:t>8/28/2019</a:t>
+              <a:t>8/29/2019</a:t>
             </a:fld>
             <a:endParaRPr lang="en-US"/>
           </a:p>
@@ -870,7 +875,7 @@
           <p:cNvPr id="5" name="Footer Placeholder 4">
             <a:extLst>
               <a:ext uri="{FF2B5EF4-FFF2-40B4-BE49-F238E27FC236}">
-                <a16:creationId xmlns:a16="http://schemas.microsoft.com/office/drawing/2014/main" id="{D3312D74-B28D-4412-ACC0-C1B012008503}"/>
+                <a16:creationId xmlns="" xmlns:a16="http://schemas.microsoft.com/office/drawing/2014/main" id="{D3312D74-B28D-4412-ACC0-C1B012008503}"/>
               </a:ext>
             </a:extLst>
           </p:cNvPr>
@@ -895,7 +900,7 @@
           <p:cNvPr id="6" name="Slide Number Placeholder 5">
             <a:extLst>
               <a:ext uri="{FF2B5EF4-FFF2-40B4-BE49-F238E27FC236}">
-                <a16:creationId xmlns:a16="http://schemas.microsoft.com/office/drawing/2014/main" id="{BB5E8B83-4C02-4B0D-ADC7-9D781BE1EF8E}"/>
+                <a16:creationId xmlns="" xmlns:a16="http://schemas.microsoft.com/office/drawing/2014/main" id="{BB5E8B83-4C02-4B0D-ADC7-9D781BE1EF8E}"/>
               </a:ext>
             </a:extLst>
           </p:cNvPr>
@@ -954,7 +959,7 @@
           <p:cNvPr id="2" name="Title 1">
             <a:extLst>
               <a:ext uri="{FF2B5EF4-FFF2-40B4-BE49-F238E27FC236}">
-                <a16:creationId xmlns:a16="http://schemas.microsoft.com/office/drawing/2014/main" id="{1E1E6155-32F6-4A5A-8A18-5F78875EC2CB}"/>
+                <a16:creationId xmlns="" xmlns:a16="http://schemas.microsoft.com/office/drawing/2014/main" id="{1E1E6155-32F6-4A5A-8A18-5F78875EC2CB}"/>
               </a:ext>
             </a:extLst>
           </p:cNvPr>
@@ -991,7 +996,7 @@
           <p:cNvPr id="3" name="Text Placeholder 2">
             <a:extLst>
               <a:ext uri="{FF2B5EF4-FFF2-40B4-BE49-F238E27FC236}">
-                <a16:creationId xmlns:a16="http://schemas.microsoft.com/office/drawing/2014/main" id="{2CED21DB-E27B-4AD9-A716-06E36E56889A}"/>
+                <a16:creationId xmlns="" xmlns:a16="http://schemas.microsoft.com/office/drawing/2014/main" id="{2CED21DB-E27B-4AD9-A716-06E36E56889A}"/>
               </a:ext>
             </a:extLst>
           </p:cNvPr>
@@ -1116,7 +1121,7 @@
           <p:cNvPr id="4" name="Date Placeholder 3">
             <a:extLst>
               <a:ext uri="{FF2B5EF4-FFF2-40B4-BE49-F238E27FC236}">
-                <a16:creationId xmlns:a16="http://schemas.microsoft.com/office/drawing/2014/main" id="{4770ECB6-9FFF-42DF-A378-23F8C283E06B}"/>
+                <a16:creationId xmlns="" xmlns:a16="http://schemas.microsoft.com/office/drawing/2014/main" id="{4770ECB6-9FFF-42DF-A378-23F8C283E06B}"/>
               </a:ext>
             </a:extLst>
           </p:cNvPr>
@@ -1134,7 +1139,7 @@
           <a:p>
             <a:fld id="{737AB778-D5D4-47BE-B45B-978819EB065A}" type="datetimeFigureOut">
               <a:rPr lang="en-US" smtClean="0"/>
-              <a:t>8/28/2019</a:t>
+              <a:t>8/29/2019</a:t>
             </a:fld>
             <a:endParaRPr lang="en-US"/>
           </a:p>
@@ -1145,7 +1150,7 @@
           <p:cNvPr id="5" name="Footer Placeholder 4">
             <a:extLst>
               <a:ext uri="{FF2B5EF4-FFF2-40B4-BE49-F238E27FC236}">
-                <a16:creationId xmlns:a16="http://schemas.microsoft.com/office/drawing/2014/main" id="{0C476698-E54D-42EF-989D-BA9BC71F32C6}"/>
+                <a16:creationId xmlns="" xmlns:a16="http://schemas.microsoft.com/office/drawing/2014/main" id="{0C476698-E54D-42EF-989D-BA9BC71F32C6}"/>
               </a:ext>
             </a:extLst>
           </p:cNvPr>
@@ -1170,7 +1175,7 @@
           <p:cNvPr id="6" name="Slide Number Placeholder 5">
             <a:extLst>
               <a:ext uri="{FF2B5EF4-FFF2-40B4-BE49-F238E27FC236}">
-                <a16:creationId xmlns:a16="http://schemas.microsoft.com/office/drawing/2014/main" id="{55FA6F0B-0A05-436D-A34A-C6330E055239}"/>
+                <a16:creationId xmlns="" xmlns:a16="http://schemas.microsoft.com/office/drawing/2014/main" id="{55FA6F0B-0A05-436D-A34A-C6330E055239}"/>
               </a:ext>
             </a:extLst>
           </p:cNvPr>
@@ -1229,7 +1234,7 @@
           <p:cNvPr id="2" name="Title 1">
             <a:extLst>
               <a:ext uri="{FF2B5EF4-FFF2-40B4-BE49-F238E27FC236}">
-                <a16:creationId xmlns:a16="http://schemas.microsoft.com/office/drawing/2014/main" id="{89CE1A35-AB21-457B-8692-83C16704195D}"/>
+                <a16:creationId xmlns="" xmlns:a16="http://schemas.microsoft.com/office/drawing/2014/main" id="{89CE1A35-AB21-457B-8692-83C16704195D}"/>
               </a:ext>
             </a:extLst>
           </p:cNvPr>
@@ -1257,7 +1262,7 @@
           <p:cNvPr id="3" name="Content Placeholder 2">
             <a:extLst>
               <a:ext uri="{FF2B5EF4-FFF2-40B4-BE49-F238E27FC236}">
-                <a16:creationId xmlns:a16="http://schemas.microsoft.com/office/drawing/2014/main" id="{1258D2CA-4E12-4688-86DE-53809F41FBF5}"/>
+                <a16:creationId xmlns="" xmlns:a16="http://schemas.microsoft.com/office/drawing/2014/main" id="{1258D2CA-4E12-4688-86DE-53809F41FBF5}"/>
               </a:ext>
             </a:extLst>
           </p:cNvPr>
@@ -1319,7 +1324,7 @@
           <p:cNvPr id="4" name="Content Placeholder 3">
             <a:extLst>
               <a:ext uri="{FF2B5EF4-FFF2-40B4-BE49-F238E27FC236}">
-                <a16:creationId xmlns:a16="http://schemas.microsoft.com/office/drawing/2014/main" id="{02DB4488-6BCD-4FBB-BA6F-891423BF64E7}"/>
+                <a16:creationId xmlns="" xmlns:a16="http://schemas.microsoft.com/office/drawing/2014/main" id="{02DB4488-6BCD-4FBB-BA6F-891423BF64E7}"/>
               </a:ext>
             </a:extLst>
           </p:cNvPr>
@@ -1381,7 +1386,7 @@
           <p:cNvPr id="5" name="Date Placeholder 4">
             <a:extLst>
               <a:ext uri="{FF2B5EF4-FFF2-40B4-BE49-F238E27FC236}">
-                <a16:creationId xmlns:a16="http://schemas.microsoft.com/office/drawing/2014/main" id="{4B1F5D54-C32C-48E1-9990-A0B92930D454}"/>
+                <a16:creationId xmlns="" xmlns:a16="http://schemas.microsoft.com/office/drawing/2014/main" id="{4B1F5D54-C32C-48E1-9990-A0B92930D454}"/>
               </a:ext>
             </a:extLst>
           </p:cNvPr>
@@ -1399,7 +1404,7 @@
           <a:p>
             <a:fld id="{737AB778-D5D4-47BE-B45B-978819EB065A}" type="datetimeFigureOut">
               <a:rPr lang="en-US" smtClean="0"/>
-              <a:t>8/28/2019</a:t>
+              <a:t>8/29/2019</a:t>
             </a:fld>
             <a:endParaRPr lang="en-US"/>
           </a:p>
@@ -1410,7 +1415,7 @@
           <p:cNvPr id="6" name="Footer Placeholder 5">
             <a:extLst>
               <a:ext uri="{FF2B5EF4-FFF2-40B4-BE49-F238E27FC236}">
-                <a16:creationId xmlns:a16="http://schemas.microsoft.com/office/drawing/2014/main" id="{43B9A249-3E49-483C-A6DD-81CDBF87C740}"/>
+                <a16:creationId xmlns="" xmlns:a16="http://schemas.microsoft.com/office/drawing/2014/main" id="{43B9A249-3E49-483C-A6DD-81CDBF87C740}"/>
               </a:ext>
             </a:extLst>
           </p:cNvPr>
@@ -1435,7 +1440,7 @@
           <p:cNvPr id="7" name="Slide Number Placeholder 6">
             <a:extLst>
               <a:ext uri="{FF2B5EF4-FFF2-40B4-BE49-F238E27FC236}">
-                <a16:creationId xmlns:a16="http://schemas.microsoft.com/office/drawing/2014/main" id="{112A5A19-3F75-4F9B-B937-3D438E69C153}"/>
+                <a16:creationId xmlns="" xmlns:a16="http://schemas.microsoft.com/office/drawing/2014/main" id="{112A5A19-3F75-4F9B-B937-3D438E69C153}"/>
               </a:ext>
             </a:extLst>
           </p:cNvPr>
@@ -1494,7 +1499,7 @@
           <p:cNvPr id="2" name="Title 1">
             <a:extLst>
               <a:ext uri="{FF2B5EF4-FFF2-40B4-BE49-F238E27FC236}">
-                <a16:creationId xmlns:a16="http://schemas.microsoft.com/office/drawing/2014/main" id="{9EBFBE45-8F98-4422-B58F-A729E90B33AB}"/>
+                <a16:creationId xmlns="" xmlns:a16="http://schemas.microsoft.com/office/drawing/2014/main" id="{9EBFBE45-8F98-4422-B58F-A729E90B33AB}"/>
               </a:ext>
             </a:extLst>
           </p:cNvPr>
@@ -1527,7 +1532,7 @@
           <p:cNvPr id="3" name="Text Placeholder 2">
             <a:extLst>
               <a:ext uri="{FF2B5EF4-FFF2-40B4-BE49-F238E27FC236}">
-                <a16:creationId xmlns:a16="http://schemas.microsoft.com/office/drawing/2014/main" id="{4B67A49B-170C-4CBE-981E-02BBA6E3A09A}"/>
+                <a16:creationId xmlns="" xmlns:a16="http://schemas.microsoft.com/office/drawing/2014/main" id="{4B67A49B-170C-4CBE-981E-02BBA6E3A09A}"/>
               </a:ext>
             </a:extLst>
           </p:cNvPr>
@@ -1598,7 +1603,7 @@
           <p:cNvPr id="4" name="Content Placeholder 3">
             <a:extLst>
               <a:ext uri="{FF2B5EF4-FFF2-40B4-BE49-F238E27FC236}">
-                <a16:creationId xmlns:a16="http://schemas.microsoft.com/office/drawing/2014/main" id="{6693BD4B-FD2C-4631-98CE-A49CE4464445}"/>
+                <a16:creationId xmlns="" xmlns:a16="http://schemas.microsoft.com/office/drawing/2014/main" id="{6693BD4B-FD2C-4631-98CE-A49CE4464445}"/>
               </a:ext>
             </a:extLst>
           </p:cNvPr>
@@ -1660,7 +1665,7 @@
           <p:cNvPr id="5" name="Text Placeholder 4">
             <a:extLst>
               <a:ext uri="{FF2B5EF4-FFF2-40B4-BE49-F238E27FC236}">
-                <a16:creationId xmlns:a16="http://schemas.microsoft.com/office/drawing/2014/main" id="{28020F93-9ED6-4DCC-A035-E86C32160D8E}"/>
+                <a16:creationId xmlns="" xmlns:a16="http://schemas.microsoft.com/office/drawing/2014/main" id="{28020F93-9ED6-4DCC-A035-E86C32160D8E}"/>
               </a:ext>
             </a:extLst>
           </p:cNvPr>
@@ -1731,7 +1736,7 @@
           <p:cNvPr id="6" name="Content Placeholder 5">
             <a:extLst>
               <a:ext uri="{FF2B5EF4-FFF2-40B4-BE49-F238E27FC236}">
-                <a16:creationId xmlns:a16="http://schemas.microsoft.com/office/drawing/2014/main" id="{5EA335DE-A267-4511-A30B-2D4257AFA77C}"/>
+                <a16:creationId xmlns="" xmlns:a16="http://schemas.microsoft.com/office/drawing/2014/main" id="{5EA335DE-A267-4511-A30B-2D4257AFA77C}"/>
               </a:ext>
             </a:extLst>
           </p:cNvPr>
@@ -1793,7 +1798,7 @@
           <p:cNvPr id="7" name="Date Placeholder 6">
             <a:extLst>
               <a:ext uri="{FF2B5EF4-FFF2-40B4-BE49-F238E27FC236}">
-                <a16:creationId xmlns:a16="http://schemas.microsoft.com/office/drawing/2014/main" id="{F0DA7BF9-03CC-4ED1-8663-57772B5F6D5D}"/>
+                <a16:creationId xmlns="" xmlns:a16="http://schemas.microsoft.com/office/drawing/2014/main" id="{F0DA7BF9-03CC-4ED1-8663-57772B5F6D5D}"/>
               </a:ext>
             </a:extLst>
           </p:cNvPr>
@@ -1811,7 +1816,7 @@
           <a:p>
             <a:fld id="{737AB778-D5D4-47BE-B45B-978819EB065A}" type="datetimeFigureOut">
               <a:rPr lang="en-US" smtClean="0"/>
-              <a:t>8/28/2019</a:t>
+              <a:t>8/29/2019</a:t>
             </a:fld>
             <a:endParaRPr lang="en-US"/>
           </a:p>
@@ -1822,7 +1827,7 @@
           <p:cNvPr id="8" name="Footer Placeholder 7">
             <a:extLst>
               <a:ext uri="{FF2B5EF4-FFF2-40B4-BE49-F238E27FC236}">
-                <a16:creationId xmlns:a16="http://schemas.microsoft.com/office/drawing/2014/main" id="{F6326910-A256-4648-AFF0-D3BBD1D11E44}"/>
+                <a16:creationId xmlns="" xmlns:a16="http://schemas.microsoft.com/office/drawing/2014/main" id="{F6326910-A256-4648-AFF0-D3BBD1D11E44}"/>
               </a:ext>
             </a:extLst>
           </p:cNvPr>
@@ -1847,7 +1852,7 @@
           <p:cNvPr id="9" name="Slide Number Placeholder 8">
             <a:extLst>
               <a:ext uri="{FF2B5EF4-FFF2-40B4-BE49-F238E27FC236}">
-                <a16:creationId xmlns:a16="http://schemas.microsoft.com/office/drawing/2014/main" id="{5A51905A-E801-4DD4-888B-D60D6FCA1676}"/>
+                <a16:creationId xmlns="" xmlns:a16="http://schemas.microsoft.com/office/drawing/2014/main" id="{5A51905A-E801-4DD4-888B-D60D6FCA1676}"/>
               </a:ext>
             </a:extLst>
           </p:cNvPr>
@@ -1906,7 +1911,7 @@
           <p:cNvPr id="2" name="Title 1">
             <a:extLst>
               <a:ext uri="{FF2B5EF4-FFF2-40B4-BE49-F238E27FC236}">
-                <a16:creationId xmlns:a16="http://schemas.microsoft.com/office/drawing/2014/main" id="{F01574DC-D70E-4E13-BAA2-2BAB6BDDA1BE}"/>
+                <a16:creationId xmlns="" xmlns:a16="http://schemas.microsoft.com/office/drawing/2014/main" id="{F01574DC-D70E-4E13-BAA2-2BAB6BDDA1BE}"/>
               </a:ext>
             </a:extLst>
           </p:cNvPr>
@@ -1934,7 +1939,7 @@
           <p:cNvPr id="3" name="Date Placeholder 2">
             <a:extLst>
               <a:ext uri="{FF2B5EF4-FFF2-40B4-BE49-F238E27FC236}">
-                <a16:creationId xmlns:a16="http://schemas.microsoft.com/office/drawing/2014/main" id="{5BDFCFDC-FB63-4E1D-8D77-331B67EB3329}"/>
+                <a16:creationId xmlns="" xmlns:a16="http://schemas.microsoft.com/office/drawing/2014/main" id="{5BDFCFDC-FB63-4E1D-8D77-331B67EB3329}"/>
               </a:ext>
             </a:extLst>
           </p:cNvPr>
@@ -1952,7 +1957,7 @@
           <a:p>
             <a:fld id="{737AB778-D5D4-47BE-B45B-978819EB065A}" type="datetimeFigureOut">
               <a:rPr lang="en-US" smtClean="0"/>
-              <a:t>8/28/2019</a:t>
+              <a:t>8/29/2019</a:t>
             </a:fld>
             <a:endParaRPr lang="en-US"/>
           </a:p>
@@ -1963,7 +1968,7 @@
           <p:cNvPr id="4" name="Footer Placeholder 3">
             <a:extLst>
               <a:ext uri="{FF2B5EF4-FFF2-40B4-BE49-F238E27FC236}">
-                <a16:creationId xmlns:a16="http://schemas.microsoft.com/office/drawing/2014/main" id="{C93BD201-E67A-479F-800F-646C87E08B86}"/>
+                <a16:creationId xmlns="" xmlns:a16="http://schemas.microsoft.com/office/drawing/2014/main" id="{C93BD201-E67A-479F-800F-646C87E08B86}"/>
               </a:ext>
             </a:extLst>
           </p:cNvPr>
@@ -1988,7 +1993,7 @@
           <p:cNvPr id="5" name="Slide Number Placeholder 4">
             <a:extLst>
               <a:ext uri="{FF2B5EF4-FFF2-40B4-BE49-F238E27FC236}">
-                <a16:creationId xmlns:a16="http://schemas.microsoft.com/office/drawing/2014/main" id="{9CF123EE-031D-4607-8CC2-222D182BA812}"/>
+                <a16:creationId xmlns="" xmlns:a16="http://schemas.microsoft.com/office/drawing/2014/main" id="{9CF123EE-031D-4607-8CC2-222D182BA812}"/>
               </a:ext>
             </a:extLst>
           </p:cNvPr>
@@ -2047,7 +2052,7 @@
           <p:cNvPr id="2" name="Date Placeholder 1">
             <a:extLst>
               <a:ext uri="{FF2B5EF4-FFF2-40B4-BE49-F238E27FC236}">
-                <a16:creationId xmlns:a16="http://schemas.microsoft.com/office/drawing/2014/main" id="{2AC405A8-0889-4551-98FC-31C295107D28}"/>
+                <a16:creationId xmlns="" xmlns:a16="http://schemas.microsoft.com/office/drawing/2014/main" id="{2AC405A8-0889-4551-98FC-31C295107D28}"/>
               </a:ext>
             </a:extLst>
           </p:cNvPr>
@@ -2065,7 +2070,7 @@
           <a:p>
             <a:fld id="{737AB778-D5D4-47BE-B45B-978819EB065A}" type="datetimeFigureOut">
               <a:rPr lang="en-US" smtClean="0"/>
-              <a:t>8/28/2019</a:t>
+              <a:t>8/29/2019</a:t>
             </a:fld>
             <a:endParaRPr lang="en-US"/>
           </a:p>
@@ -2076,7 +2081,7 @@
           <p:cNvPr id="3" name="Footer Placeholder 2">
             <a:extLst>
               <a:ext uri="{FF2B5EF4-FFF2-40B4-BE49-F238E27FC236}">
-                <a16:creationId xmlns:a16="http://schemas.microsoft.com/office/drawing/2014/main" id="{B888B94C-FC10-4A64-BA2D-62349FBD16BD}"/>
+                <a16:creationId xmlns="" xmlns:a16="http://schemas.microsoft.com/office/drawing/2014/main" id="{B888B94C-FC10-4A64-BA2D-62349FBD16BD}"/>
               </a:ext>
             </a:extLst>
           </p:cNvPr>
@@ -2101,7 +2106,7 @@
           <p:cNvPr id="4" name="Slide Number Placeholder 3">
             <a:extLst>
               <a:ext uri="{FF2B5EF4-FFF2-40B4-BE49-F238E27FC236}">
-                <a16:creationId xmlns:a16="http://schemas.microsoft.com/office/drawing/2014/main" id="{68173BE9-46D1-4F96-9F97-9C8D181209DB}"/>
+                <a16:creationId xmlns="" xmlns:a16="http://schemas.microsoft.com/office/drawing/2014/main" id="{68173BE9-46D1-4F96-9F97-9C8D181209DB}"/>
               </a:ext>
             </a:extLst>
           </p:cNvPr>
@@ -2160,7 +2165,7 @@
           <p:cNvPr id="2" name="Title 1">
             <a:extLst>
               <a:ext uri="{FF2B5EF4-FFF2-40B4-BE49-F238E27FC236}">
-                <a16:creationId xmlns:a16="http://schemas.microsoft.com/office/drawing/2014/main" id="{4C02B39C-8592-4A5C-92AC-A06F353F0500}"/>
+                <a16:creationId xmlns="" xmlns:a16="http://schemas.microsoft.com/office/drawing/2014/main" id="{4C02B39C-8592-4A5C-92AC-A06F353F0500}"/>
               </a:ext>
             </a:extLst>
           </p:cNvPr>
@@ -2197,7 +2202,7 @@
           <p:cNvPr id="3" name="Content Placeholder 2">
             <a:extLst>
               <a:ext uri="{FF2B5EF4-FFF2-40B4-BE49-F238E27FC236}">
-                <a16:creationId xmlns:a16="http://schemas.microsoft.com/office/drawing/2014/main" id="{B4E49F6F-FBCE-4A22-8B8F-50DC9830C7AA}"/>
+                <a16:creationId xmlns="" xmlns:a16="http://schemas.microsoft.com/office/drawing/2014/main" id="{B4E49F6F-FBCE-4A22-8B8F-50DC9830C7AA}"/>
               </a:ext>
             </a:extLst>
           </p:cNvPr>
@@ -2287,7 +2292,7 @@
           <p:cNvPr id="4" name="Text Placeholder 3">
             <a:extLst>
               <a:ext uri="{FF2B5EF4-FFF2-40B4-BE49-F238E27FC236}">
-                <a16:creationId xmlns:a16="http://schemas.microsoft.com/office/drawing/2014/main" id="{5AD8D8A1-A631-40DF-BB6D-ED9756E5DF14}"/>
+                <a16:creationId xmlns="" xmlns:a16="http://schemas.microsoft.com/office/drawing/2014/main" id="{5AD8D8A1-A631-40DF-BB6D-ED9756E5DF14}"/>
               </a:ext>
             </a:extLst>
           </p:cNvPr>
@@ -2358,7 +2363,7 @@
           <p:cNvPr id="5" name="Date Placeholder 4">
             <a:extLst>
               <a:ext uri="{FF2B5EF4-FFF2-40B4-BE49-F238E27FC236}">
-                <a16:creationId xmlns:a16="http://schemas.microsoft.com/office/drawing/2014/main" id="{423F40D2-23A4-40ED-ACF1-06D31B4F862A}"/>
+                <a16:creationId xmlns="" xmlns:a16="http://schemas.microsoft.com/office/drawing/2014/main" id="{423F40D2-23A4-40ED-ACF1-06D31B4F862A}"/>
               </a:ext>
             </a:extLst>
           </p:cNvPr>
@@ -2376,7 +2381,7 @@
           <a:p>
             <a:fld id="{737AB778-D5D4-47BE-B45B-978819EB065A}" type="datetimeFigureOut">
               <a:rPr lang="en-US" smtClean="0"/>
-              <a:t>8/28/2019</a:t>
+              <a:t>8/29/2019</a:t>
             </a:fld>
             <a:endParaRPr lang="en-US"/>
           </a:p>
@@ -2387,7 +2392,7 @@
           <p:cNvPr id="6" name="Footer Placeholder 5">
             <a:extLst>
               <a:ext uri="{FF2B5EF4-FFF2-40B4-BE49-F238E27FC236}">
-                <a16:creationId xmlns:a16="http://schemas.microsoft.com/office/drawing/2014/main" id="{096947EA-CEA9-4925-97CF-3968CE418D90}"/>
+                <a16:creationId xmlns="" xmlns:a16="http://schemas.microsoft.com/office/drawing/2014/main" id="{096947EA-CEA9-4925-97CF-3968CE418D90}"/>
               </a:ext>
             </a:extLst>
           </p:cNvPr>
@@ -2412,7 +2417,7 @@
           <p:cNvPr id="7" name="Slide Number Placeholder 6">
             <a:extLst>
               <a:ext uri="{FF2B5EF4-FFF2-40B4-BE49-F238E27FC236}">
-                <a16:creationId xmlns:a16="http://schemas.microsoft.com/office/drawing/2014/main" id="{A76E79D1-EB1B-4FC5-8079-9B92D5722DF5}"/>
+                <a16:creationId xmlns="" xmlns:a16="http://schemas.microsoft.com/office/drawing/2014/main" id="{A76E79D1-EB1B-4FC5-8079-9B92D5722DF5}"/>
               </a:ext>
             </a:extLst>
           </p:cNvPr>
@@ -2471,7 +2476,7 @@
           <p:cNvPr id="2" name="Title 1">
             <a:extLst>
               <a:ext uri="{FF2B5EF4-FFF2-40B4-BE49-F238E27FC236}">
-                <a16:creationId xmlns:a16="http://schemas.microsoft.com/office/drawing/2014/main" id="{071F7C7C-74CF-4124-8BA6-212BA4A8E9CA}"/>
+                <a16:creationId xmlns="" xmlns:a16="http://schemas.microsoft.com/office/drawing/2014/main" id="{071F7C7C-74CF-4124-8BA6-212BA4A8E9CA}"/>
               </a:ext>
             </a:extLst>
           </p:cNvPr>
@@ -2508,7 +2513,7 @@
           <p:cNvPr id="3" name="Picture Placeholder 2">
             <a:extLst>
               <a:ext uri="{FF2B5EF4-FFF2-40B4-BE49-F238E27FC236}">
-                <a16:creationId xmlns:a16="http://schemas.microsoft.com/office/drawing/2014/main" id="{C87408BE-072B-4C73-962E-BE3EF85E8E89}"/>
+                <a16:creationId xmlns="" xmlns:a16="http://schemas.microsoft.com/office/drawing/2014/main" id="{C87408BE-072B-4C73-962E-BE3EF85E8E89}"/>
               </a:ext>
             </a:extLst>
           </p:cNvPr>
@@ -2575,7 +2580,7 @@
           <p:cNvPr id="4" name="Text Placeholder 3">
             <a:extLst>
               <a:ext uri="{FF2B5EF4-FFF2-40B4-BE49-F238E27FC236}">
-                <a16:creationId xmlns:a16="http://schemas.microsoft.com/office/drawing/2014/main" id="{9E20EAC9-5928-4DE0-821D-15DC3BE3E241}"/>
+                <a16:creationId xmlns="" xmlns:a16="http://schemas.microsoft.com/office/drawing/2014/main" id="{9E20EAC9-5928-4DE0-821D-15DC3BE3E241}"/>
               </a:ext>
             </a:extLst>
           </p:cNvPr>
@@ -2646,7 +2651,7 @@
           <p:cNvPr id="5" name="Date Placeholder 4">
             <a:extLst>
               <a:ext uri="{FF2B5EF4-FFF2-40B4-BE49-F238E27FC236}">
-                <a16:creationId xmlns:a16="http://schemas.microsoft.com/office/drawing/2014/main" id="{947FC08D-DD7E-44FD-87FB-3EAF346E1890}"/>
+                <a16:creationId xmlns="" xmlns:a16="http://schemas.microsoft.com/office/drawing/2014/main" id="{947FC08D-DD7E-44FD-87FB-3EAF346E1890}"/>
               </a:ext>
             </a:extLst>
           </p:cNvPr>
@@ -2664,7 +2669,7 @@
           <a:p>
             <a:fld id="{737AB778-D5D4-47BE-B45B-978819EB065A}" type="datetimeFigureOut">
               <a:rPr lang="en-US" smtClean="0"/>
-              <a:t>8/28/2019</a:t>
+              <a:t>8/29/2019</a:t>
             </a:fld>
             <a:endParaRPr lang="en-US"/>
           </a:p>
@@ -2675,7 +2680,7 @@
           <p:cNvPr id="6" name="Footer Placeholder 5">
             <a:extLst>
               <a:ext uri="{FF2B5EF4-FFF2-40B4-BE49-F238E27FC236}">
-                <a16:creationId xmlns:a16="http://schemas.microsoft.com/office/drawing/2014/main" id="{48415425-F2C8-4A10-A5F2-0C14CF9A4B33}"/>
+                <a16:creationId xmlns="" xmlns:a16="http://schemas.microsoft.com/office/drawing/2014/main" id="{48415425-F2C8-4A10-A5F2-0C14CF9A4B33}"/>
               </a:ext>
             </a:extLst>
           </p:cNvPr>
@@ -2700,7 +2705,7 @@
           <p:cNvPr id="7" name="Slide Number Placeholder 6">
             <a:extLst>
               <a:ext uri="{FF2B5EF4-FFF2-40B4-BE49-F238E27FC236}">
-                <a16:creationId xmlns:a16="http://schemas.microsoft.com/office/drawing/2014/main" id="{D5A10787-974C-48D4-B185-B7ECBFC14FD5}"/>
+                <a16:creationId xmlns="" xmlns:a16="http://schemas.microsoft.com/office/drawing/2014/main" id="{D5A10787-974C-48D4-B185-B7ECBFC14FD5}"/>
               </a:ext>
             </a:extLst>
           </p:cNvPr>
@@ -2764,7 +2769,7 @@
           <p:cNvPr id="2" name="Title Placeholder 1">
             <a:extLst>
               <a:ext uri="{FF2B5EF4-FFF2-40B4-BE49-F238E27FC236}">
-                <a16:creationId xmlns:a16="http://schemas.microsoft.com/office/drawing/2014/main" id="{F57D8C25-DE36-453F-A0B7-7B19244C99B8}"/>
+                <a16:creationId xmlns="" xmlns:a16="http://schemas.microsoft.com/office/drawing/2014/main" id="{F57D8C25-DE36-453F-A0B7-7B19244C99B8}"/>
               </a:ext>
             </a:extLst>
           </p:cNvPr>
@@ -2802,7 +2807,7 @@
           <p:cNvPr id="3" name="Text Placeholder 2">
             <a:extLst>
               <a:ext uri="{FF2B5EF4-FFF2-40B4-BE49-F238E27FC236}">
-                <a16:creationId xmlns:a16="http://schemas.microsoft.com/office/drawing/2014/main" id="{CE62C48F-338F-4452-850E-BA0BE1D67028}"/>
+                <a16:creationId xmlns="" xmlns:a16="http://schemas.microsoft.com/office/drawing/2014/main" id="{CE62C48F-338F-4452-850E-BA0BE1D67028}"/>
               </a:ext>
             </a:extLst>
           </p:cNvPr>
@@ -2869,7 +2874,7 @@
           <p:cNvPr id="4" name="Date Placeholder 3">
             <a:extLst>
               <a:ext uri="{FF2B5EF4-FFF2-40B4-BE49-F238E27FC236}">
-                <a16:creationId xmlns:a16="http://schemas.microsoft.com/office/drawing/2014/main" id="{8DEE1446-64C8-4B5B-BE39-E51319111701}"/>
+                <a16:creationId xmlns="" xmlns:a16="http://schemas.microsoft.com/office/drawing/2014/main" id="{8DEE1446-64C8-4B5B-BE39-E51319111701}"/>
               </a:ext>
             </a:extLst>
           </p:cNvPr>
@@ -2905,7 +2910,7 @@
           <a:p>
             <a:fld id="{737AB778-D5D4-47BE-B45B-978819EB065A}" type="datetimeFigureOut">
               <a:rPr lang="en-US" smtClean="0"/>
-              <a:t>8/28/2019</a:t>
+              <a:t>8/29/2019</a:t>
             </a:fld>
             <a:endParaRPr lang="en-US"/>
           </a:p>
@@ -2916,7 +2921,7 @@
           <p:cNvPr id="5" name="Footer Placeholder 4">
             <a:extLst>
               <a:ext uri="{FF2B5EF4-FFF2-40B4-BE49-F238E27FC236}">
-                <a16:creationId xmlns:a16="http://schemas.microsoft.com/office/drawing/2014/main" id="{C8DA0568-7076-46A9-955E-D70DB5BC994B}"/>
+                <a16:creationId xmlns="" xmlns:a16="http://schemas.microsoft.com/office/drawing/2014/main" id="{C8DA0568-7076-46A9-955E-D70DB5BC994B}"/>
               </a:ext>
             </a:extLst>
           </p:cNvPr>
@@ -2959,7 +2964,7 @@
           <p:cNvPr id="6" name="Slide Number Placeholder 5">
             <a:extLst>
               <a:ext uri="{FF2B5EF4-FFF2-40B4-BE49-F238E27FC236}">
-                <a16:creationId xmlns:a16="http://schemas.microsoft.com/office/drawing/2014/main" id="{C580C64F-1C6B-43C6-A7CF-D248DFAA0F80}"/>
+                <a16:creationId xmlns="" xmlns:a16="http://schemas.microsoft.com/office/drawing/2014/main" id="{C580C64F-1C6B-43C6-A7CF-D248DFAA0F80}"/>
               </a:ext>
             </a:extLst>
           </p:cNvPr>
@@ -3327,7 +3332,7 @@
           <p:cNvPr id="4" name="Title 3">
             <a:extLst>
               <a:ext uri="{FF2B5EF4-FFF2-40B4-BE49-F238E27FC236}">
-                <a16:creationId xmlns:a16="http://schemas.microsoft.com/office/drawing/2014/main" id="{5CBFD50A-9B18-41D5-B1DB-A556FAF905ED}"/>
+                <a16:creationId xmlns="" xmlns:a16="http://schemas.microsoft.com/office/drawing/2014/main" id="{5CBFD50A-9B18-41D5-B1DB-A556FAF905ED}"/>
               </a:ext>
             </a:extLst>
           </p:cNvPr>
@@ -3355,7 +3360,7 @@
           <p:cNvPr id="19" name="Picture 18">
             <a:extLst>
               <a:ext uri="{FF2B5EF4-FFF2-40B4-BE49-F238E27FC236}">
-                <a16:creationId xmlns:a16="http://schemas.microsoft.com/office/drawing/2014/main" id="{94167BF1-5E99-4FDA-84E0-C2AA03B5D8C9}"/>
+                <a16:creationId xmlns="" xmlns:a16="http://schemas.microsoft.com/office/drawing/2014/main" id="{94167BF1-5E99-4FDA-84E0-C2AA03B5D8C9}"/>
               </a:ext>
             </a:extLst>
           </p:cNvPr>
@@ -3372,8 +3377,8 @@
         </p:blipFill>
         <p:spPr>
           <a:xfrm>
-            <a:off x="2300287" y="1690688"/>
-            <a:ext cx="7591425" cy="3295650"/>
+            <a:off x="1600063" y="1690688"/>
+            <a:ext cx="8991874" cy="3903624"/>
           </a:xfrm>
           <a:prstGeom prst="rect">
             <a:avLst/>
@@ -3390,6 +3395,13 @@
   <p:clrMapOvr>
     <a:masterClrMapping/>
   </p:clrMapOvr>
+  <p:timing>
+    <p:tnLst>
+      <p:par>
+        <p:cTn id="1" dur="indefinite" restart="never" nodeType="tmRoot"/>
+      </p:par>
+    </p:tnLst>
+  </p:timing>
 </p:sld>
 </file>
 
@@ -3415,7 +3427,7 @@
           <p:cNvPr id="2" name="Title 1">
             <a:extLst>
               <a:ext uri="{FF2B5EF4-FFF2-40B4-BE49-F238E27FC236}">
-                <a16:creationId xmlns:a16="http://schemas.microsoft.com/office/drawing/2014/main" id="{52C1A99C-0C8E-41DB-8752-C3CD0DCED123}"/>
+                <a16:creationId xmlns="" xmlns:a16="http://schemas.microsoft.com/office/drawing/2014/main" id="{52C1A99C-0C8E-41DB-8752-C3CD0DCED123}"/>
               </a:ext>
             </a:extLst>
           </p:cNvPr>
@@ -3432,9 +3444,10 @@
           <a:lstStyle/>
           <a:p>
             <a:r>
-              <a:rPr lang="en-US" dirty="0"/>
-              <a:t>Button</a:t>
-            </a:r>
+              <a:rPr lang="en-US" smtClean="0"/>
+              <a:t>Input, button group</a:t>
+            </a:r>
+            <a:endParaRPr lang="en-US" dirty="0"/>
           </a:p>
         </p:txBody>
       </p:sp>
@@ -3443,7 +3456,7 @@
           <p:cNvPr id="6" name="TextBox 5">
             <a:extLst>
               <a:ext uri="{FF2B5EF4-FFF2-40B4-BE49-F238E27FC236}">
-                <a16:creationId xmlns:a16="http://schemas.microsoft.com/office/drawing/2014/main" id="{4963DF1F-81E5-4A49-8158-73D9587FB07B}"/>
+                <a16:creationId xmlns="" xmlns:a16="http://schemas.microsoft.com/office/drawing/2014/main" id="{4963DF1F-81E5-4A49-8158-73D9587FB07B}"/>
               </a:ext>
             </a:extLst>
           </p:cNvPr>
@@ -3478,7 +3491,7 @@
           <p:cNvPr id="10" name="Content Placeholder 9">
             <a:extLst>
               <a:ext uri="{FF2B5EF4-FFF2-40B4-BE49-F238E27FC236}">
-                <a16:creationId xmlns:a16="http://schemas.microsoft.com/office/drawing/2014/main" id="{6D895E57-A45A-4935-A018-F55E1C329572}"/>
+                <a16:creationId xmlns="" xmlns:a16="http://schemas.microsoft.com/office/drawing/2014/main" id="{6D895E57-A45A-4935-A018-F55E1C329572}"/>
               </a:ext>
             </a:extLst>
           </p:cNvPr>
@@ -3513,7 +3526,7 @@
           <p:cNvPr id="12" name="Picture 11">
             <a:extLst>
               <a:ext uri="{FF2B5EF4-FFF2-40B4-BE49-F238E27FC236}">
-                <a16:creationId xmlns:a16="http://schemas.microsoft.com/office/drawing/2014/main" id="{38E19669-8A42-4F29-8E01-EEB1EB4F10C2}"/>
+                <a16:creationId xmlns="" xmlns:a16="http://schemas.microsoft.com/office/drawing/2014/main" id="{38E19669-8A42-4F29-8E01-EEB1EB4F10C2}"/>
               </a:ext>
             </a:extLst>
           </p:cNvPr>
@@ -3549,7 +3562,7 @@
           <p:cNvPr id="13" name="TextBox 12">
             <a:extLst>
               <a:ext uri="{FF2B5EF4-FFF2-40B4-BE49-F238E27FC236}">
-                <a16:creationId xmlns:a16="http://schemas.microsoft.com/office/drawing/2014/main" id="{FB13C036-BE0C-4C86-8889-4CFD8029134C}"/>
+                <a16:creationId xmlns="" xmlns:a16="http://schemas.microsoft.com/office/drawing/2014/main" id="{FB13C036-BE0C-4C86-8889-4CFD8029134C}"/>
               </a:ext>
             </a:extLst>
           </p:cNvPr>
@@ -3584,7 +3597,7 @@
           <p:cNvPr id="14" name="Picture 13">
             <a:extLst>
               <a:ext uri="{FF2B5EF4-FFF2-40B4-BE49-F238E27FC236}">
-                <a16:creationId xmlns:a16="http://schemas.microsoft.com/office/drawing/2014/main" id="{75AD06B2-C8A4-405C-A530-47BBB044687D}"/>
+                <a16:creationId xmlns="" xmlns:a16="http://schemas.microsoft.com/office/drawing/2014/main" id="{75AD06B2-C8A4-405C-A530-47BBB044687D}"/>
               </a:ext>
             </a:extLst>
           </p:cNvPr>
@@ -3614,7 +3627,7 @@
           <p:cNvPr id="15" name="Picture 14">
             <a:extLst>
               <a:ext uri="{FF2B5EF4-FFF2-40B4-BE49-F238E27FC236}">
-                <a16:creationId xmlns:a16="http://schemas.microsoft.com/office/drawing/2014/main" id="{8DE3C90A-EE14-4398-88F6-BB2FDCA3B1ED}"/>
+                <a16:creationId xmlns="" xmlns:a16="http://schemas.microsoft.com/office/drawing/2014/main" id="{8DE3C90A-EE14-4398-88F6-BB2FDCA3B1ED}"/>
               </a:ext>
             </a:extLst>
           </p:cNvPr>
@@ -3644,7 +3657,7 @@
           <p:cNvPr id="16" name="Picture 15">
             <a:extLst>
               <a:ext uri="{FF2B5EF4-FFF2-40B4-BE49-F238E27FC236}">
-                <a16:creationId xmlns:a16="http://schemas.microsoft.com/office/drawing/2014/main" id="{5E48969D-FFF8-4089-8610-9627728307E6}"/>
+                <a16:creationId xmlns="" xmlns:a16="http://schemas.microsoft.com/office/drawing/2014/main" id="{5E48969D-FFF8-4089-8610-9627728307E6}"/>
               </a:ext>
             </a:extLst>
           </p:cNvPr>
@@ -3669,6 +3682,54 @@
           </a:prstGeom>
         </p:spPr>
       </p:pic>
+      <p:pic>
+        <p:nvPicPr>
+          <p:cNvPr id="3" name="Picture 2"/>
+          <p:cNvPicPr>
+            <a:picLocks noChangeAspect="1"/>
+          </p:cNvPicPr>
+          <p:nvPr/>
+        </p:nvPicPr>
+        <p:blipFill>
+          <a:blip r:embed="rId7"/>
+          <a:stretch>
+            <a:fillRect/>
+          </a:stretch>
+        </p:blipFill>
+        <p:spPr>
+          <a:xfrm>
+            <a:off x="948244" y="5149629"/>
+            <a:ext cx="5010150" cy="714375"/>
+          </a:xfrm>
+          <a:prstGeom prst="rect">
+            <a:avLst/>
+          </a:prstGeom>
+        </p:spPr>
+      </p:pic>
+      <p:pic>
+        <p:nvPicPr>
+          <p:cNvPr id="4" name="Picture 3"/>
+          <p:cNvPicPr>
+            <a:picLocks noChangeAspect="1"/>
+          </p:cNvPicPr>
+          <p:nvPr/>
+        </p:nvPicPr>
+        <p:blipFill>
+          <a:blip r:embed="rId8"/>
+          <a:stretch>
+            <a:fillRect/>
+          </a:stretch>
+        </p:blipFill>
+        <p:spPr>
+          <a:xfrm>
+            <a:off x="948244" y="6103434"/>
+            <a:ext cx="2047875" cy="447675"/>
+          </a:xfrm>
+          <a:prstGeom prst="rect">
+            <a:avLst/>
+          </a:prstGeom>
+        </p:spPr>
+      </p:pic>
     </p:spTree>
     <p:extLst>
       <p:ext uri="{BB962C8B-B14F-4D97-AF65-F5344CB8AC3E}">
@@ -3679,6 +3740,13 @@
   <p:clrMapOvr>
     <a:masterClrMapping/>
   </p:clrMapOvr>
+  <p:timing>
+    <p:tnLst>
+      <p:par>
+        <p:cTn id="1" dur="indefinite" restart="never" nodeType="tmRoot"/>
+      </p:par>
+    </p:tnLst>
+  </p:timing>
 </p:sld>
 </file>
 

--- a/UI-UX/UI UX for growme/component.pptx
+++ b/UI-UX/UI UX for growme/component.pptx
@@ -5,8 +5,10 @@
     <p:sldMasterId id="2147483648" r:id="rId1"/>
   </p:sldMasterIdLst>
   <p:sldIdLst>
-    <p:sldId id="256" r:id="rId2"/>
+    <p:sldId id="258" r:id="rId2"/>
     <p:sldId id="257" r:id="rId3"/>
+    <p:sldId id="256" r:id="rId4"/>
+    <p:sldId id="259" r:id="rId5"/>
   </p:sldIdLst>
   <p:sldSz cx="12192000" cy="6858000"/>
   <p:notesSz cx="6858000" cy="9144000"/>
@@ -135,7 +137,7 @@
           <p:cNvPr id="2" name="Title 1">
             <a:extLst>
               <a:ext uri="{FF2B5EF4-FFF2-40B4-BE49-F238E27FC236}">
-                <a16:creationId xmlns="" xmlns:a16="http://schemas.microsoft.com/office/drawing/2014/main" id="{5C21F922-234E-4C16-BA0C-A408FAE13090}"/>
+                <a16:creationId xmlns:a16="http://schemas.microsoft.com/office/drawing/2014/main" id="{5C21F922-234E-4C16-BA0C-A408FAE13090}"/>
               </a:ext>
             </a:extLst>
           </p:cNvPr>
@@ -172,7 +174,7 @@
           <p:cNvPr id="3" name="Subtitle 2">
             <a:extLst>
               <a:ext uri="{FF2B5EF4-FFF2-40B4-BE49-F238E27FC236}">
-                <a16:creationId xmlns="" xmlns:a16="http://schemas.microsoft.com/office/drawing/2014/main" id="{61473917-140F-43B1-A72E-65C0A3274DF6}"/>
+                <a16:creationId xmlns:a16="http://schemas.microsoft.com/office/drawing/2014/main" id="{61473917-140F-43B1-A72E-65C0A3274DF6}"/>
               </a:ext>
             </a:extLst>
           </p:cNvPr>
@@ -242,7 +244,7 @@
           <p:cNvPr id="4" name="Date Placeholder 3">
             <a:extLst>
               <a:ext uri="{FF2B5EF4-FFF2-40B4-BE49-F238E27FC236}">
-                <a16:creationId xmlns="" xmlns:a16="http://schemas.microsoft.com/office/drawing/2014/main" id="{9B84E667-32AF-4717-AE0A-34AAA2AA1A70}"/>
+                <a16:creationId xmlns:a16="http://schemas.microsoft.com/office/drawing/2014/main" id="{9B84E667-32AF-4717-AE0A-34AAA2AA1A70}"/>
               </a:ext>
             </a:extLst>
           </p:cNvPr>
@@ -271,7 +273,7 @@
           <p:cNvPr id="5" name="Footer Placeholder 4">
             <a:extLst>
               <a:ext uri="{FF2B5EF4-FFF2-40B4-BE49-F238E27FC236}">
-                <a16:creationId xmlns="" xmlns:a16="http://schemas.microsoft.com/office/drawing/2014/main" id="{E5F22B24-05C7-43AE-81ED-E2812940AD03}"/>
+                <a16:creationId xmlns:a16="http://schemas.microsoft.com/office/drawing/2014/main" id="{E5F22B24-05C7-43AE-81ED-E2812940AD03}"/>
               </a:ext>
             </a:extLst>
           </p:cNvPr>
@@ -296,7 +298,7 @@
           <p:cNvPr id="6" name="Slide Number Placeholder 5">
             <a:extLst>
               <a:ext uri="{FF2B5EF4-FFF2-40B4-BE49-F238E27FC236}">
-                <a16:creationId xmlns="" xmlns:a16="http://schemas.microsoft.com/office/drawing/2014/main" id="{9A72D9D2-1A75-4B16-8F91-1F44C9880C62}"/>
+                <a16:creationId xmlns:a16="http://schemas.microsoft.com/office/drawing/2014/main" id="{9A72D9D2-1A75-4B16-8F91-1F44C9880C62}"/>
               </a:ext>
             </a:extLst>
           </p:cNvPr>
@@ -355,7 +357,7 @@
           <p:cNvPr id="2" name="Title 1">
             <a:extLst>
               <a:ext uri="{FF2B5EF4-FFF2-40B4-BE49-F238E27FC236}">
-                <a16:creationId xmlns="" xmlns:a16="http://schemas.microsoft.com/office/drawing/2014/main" id="{75D339D0-3519-4170-8393-A28C3413890C}"/>
+                <a16:creationId xmlns:a16="http://schemas.microsoft.com/office/drawing/2014/main" id="{75D339D0-3519-4170-8393-A28C3413890C}"/>
               </a:ext>
             </a:extLst>
           </p:cNvPr>
@@ -383,7 +385,7 @@
           <p:cNvPr id="3" name="Vertical Text Placeholder 2">
             <a:extLst>
               <a:ext uri="{FF2B5EF4-FFF2-40B4-BE49-F238E27FC236}">
-                <a16:creationId xmlns="" xmlns:a16="http://schemas.microsoft.com/office/drawing/2014/main" id="{FF4FF66A-2E5A-4BDA-8BEA-6EB25452B9F2}"/>
+                <a16:creationId xmlns:a16="http://schemas.microsoft.com/office/drawing/2014/main" id="{FF4FF66A-2E5A-4BDA-8BEA-6EB25452B9F2}"/>
               </a:ext>
             </a:extLst>
           </p:cNvPr>
@@ -440,7 +442,7 @@
           <p:cNvPr id="4" name="Date Placeholder 3">
             <a:extLst>
               <a:ext uri="{FF2B5EF4-FFF2-40B4-BE49-F238E27FC236}">
-                <a16:creationId xmlns="" xmlns:a16="http://schemas.microsoft.com/office/drawing/2014/main" id="{567D9531-0F0B-4EE6-8576-BBE409DD2371}"/>
+                <a16:creationId xmlns:a16="http://schemas.microsoft.com/office/drawing/2014/main" id="{567D9531-0F0B-4EE6-8576-BBE409DD2371}"/>
               </a:ext>
             </a:extLst>
           </p:cNvPr>
@@ -469,7 +471,7 @@
           <p:cNvPr id="5" name="Footer Placeholder 4">
             <a:extLst>
               <a:ext uri="{FF2B5EF4-FFF2-40B4-BE49-F238E27FC236}">
-                <a16:creationId xmlns="" xmlns:a16="http://schemas.microsoft.com/office/drawing/2014/main" id="{F944FA8E-A1EA-4A7F-A38D-3D2B820854CF}"/>
+                <a16:creationId xmlns:a16="http://schemas.microsoft.com/office/drawing/2014/main" id="{F944FA8E-A1EA-4A7F-A38D-3D2B820854CF}"/>
               </a:ext>
             </a:extLst>
           </p:cNvPr>
@@ -494,7 +496,7 @@
           <p:cNvPr id="6" name="Slide Number Placeholder 5">
             <a:extLst>
               <a:ext uri="{FF2B5EF4-FFF2-40B4-BE49-F238E27FC236}">
-                <a16:creationId xmlns="" xmlns:a16="http://schemas.microsoft.com/office/drawing/2014/main" id="{FD493899-D9A1-4478-89E3-B58B3EE365D4}"/>
+                <a16:creationId xmlns:a16="http://schemas.microsoft.com/office/drawing/2014/main" id="{FD493899-D9A1-4478-89E3-B58B3EE365D4}"/>
               </a:ext>
             </a:extLst>
           </p:cNvPr>
@@ -553,7 +555,7 @@
           <p:cNvPr id="2" name="Vertical Title 1">
             <a:extLst>
               <a:ext uri="{FF2B5EF4-FFF2-40B4-BE49-F238E27FC236}">
-                <a16:creationId xmlns="" xmlns:a16="http://schemas.microsoft.com/office/drawing/2014/main" id="{DA1BEC7D-35AE-4183-87B5-BF3A50138A31}"/>
+                <a16:creationId xmlns:a16="http://schemas.microsoft.com/office/drawing/2014/main" id="{DA1BEC7D-35AE-4183-87B5-BF3A50138A31}"/>
               </a:ext>
             </a:extLst>
           </p:cNvPr>
@@ -586,7 +588,7 @@
           <p:cNvPr id="3" name="Vertical Text Placeholder 2">
             <a:extLst>
               <a:ext uri="{FF2B5EF4-FFF2-40B4-BE49-F238E27FC236}">
-                <a16:creationId xmlns="" xmlns:a16="http://schemas.microsoft.com/office/drawing/2014/main" id="{52DCBB40-B5FB-4BFC-A89E-798ECC494616}"/>
+                <a16:creationId xmlns:a16="http://schemas.microsoft.com/office/drawing/2014/main" id="{52DCBB40-B5FB-4BFC-A89E-798ECC494616}"/>
               </a:ext>
             </a:extLst>
           </p:cNvPr>
@@ -648,7 +650,7 @@
           <p:cNvPr id="4" name="Date Placeholder 3">
             <a:extLst>
               <a:ext uri="{FF2B5EF4-FFF2-40B4-BE49-F238E27FC236}">
-                <a16:creationId xmlns="" xmlns:a16="http://schemas.microsoft.com/office/drawing/2014/main" id="{E5551FFE-B458-4263-83B3-5A4395618D8F}"/>
+                <a16:creationId xmlns:a16="http://schemas.microsoft.com/office/drawing/2014/main" id="{E5551FFE-B458-4263-83B3-5A4395618D8F}"/>
               </a:ext>
             </a:extLst>
           </p:cNvPr>
@@ -677,7 +679,7 @@
           <p:cNvPr id="5" name="Footer Placeholder 4">
             <a:extLst>
               <a:ext uri="{FF2B5EF4-FFF2-40B4-BE49-F238E27FC236}">
-                <a16:creationId xmlns="" xmlns:a16="http://schemas.microsoft.com/office/drawing/2014/main" id="{B21AA19F-5749-4744-8CF3-35CFA0A7B32B}"/>
+                <a16:creationId xmlns:a16="http://schemas.microsoft.com/office/drawing/2014/main" id="{B21AA19F-5749-4744-8CF3-35CFA0A7B32B}"/>
               </a:ext>
             </a:extLst>
           </p:cNvPr>
@@ -702,7 +704,7 @@
           <p:cNvPr id="6" name="Slide Number Placeholder 5">
             <a:extLst>
               <a:ext uri="{FF2B5EF4-FFF2-40B4-BE49-F238E27FC236}">
-                <a16:creationId xmlns="" xmlns:a16="http://schemas.microsoft.com/office/drawing/2014/main" id="{F9FC4D0B-24DD-458A-9439-51A0489CB31D}"/>
+                <a16:creationId xmlns:a16="http://schemas.microsoft.com/office/drawing/2014/main" id="{F9FC4D0B-24DD-458A-9439-51A0489CB31D}"/>
               </a:ext>
             </a:extLst>
           </p:cNvPr>
@@ -761,7 +763,7 @@
           <p:cNvPr id="2" name="Title 1">
             <a:extLst>
               <a:ext uri="{FF2B5EF4-FFF2-40B4-BE49-F238E27FC236}">
-                <a16:creationId xmlns="" xmlns:a16="http://schemas.microsoft.com/office/drawing/2014/main" id="{6FEC939E-48DB-45A0-BF70-ABD42F13505F}"/>
+                <a16:creationId xmlns:a16="http://schemas.microsoft.com/office/drawing/2014/main" id="{6FEC939E-48DB-45A0-BF70-ABD42F13505F}"/>
               </a:ext>
             </a:extLst>
           </p:cNvPr>
@@ -789,7 +791,7 @@
           <p:cNvPr id="3" name="Content Placeholder 2">
             <a:extLst>
               <a:ext uri="{FF2B5EF4-FFF2-40B4-BE49-F238E27FC236}">
-                <a16:creationId xmlns="" xmlns:a16="http://schemas.microsoft.com/office/drawing/2014/main" id="{287CAC3B-8B90-423F-8B89-74E45615EAE3}"/>
+                <a16:creationId xmlns:a16="http://schemas.microsoft.com/office/drawing/2014/main" id="{287CAC3B-8B90-423F-8B89-74E45615EAE3}"/>
               </a:ext>
             </a:extLst>
           </p:cNvPr>
@@ -846,7 +848,7 @@
           <p:cNvPr id="4" name="Date Placeholder 3">
             <a:extLst>
               <a:ext uri="{FF2B5EF4-FFF2-40B4-BE49-F238E27FC236}">
-                <a16:creationId xmlns="" xmlns:a16="http://schemas.microsoft.com/office/drawing/2014/main" id="{49985B83-280A-4585-9FAF-61DE67C6E425}"/>
+                <a16:creationId xmlns:a16="http://schemas.microsoft.com/office/drawing/2014/main" id="{49985B83-280A-4585-9FAF-61DE67C6E425}"/>
               </a:ext>
             </a:extLst>
           </p:cNvPr>
@@ -875,7 +877,7 @@
           <p:cNvPr id="5" name="Footer Placeholder 4">
             <a:extLst>
               <a:ext uri="{FF2B5EF4-FFF2-40B4-BE49-F238E27FC236}">
-                <a16:creationId xmlns="" xmlns:a16="http://schemas.microsoft.com/office/drawing/2014/main" id="{D3312D74-B28D-4412-ACC0-C1B012008503}"/>
+                <a16:creationId xmlns:a16="http://schemas.microsoft.com/office/drawing/2014/main" id="{D3312D74-B28D-4412-ACC0-C1B012008503}"/>
               </a:ext>
             </a:extLst>
           </p:cNvPr>
@@ -900,7 +902,7 @@
           <p:cNvPr id="6" name="Slide Number Placeholder 5">
             <a:extLst>
               <a:ext uri="{FF2B5EF4-FFF2-40B4-BE49-F238E27FC236}">
-                <a16:creationId xmlns="" xmlns:a16="http://schemas.microsoft.com/office/drawing/2014/main" id="{BB5E8B83-4C02-4B0D-ADC7-9D781BE1EF8E}"/>
+                <a16:creationId xmlns:a16="http://schemas.microsoft.com/office/drawing/2014/main" id="{BB5E8B83-4C02-4B0D-ADC7-9D781BE1EF8E}"/>
               </a:ext>
             </a:extLst>
           </p:cNvPr>
@@ -959,7 +961,7 @@
           <p:cNvPr id="2" name="Title 1">
             <a:extLst>
               <a:ext uri="{FF2B5EF4-FFF2-40B4-BE49-F238E27FC236}">
-                <a16:creationId xmlns="" xmlns:a16="http://schemas.microsoft.com/office/drawing/2014/main" id="{1E1E6155-32F6-4A5A-8A18-5F78875EC2CB}"/>
+                <a16:creationId xmlns:a16="http://schemas.microsoft.com/office/drawing/2014/main" id="{1E1E6155-32F6-4A5A-8A18-5F78875EC2CB}"/>
               </a:ext>
             </a:extLst>
           </p:cNvPr>
@@ -996,7 +998,7 @@
           <p:cNvPr id="3" name="Text Placeholder 2">
             <a:extLst>
               <a:ext uri="{FF2B5EF4-FFF2-40B4-BE49-F238E27FC236}">
-                <a16:creationId xmlns="" xmlns:a16="http://schemas.microsoft.com/office/drawing/2014/main" id="{2CED21DB-E27B-4AD9-A716-06E36E56889A}"/>
+                <a16:creationId xmlns:a16="http://schemas.microsoft.com/office/drawing/2014/main" id="{2CED21DB-E27B-4AD9-A716-06E36E56889A}"/>
               </a:ext>
             </a:extLst>
           </p:cNvPr>
@@ -1121,7 +1123,7 @@
           <p:cNvPr id="4" name="Date Placeholder 3">
             <a:extLst>
               <a:ext uri="{FF2B5EF4-FFF2-40B4-BE49-F238E27FC236}">
-                <a16:creationId xmlns="" xmlns:a16="http://schemas.microsoft.com/office/drawing/2014/main" id="{4770ECB6-9FFF-42DF-A378-23F8C283E06B}"/>
+                <a16:creationId xmlns:a16="http://schemas.microsoft.com/office/drawing/2014/main" id="{4770ECB6-9FFF-42DF-A378-23F8C283E06B}"/>
               </a:ext>
             </a:extLst>
           </p:cNvPr>
@@ -1150,7 +1152,7 @@
           <p:cNvPr id="5" name="Footer Placeholder 4">
             <a:extLst>
               <a:ext uri="{FF2B5EF4-FFF2-40B4-BE49-F238E27FC236}">
-                <a16:creationId xmlns="" xmlns:a16="http://schemas.microsoft.com/office/drawing/2014/main" id="{0C476698-E54D-42EF-989D-BA9BC71F32C6}"/>
+                <a16:creationId xmlns:a16="http://schemas.microsoft.com/office/drawing/2014/main" id="{0C476698-E54D-42EF-989D-BA9BC71F32C6}"/>
               </a:ext>
             </a:extLst>
           </p:cNvPr>
@@ -1175,7 +1177,7 @@
           <p:cNvPr id="6" name="Slide Number Placeholder 5">
             <a:extLst>
               <a:ext uri="{FF2B5EF4-FFF2-40B4-BE49-F238E27FC236}">
-                <a16:creationId xmlns="" xmlns:a16="http://schemas.microsoft.com/office/drawing/2014/main" id="{55FA6F0B-0A05-436D-A34A-C6330E055239}"/>
+                <a16:creationId xmlns:a16="http://schemas.microsoft.com/office/drawing/2014/main" id="{55FA6F0B-0A05-436D-A34A-C6330E055239}"/>
               </a:ext>
             </a:extLst>
           </p:cNvPr>
@@ -1234,7 +1236,7 @@
           <p:cNvPr id="2" name="Title 1">
             <a:extLst>
               <a:ext uri="{FF2B5EF4-FFF2-40B4-BE49-F238E27FC236}">
-                <a16:creationId xmlns="" xmlns:a16="http://schemas.microsoft.com/office/drawing/2014/main" id="{89CE1A35-AB21-457B-8692-83C16704195D}"/>
+                <a16:creationId xmlns:a16="http://schemas.microsoft.com/office/drawing/2014/main" id="{89CE1A35-AB21-457B-8692-83C16704195D}"/>
               </a:ext>
             </a:extLst>
           </p:cNvPr>
@@ -1262,7 +1264,7 @@
           <p:cNvPr id="3" name="Content Placeholder 2">
             <a:extLst>
               <a:ext uri="{FF2B5EF4-FFF2-40B4-BE49-F238E27FC236}">
-                <a16:creationId xmlns="" xmlns:a16="http://schemas.microsoft.com/office/drawing/2014/main" id="{1258D2CA-4E12-4688-86DE-53809F41FBF5}"/>
+                <a16:creationId xmlns:a16="http://schemas.microsoft.com/office/drawing/2014/main" id="{1258D2CA-4E12-4688-86DE-53809F41FBF5}"/>
               </a:ext>
             </a:extLst>
           </p:cNvPr>
@@ -1324,7 +1326,7 @@
           <p:cNvPr id="4" name="Content Placeholder 3">
             <a:extLst>
               <a:ext uri="{FF2B5EF4-FFF2-40B4-BE49-F238E27FC236}">
-                <a16:creationId xmlns="" xmlns:a16="http://schemas.microsoft.com/office/drawing/2014/main" id="{02DB4488-6BCD-4FBB-BA6F-891423BF64E7}"/>
+                <a16:creationId xmlns:a16="http://schemas.microsoft.com/office/drawing/2014/main" id="{02DB4488-6BCD-4FBB-BA6F-891423BF64E7}"/>
               </a:ext>
             </a:extLst>
           </p:cNvPr>
@@ -1386,7 +1388,7 @@
           <p:cNvPr id="5" name="Date Placeholder 4">
             <a:extLst>
               <a:ext uri="{FF2B5EF4-FFF2-40B4-BE49-F238E27FC236}">
-                <a16:creationId xmlns="" xmlns:a16="http://schemas.microsoft.com/office/drawing/2014/main" id="{4B1F5D54-C32C-48E1-9990-A0B92930D454}"/>
+                <a16:creationId xmlns:a16="http://schemas.microsoft.com/office/drawing/2014/main" id="{4B1F5D54-C32C-48E1-9990-A0B92930D454}"/>
               </a:ext>
             </a:extLst>
           </p:cNvPr>
@@ -1415,7 +1417,7 @@
           <p:cNvPr id="6" name="Footer Placeholder 5">
             <a:extLst>
               <a:ext uri="{FF2B5EF4-FFF2-40B4-BE49-F238E27FC236}">
-                <a16:creationId xmlns="" xmlns:a16="http://schemas.microsoft.com/office/drawing/2014/main" id="{43B9A249-3E49-483C-A6DD-81CDBF87C740}"/>
+                <a16:creationId xmlns:a16="http://schemas.microsoft.com/office/drawing/2014/main" id="{43B9A249-3E49-483C-A6DD-81CDBF87C740}"/>
               </a:ext>
             </a:extLst>
           </p:cNvPr>
@@ -1440,7 +1442,7 @@
           <p:cNvPr id="7" name="Slide Number Placeholder 6">
             <a:extLst>
               <a:ext uri="{FF2B5EF4-FFF2-40B4-BE49-F238E27FC236}">
-                <a16:creationId xmlns="" xmlns:a16="http://schemas.microsoft.com/office/drawing/2014/main" id="{112A5A19-3F75-4F9B-B937-3D438E69C153}"/>
+                <a16:creationId xmlns:a16="http://schemas.microsoft.com/office/drawing/2014/main" id="{112A5A19-3F75-4F9B-B937-3D438E69C153}"/>
               </a:ext>
             </a:extLst>
           </p:cNvPr>
@@ -1499,7 +1501,7 @@
           <p:cNvPr id="2" name="Title 1">
             <a:extLst>
               <a:ext uri="{FF2B5EF4-FFF2-40B4-BE49-F238E27FC236}">
-                <a16:creationId xmlns="" xmlns:a16="http://schemas.microsoft.com/office/drawing/2014/main" id="{9EBFBE45-8F98-4422-B58F-A729E90B33AB}"/>
+                <a16:creationId xmlns:a16="http://schemas.microsoft.com/office/drawing/2014/main" id="{9EBFBE45-8F98-4422-B58F-A729E90B33AB}"/>
               </a:ext>
             </a:extLst>
           </p:cNvPr>
@@ -1532,7 +1534,7 @@
           <p:cNvPr id="3" name="Text Placeholder 2">
             <a:extLst>
               <a:ext uri="{FF2B5EF4-FFF2-40B4-BE49-F238E27FC236}">
-                <a16:creationId xmlns="" xmlns:a16="http://schemas.microsoft.com/office/drawing/2014/main" id="{4B67A49B-170C-4CBE-981E-02BBA6E3A09A}"/>
+                <a16:creationId xmlns:a16="http://schemas.microsoft.com/office/drawing/2014/main" id="{4B67A49B-170C-4CBE-981E-02BBA6E3A09A}"/>
               </a:ext>
             </a:extLst>
           </p:cNvPr>
@@ -1603,7 +1605,7 @@
           <p:cNvPr id="4" name="Content Placeholder 3">
             <a:extLst>
               <a:ext uri="{FF2B5EF4-FFF2-40B4-BE49-F238E27FC236}">
-                <a16:creationId xmlns="" xmlns:a16="http://schemas.microsoft.com/office/drawing/2014/main" id="{6693BD4B-FD2C-4631-98CE-A49CE4464445}"/>
+                <a16:creationId xmlns:a16="http://schemas.microsoft.com/office/drawing/2014/main" id="{6693BD4B-FD2C-4631-98CE-A49CE4464445}"/>
               </a:ext>
             </a:extLst>
           </p:cNvPr>
@@ -1665,7 +1667,7 @@
           <p:cNvPr id="5" name="Text Placeholder 4">
             <a:extLst>
               <a:ext uri="{FF2B5EF4-FFF2-40B4-BE49-F238E27FC236}">
-                <a16:creationId xmlns="" xmlns:a16="http://schemas.microsoft.com/office/drawing/2014/main" id="{28020F93-9ED6-4DCC-A035-E86C32160D8E}"/>
+                <a16:creationId xmlns:a16="http://schemas.microsoft.com/office/drawing/2014/main" id="{28020F93-9ED6-4DCC-A035-E86C32160D8E}"/>
               </a:ext>
             </a:extLst>
           </p:cNvPr>
@@ -1736,7 +1738,7 @@
           <p:cNvPr id="6" name="Content Placeholder 5">
             <a:extLst>
               <a:ext uri="{FF2B5EF4-FFF2-40B4-BE49-F238E27FC236}">
-                <a16:creationId xmlns="" xmlns:a16="http://schemas.microsoft.com/office/drawing/2014/main" id="{5EA335DE-A267-4511-A30B-2D4257AFA77C}"/>
+                <a16:creationId xmlns:a16="http://schemas.microsoft.com/office/drawing/2014/main" id="{5EA335DE-A267-4511-A30B-2D4257AFA77C}"/>
               </a:ext>
             </a:extLst>
           </p:cNvPr>
@@ -1798,7 +1800,7 @@
           <p:cNvPr id="7" name="Date Placeholder 6">
             <a:extLst>
               <a:ext uri="{FF2B5EF4-FFF2-40B4-BE49-F238E27FC236}">
-                <a16:creationId xmlns="" xmlns:a16="http://schemas.microsoft.com/office/drawing/2014/main" id="{F0DA7BF9-03CC-4ED1-8663-57772B5F6D5D}"/>
+                <a16:creationId xmlns:a16="http://schemas.microsoft.com/office/drawing/2014/main" id="{F0DA7BF9-03CC-4ED1-8663-57772B5F6D5D}"/>
               </a:ext>
             </a:extLst>
           </p:cNvPr>
@@ -1827,7 +1829,7 @@
           <p:cNvPr id="8" name="Footer Placeholder 7">
             <a:extLst>
               <a:ext uri="{FF2B5EF4-FFF2-40B4-BE49-F238E27FC236}">
-                <a16:creationId xmlns="" xmlns:a16="http://schemas.microsoft.com/office/drawing/2014/main" id="{F6326910-A256-4648-AFF0-D3BBD1D11E44}"/>
+                <a16:creationId xmlns:a16="http://schemas.microsoft.com/office/drawing/2014/main" id="{F6326910-A256-4648-AFF0-D3BBD1D11E44}"/>
               </a:ext>
             </a:extLst>
           </p:cNvPr>
@@ -1852,7 +1854,7 @@
           <p:cNvPr id="9" name="Slide Number Placeholder 8">
             <a:extLst>
               <a:ext uri="{FF2B5EF4-FFF2-40B4-BE49-F238E27FC236}">
-                <a16:creationId xmlns="" xmlns:a16="http://schemas.microsoft.com/office/drawing/2014/main" id="{5A51905A-E801-4DD4-888B-D60D6FCA1676}"/>
+                <a16:creationId xmlns:a16="http://schemas.microsoft.com/office/drawing/2014/main" id="{5A51905A-E801-4DD4-888B-D60D6FCA1676}"/>
               </a:ext>
             </a:extLst>
           </p:cNvPr>
@@ -1911,7 +1913,7 @@
           <p:cNvPr id="2" name="Title 1">
             <a:extLst>
               <a:ext uri="{FF2B5EF4-FFF2-40B4-BE49-F238E27FC236}">
-                <a16:creationId xmlns="" xmlns:a16="http://schemas.microsoft.com/office/drawing/2014/main" id="{F01574DC-D70E-4E13-BAA2-2BAB6BDDA1BE}"/>
+                <a16:creationId xmlns:a16="http://schemas.microsoft.com/office/drawing/2014/main" id="{F01574DC-D70E-4E13-BAA2-2BAB6BDDA1BE}"/>
               </a:ext>
             </a:extLst>
           </p:cNvPr>
@@ -1939,7 +1941,7 @@
           <p:cNvPr id="3" name="Date Placeholder 2">
             <a:extLst>
               <a:ext uri="{FF2B5EF4-FFF2-40B4-BE49-F238E27FC236}">
-                <a16:creationId xmlns="" xmlns:a16="http://schemas.microsoft.com/office/drawing/2014/main" id="{5BDFCFDC-FB63-4E1D-8D77-331B67EB3329}"/>
+                <a16:creationId xmlns:a16="http://schemas.microsoft.com/office/drawing/2014/main" id="{5BDFCFDC-FB63-4E1D-8D77-331B67EB3329}"/>
               </a:ext>
             </a:extLst>
           </p:cNvPr>
@@ -1968,7 +1970,7 @@
           <p:cNvPr id="4" name="Footer Placeholder 3">
             <a:extLst>
               <a:ext uri="{FF2B5EF4-FFF2-40B4-BE49-F238E27FC236}">
-                <a16:creationId xmlns="" xmlns:a16="http://schemas.microsoft.com/office/drawing/2014/main" id="{C93BD201-E67A-479F-800F-646C87E08B86}"/>
+                <a16:creationId xmlns:a16="http://schemas.microsoft.com/office/drawing/2014/main" id="{C93BD201-E67A-479F-800F-646C87E08B86}"/>
               </a:ext>
             </a:extLst>
           </p:cNvPr>
@@ -1993,7 +1995,7 @@
           <p:cNvPr id="5" name="Slide Number Placeholder 4">
             <a:extLst>
               <a:ext uri="{FF2B5EF4-FFF2-40B4-BE49-F238E27FC236}">
-                <a16:creationId xmlns="" xmlns:a16="http://schemas.microsoft.com/office/drawing/2014/main" id="{9CF123EE-031D-4607-8CC2-222D182BA812}"/>
+                <a16:creationId xmlns:a16="http://schemas.microsoft.com/office/drawing/2014/main" id="{9CF123EE-031D-4607-8CC2-222D182BA812}"/>
               </a:ext>
             </a:extLst>
           </p:cNvPr>
@@ -2052,7 +2054,7 @@
           <p:cNvPr id="2" name="Date Placeholder 1">
             <a:extLst>
               <a:ext uri="{FF2B5EF4-FFF2-40B4-BE49-F238E27FC236}">
-                <a16:creationId xmlns="" xmlns:a16="http://schemas.microsoft.com/office/drawing/2014/main" id="{2AC405A8-0889-4551-98FC-31C295107D28}"/>
+                <a16:creationId xmlns:a16="http://schemas.microsoft.com/office/drawing/2014/main" id="{2AC405A8-0889-4551-98FC-31C295107D28}"/>
               </a:ext>
             </a:extLst>
           </p:cNvPr>
@@ -2081,7 +2083,7 @@
           <p:cNvPr id="3" name="Footer Placeholder 2">
             <a:extLst>
               <a:ext uri="{FF2B5EF4-FFF2-40B4-BE49-F238E27FC236}">
-                <a16:creationId xmlns="" xmlns:a16="http://schemas.microsoft.com/office/drawing/2014/main" id="{B888B94C-FC10-4A64-BA2D-62349FBD16BD}"/>
+                <a16:creationId xmlns:a16="http://schemas.microsoft.com/office/drawing/2014/main" id="{B888B94C-FC10-4A64-BA2D-62349FBD16BD}"/>
               </a:ext>
             </a:extLst>
           </p:cNvPr>
@@ -2106,7 +2108,7 @@
           <p:cNvPr id="4" name="Slide Number Placeholder 3">
             <a:extLst>
               <a:ext uri="{FF2B5EF4-FFF2-40B4-BE49-F238E27FC236}">
-                <a16:creationId xmlns="" xmlns:a16="http://schemas.microsoft.com/office/drawing/2014/main" id="{68173BE9-46D1-4F96-9F97-9C8D181209DB}"/>
+                <a16:creationId xmlns:a16="http://schemas.microsoft.com/office/drawing/2014/main" id="{68173BE9-46D1-4F96-9F97-9C8D181209DB}"/>
               </a:ext>
             </a:extLst>
           </p:cNvPr>
@@ -2165,7 +2167,7 @@
           <p:cNvPr id="2" name="Title 1">
             <a:extLst>
               <a:ext uri="{FF2B5EF4-FFF2-40B4-BE49-F238E27FC236}">
-                <a16:creationId xmlns="" xmlns:a16="http://schemas.microsoft.com/office/drawing/2014/main" id="{4C02B39C-8592-4A5C-92AC-A06F353F0500}"/>
+                <a16:creationId xmlns:a16="http://schemas.microsoft.com/office/drawing/2014/main" id="{4C02B39C-8592-4A5C-92AC-A06F353F0500}"/>
               </a:ext>
             </a:extLst>
           </p:cNvPr>
@@ -2202,7 +2204,7 @@
           <p:cNvPr id="3" name="Content Placeholder 2">
             <a:extLst>
               <a:ext uri="{FF2B5EF4-FFF2-40B4-BE49-F238E27FC236}">
-                <a16:creationId xmlns="" xmlns:a16="http://schemas.microsoft.com/office/drawing/2014/main" id="{B4E49F6F-FBCE-4A22-8B8F-50DC9830C7AA}"/>
+                <a16:creationId xmlns:a16="http://schemas.microsoft.com/office/drawing/2014/main" id="{B4E49F6F-FBCE-4A22-8B8F-50DC9830C7AA}"/>
               </a:ext>
             </a:extLst>
           </p:cNvPr>
@@ -2292,7 +2294,7 @@
           <p:cNvPr id="4" name="Text Placeholder 3">
             <a:extLst>
               <a:ext uri="{FF2B5EF4-FFF2-40B4-BE49-F238E27FC236}">
-                <a16:creationId xmlns="" xmlns:a16="http://schemas.microsoft.com/office/drawing/2014/main" id="{5AD8D8A1-A631-40DF-BB6D-ED9756E5DF14}"/>
+                <a16:creationId xmlns:a16="http://schemas.microsoft.com/office/drawing/2014/main" id="{5AD8D8A1-A631-40DF-BB6D-ED9756E5DF14}"/>
               </a:ext>
             </a:extLst>
           </p:cNvPr>
@@ -2363,7 +2365,7 @@
           <p:cNvPr id="5" name="Date Placeholder 4">
             <a:extLst>
               <a:ext uri="{FF2B5EF4-FFF2-40B4-BE49-F238E27FC236}">
-                <a16:creationId xmlns="" xmlns:a16="http://schemas.microsoft.com/office/drawing/2014/main" id="{423F40D2-23A4-40ED-ACF1-06D31B4F862A}"/>
+                <a16:creationId xmlns:a16="http://schemas.microsoft.com/office/drawing/2014/main" id="{423F40D2-23A4-40ED-ACF1-06D31B4F862A}"/>
               </a:ext>
             </a:extLst>
           </p:cNvPr>
@@ -2392,7 +2394,7 @@
           <p:cNvPr id="6" name="Footer Placeholder 5">
             <a:extLst>
               <a:ext uri="{FF2B5EF4-FFF2-40B4-BE49-F238E27FC236}">
-                <a16:creationId xmlns="" xmlns:a16="http://schemas.microsoft.com/office/drawing/2014/main" id="{096947EA-CEA9-4925-97CF-3968CE418D90}"/>
+                <a16:creationId xmlns:a16="http://schemas.microsoft.com/office/drawing/2014/main" id="{096947EA-CEA9-4925-97CF-3968CE418D90}"/>
               </a:ext>
             </a:extLst>
           </p:cNvPr>
@@ -2417,7 +2419,7 @@
           <p:cNvPr id="7" name="Slide Number Placeholder 6">
             <a:extLst>
               <a:ext uri="{FF2B5EF4-FFF2-40B4-BE49-F238E27FC236}">
-                <a16:creationId xmlns="" xmlns:a16="http://schemas.microsoft.com/office/drawing/2014/main" id="{A76E79D1-EB1B-4FC5-8079-9B92D5722DF5}"/>
+                <a16:creationId xmlns:a16="http://schemas.microsoft.com/office/drawing/2014/main" id="{A76E79D1-EB1B-4FC5-8079-9B92D5722DF5}"/>
               </a:ext>
             </a:extLst>
           </p:cNvPr>
@@ -2476,7 +2478,7 @@
           <p:cNvPr id="2" name="Title 1">
             <a:extLst>
               <a:ext uri="{FF2B5EF4-FFF2-40B4-BE49-F238E27FC236}">
-                <a16:creationId xmlns="" xmlns:a16="http://schemas.microsoft.com/office/drawing/2014/main" id="{071F7C7C-74CF-4124-8BA6-212BA4A8E9CA}"/>
+                <a16:creationId xmlns:a16="http://schemas.microsoft.com/office/drawing/2014/main" id="{071F7C7C-74CF-4124-8BA6-212BA4A8E9CA}"/>
               </a:ext>
             </a:extLst>
           </p:cNvPr>
@@ -2513,7 +2515,7 @@
           <p:cNvPr id="3" name="Picture Placeholder 2">
             <a:extLst>
               <a:ext uri="{FF2B5EF4-FFF2-40B4-BE49-F238E27FC236}">
-                <a16:creationId xmlns="" xmlns:a16="http://schemas.microsoft.com/office/drawing/2014/main" id="{C87408BE-072B-4C73-962E-BE3EF85E8E89}"/>
+                <a16:creationId xmlns:a16="http://schemas.microsoft.com/office/drawing/2014/main" id="{C87408BE-072B-4C73-962E-BE3EF85E8E89}"/>
               </a:ext>
             </a:extLst>
           </p:cNvPr>
@@ -2580,7 +2582,7 @@
           <p:cNvPr id="4" name="Text Placeholder 3">
             <a:extLst>
               <a:ext uri="{FF2B5EF4-FFF2-40B4-BE49-F238E27FC236}">
-                <a16:creationId xmlns="" xmlns:a16="http://schemas.microsoft.com/office/drawing/2014/main" id="{9E20EAC9-5928-4DE0-821D-15DC3BE3E241}"/>
+                <a16:creationId xmlns:a16="http://schemas.microsoft.com/office/drawing/2014/main" id="{9E20EAC9-5928-4DE0-821D-15DC3BE3E241}"/>
               </a:ext>
             </a:extLst>
           </p:cNvPr>
@@ -2651,7 +2653,7 @@
           <p:cNvPr id="5" name="Date Placeholder 4">
             <a:extLst>
               <a:ext uri="{FF2B5EF4-FFF2-40B4-BE49-F238E27FC236}">
-                <a16:creationId xmlns="" xmlns:a16="http://schemas.microsoft.com/office/drawing/2014/main" id="{947FC08D-DD7E-44FD-87FB-3EAF346E1890}"/>
+                <a16:creationId xmlns:a16="http://schemas.microsoft.com/office/drawing/2014/main" id="{947FC08D-DD7E-44FD-87FB-3EAF346E1890}"/>
               </a:ext>
             </a:extLst>
           </p:cNvPr>
@@ -2680,7 +2682,7 @@
           <p:cNvPr id="6" name="Footer Placeholder 5">
             <a:extLst>
               <a:ext uri="{FF2B5EF4-FFF2-40B4-BE49-F238E27FC236}">
-                <a16:creationId xmlns="" xmlns:a16="http://schemas.microsoft.com/office/drawing/2014/main" id="{48415425-F2C8-4A10-A5F2-0C14CF9A4B33}"/>
+                <a16:creationId xmlns:a16="http://schemas.microsoft.com/office/drawing/2014/main" id="{48415425-F2C8-4A10-A5F2-0C14CF9A4B33}"/>
               </a:ext>
             </a:extLst>
           </p:cNvPr>
@@ -2705,7 +2707,7 @@
           <p:cNvPr id="7" name="Slide Number Placeholder 6">
             <a:extLst>
               <a:ext uri="{FF2B5EF4-FFF2-40B4-BE49-F238E27FC236}">
-                <a16:creationId xmlns="" xmlns:a16="http://schemas.microsoft.com/office/drawing/2014/main" id="{D5A10787-974C-48D4-B185-B7ECBFC14FD5}"/>
+                <a16:creationId xmlns:a16="http://schemas.microsoft.com/office/drawing/2014/main" id="{D5A10787-974C-48D4-B185-B7ECBFC14FD5}"/>
               </a:ext>
             </a:extLst>
           </p:cNvPr>
@@ -2769,7 +2771,7 @@
           <p:cNvPr id="2" name="Title Placeholder 1">
             <a:extLst>
               <a:ext uri="{FF2B5EF4-FFF2-40B4-BE49-F238E27FC236}">
-                <a16:creationId xmlns="" xmlns:a16="http://schemas.microsoft.com/office/drawing/2014/main" id="{F57D8C25-DE36-453F-A0B7-7B19244C99B8}"/>
+                <a16:creationId xmlns:a16="http://schemas.microsoft.com/office/drawing/2014/main" id="{F57D8C25-DE36-453F-A0B7-7B19244C99B8}"/>
               </a:ext>
             </a:extLst>
           </p:cNvPr>
@@ -2807,7 +2809,7 @@
           <p:cNvPr id="3" name="Text Placeholder 2">
             <a:extLst>
               <a:ext uri="{FF2B5EF4-FFF2-40B4-BE49-F238E27FC236}">
-                <a16:creationId xmlns="" xmlns:a16="http://schemas.microsoft.com/office/drawing/2014/main" id="{CE62C48F-338F-4452-850E-BA0BE1D67028}"/>
+                <a16:creationId xmlns:a16="http://schemas.microsoft.com/office/drawing/2014/main" id="{CE62C48F-338F-4452-850E-BA0BE1D67028}"/>
               </a:ext>
             </a:extLst>
           </p:cNvPr>
@@ -2874,7 +2876,7 @@
           <p:cNvPr id="4" name="Date Placeholder 3">
             <a:extLst>
               <a:ext uri="{FF2B5EF4-FFF2-40B4-BE49-F238E27FC236}">
-                <a16:creationId xmlns="" xmlns:a16="http://schemas.microsoft.com/office/drawing/2014/main" id="{8DEE1446-64C8-4B5B-BE39-E51319111701}"/>
+                <a16:creationId xmlns:a16="http://schemas.microsoft.com/office/drawing/2014/main" id="{8DEE1446-64C8-4B5B-BE39-E51319111701}"/>
               </a:ext>
             </a:extLst>
           </p:cNvPr>
@@ -2921,7 +2923,7 @@
           <p:cNvPr id="5" name="Footer Placeholder 4">
             <a:extLst>
               <a:ext uri="{FF2B5EF4-FFF2-40B4-BE49-F238E27FC236}">
-                <a16:creationId xmlns="" xmlns:a16="http://schemas.microsoft.com/office/drawing/2014/main" id="{C8DA0568-7076-46A9-955E-D70DB5BC994B}"/>
+                <a16:creationId xmlns:a16="http://schemas.microsoft.com/office/drawing/2014/main" id="{C8DA0568-7076-46A9-955E-D70DB5BC994B}"/>
               </a:ext>
             </a:extLst>
           </p:cNvPr>
@@ -2964,7 +2966,7 @@
           <p:cNvPr id="6" name="Slide Number Placeholder 5">
             <a:extLst>
               <a:ext uri="{FF2B5EF4-FFF2-40B4-BE49-F238E27FC236}">
-                <a16:creationId xmlns="" xmlns:a16="http://schemas.microsoft.com/office/drawing/2014/main" id="{C580C64F-1C6B-43C6-A7CF-D248DFAA0F80}"/>
+                <a16:creationId xmlns:a16="http://schemas.microsoft.com/office/drawing/2014/main" id="{C580C64F-1C6B-43C6-A7CF-D248DFAA0F80}"/>
               </a:ext>
             </a:extLst>
           </p:cNvPr>
@@ -3329,10 +3331,636 @@
       </p:grpSpPr>
       <p:sp>
         <p:nvSpPr>
+          <p:cNvPr id="2" name="Title 1">
+            <a:extLst>
+              <a:ext uri="{FF2B5EF4-FFF2-40B4-BE49-F238E27FC236}">
+                <a16:creationId xmlns:a16="http://schemas.microsoft.com/office/drawing/2014/main" id="{ABC7FC1A-CE71-48C5-B2D2-5D58EC35E808}"/>
+              </a:ext>
+            </a:extLst>
+          </p:cNvPr>
+          <p:cNvSpPr>
+            <a:spLocks noGrp="1"/>
+          </p:cNvSpPr>
+          <p:nvPr>
+            <p:ph type="title"/>
+          </p:nvPr>
+        </p:nvSpPr>
+        <p:spPr/>
+        <p:txBody>
+          <a:bodyPr/>
+          <a:lstStyle/>
+          <a:p>
+            <a:r>
+              <a:rPr lang="en-US"/>
+              <a:t>Color</a:t>
+            </a:r>
+          </a:p>
+        </p:txBody>
+      </p:sp>
+      <p:sp>
+        <p:nvSpPr>
+          <p:cNvPr id="5" name="Rectangle 4">
+            <a:extLst>
+              <a:ext uri="{FF2B5EF4-FFF2-40B4-BE49-F238E27FC236}">
+                <a16:creationId xmlns:a16="http://schemas.microsoft.com/office/drawing/2014/main" id="{0E7A0FCB-3010-493B-82F8-1A9F168BC0EC}"/>
+              </a:ext>
+            </a:extLst>
+          </p:cNvPr>
+          <p:cNvSpPr/>
+          <p:nvPr/>
+        </p:nvSpPr>
+        <p:spPr>
+          <a:xfrm>
+            <a:off x="2396971" y="2768772"/>
+            <a:ext cx="7474998" cy="628015"/>
+          </a:xfrm>
+          <a:prstGeom prst="rect">
+            <a:avLst/>
+          </a:prstGeom>
+          <a:gradFill flip="none" rotWithShape="1">
+            <a:gsLst>
+              <a:gs pos="0">
+                <a:srgbClr val="4DBD74"/>
+              </a:gs>
+              <a:gs pos="52000">
+                <a:srgbClr val="FFC107"/>
+              </a:gs>
+              <a:gs pos="100000">
+                <a:srgbClr val="F86C6B"/>
+              </a:gs>
+            </a:gsLst>
+            <a:lin ang="0" scaled="1"/>
+            <a:tileRect/>
+          </a:gradFill>
+          <a:ln>
+            <a:noFill/>
+          </a:ln>
+        </p:spPr>
+        <p:style>
+          <a:lnRef idx="2">
+            <a:schemeClr val="accent1">
+              <a:shade val="50000"/>
+            </a:schemeClr>
+          </a:lnRef>
+          <a:fillRef idx="1">
+            <a:schemeClr val="accent1"/>
+          </a:fillRef>
+          <a:effectRef idx="0">
+            <a:schemeClr val="accent1"/>
+          </a:effectRef>
+          <a:fontRef idx="minor">
+            <a:schemeClr val="lt1"/>
+          </a:fontRef>
+        </p:style>
+        <p:txBody>
+          <a:bodyPr rot="0" spcFirstLastPara="0" vert="horz" wrap="square" lIns="91440" tIns="45720" rIns="91440" bIns="45720" numCol="1" spcCol="0" rtlCol="0" fromWordArt="0" anchor="ctr" anchorCtr="0" forceAA="0" compatLnSpc="1">
+            <a:prstTxWarp prst="textNoShape">
+              <a:avLst/>
+            </a:prstTxWarp>
+            <a:noAutofit/>
+          </a:bodyPr>
+          <a:lstStyle/>
+          <a:p>
+            <a:endParaRPr lang="en-US"/>
+          </a:p>
+        </p:txBody>
+      </p:sp>
+      <p:sp>
+        <p:nvSpPr>
+          <p:cNvPr id="6" name="TextBox 5">
+            <a:extLst>
+              <a:ext uri="{FF2B5EF4-FFF2-40B4-BE49-F238E27FC236}">
+                <a16:creationId xmlns:a16="http://schemas.microsoft.com/office/drawing/2014/main" id="{B62BED2F-785C-40FA-A95F-E9AB974DEDBA}"/>
+              </a:ext>
+            </a:extLst>
+          </p:cNvPr>
+          <p:cNvSpPr txBox="1"/>
+          <p:nvPr/>
+        </p:nvSpPr>
+        <p:spPr>
+          <a:xfrm>
+            <a:off x="1518080" y="3595467"/>
+            <a:ext cx="2263806" cy="369332"/>
+          </a:xfrm>
+          <a:prstGeom prst="rect">
+            <a:avLst/>
+          </a:prstGeom>
+          <a:noFill/>
+        </p:spPr>
+        <p:txBody>
+          <a:bodyPr wrap="square" rtlCol="0">
+            <a:spAutoFit/>
+          </a:bodyPr>
+          <a:lstStyle/>
+          <a:p>
+            <a:r>
+              <a:rPr lang="en-US"/>
+              <a:t>GOOD  /   UP</a:t>
+            </a:r>
+          </a:p>
+        </p:txBody>
+      </p:sp>
+      <p:sp>
+        <p:nvSpPr>
+          <p:cNvPr id="7" name="TextBox 6">
+            <a:extLst>
+              <a:ext uri="{FF2B5EF4-FFF2-40B4-BE49-F238E27FC236}">
+                <a16:creationId xmlns:a16="http://schemas.microsoft.com/office/drawing/2014/main" id="{938937C0-3F99-4A00-8A83-82E16BEEEEEE}"/>
+              </a:ext>
+            </a:extLst>
+          </p:cNvPr>
+          <p:cNvSpPr txBox="1"/>
+          <p:nvPr/>
+        </p:nvSpPr>
+        <p:spPr>
+          <a:xfrm>
+            <a:off x="9102029" y="3666491"/>
+            <a:ext cx="1870771" cy="369332"/>
+          </a:xfrm>
+          <a:prstGeom prst="rect">
+            <a:avLst/>
+          </a:prstGeom>
+          <a:noFill/>
+        </p:spPr>
+        <p:txBody>
+          <a:bodyPr wrap="square" rtlCol="0">
+            <a:spAutoFit/>
+          </a:bodyPr>
+          <a:lstStyle/>
+          <a:p>
+            <a:r>
+              <a:rPr lang="en-US"/>
+              <a:t>BAD   /   DOWN</a:t>
+            </a:r>
+          </a:p>
+        </p:txBody>
+      </p:sp>
+      <p:sp>
+        <p:nvSpPr>
+          <p:cNvPr id="9" name="TextBox 8">
+            <a:extLst>
+              <a:ext uri="{FF2B5EF4-FFF2-40B4-BE49-F238E27FC236}">
+                <a16:creationId xmlns:a16="http://schemas.microsoft.com/office/drawing/2014/main" id="{63CED8A3-2D40-4FC5-BE9D-4F6BD827ECCB}"/>
+              </a:ext>
+            </a:extLst>
+          </p:cNvPr>
+          <p:cNvSpPr txBox="1"/>
+          <p:nvPr/>
+        </p:nvSpPr>
+        <p:spPr>
+          <a:xfrm>
+            <a:off x="5017362" y="3657613"/>
+            <a:ext cx="2626310" cy="369332"/>
+          </a:xfrm>
+          <a:prstGeom prst="rect">
+            <a:avLst/>
+          </a:prstGeom>
+          <a:noFill/>
+        </p:spPr>
+        <p:txBody>
+          <a:bodyPr wrap="square" rtlCol="0">
+            <a:spAutoFit/>
+          </a:bodyPr>
+          <a:lstStyle/>
+          <a:p>
+            <a:r>
+              <a:rPr lang="en-US"/>
+              <a:t>NORMAL   /   NO CHANGE</a:t>
+            </a:r>
+          </a:p>
+        </p:txBody>
+      </p:sp>
+    </p:spTree>
+    <p:extLst>
+      <p:ext uri="{BB962C8B-B14F-4D97-AF65-F5344CB8AC3E}">
+        <p14:creationId xmlns:p14="http://schemas.microsoft.com/office/powerpoint/2010/main" val="2103191014"/>
+      </p:ext>
+    </p:extLst>
+  </p:cSld>
+  <p:clrMapOvr>
+    <a:masterClrMapping/>
+  </p:clrMapOvr>
+</p:sld>
+</file>
+
+<file path=ppt/slides/slide2.xml><?xml version="1.0" encoding="utf-8"?>
+<p:sld xmlns:a="http://schemas.openxmlformats.org/drawingml/2006/main" xmlns:r="http://schemas.openxmlformats.org/officeDocument/2006/relationships" xmlns:p="http://schemas.openxmlformats.org/presentationml/2006/main">
+  <p:cSld>
+    <p:spTree>
+      <p:nvGrpSpPr>
+        <p:cNvPr id="1" name=""/>
+        <p:cNvGrpSpPr/>
+        <p:nvPr/>
+      </p:nvGrpSpPr>
+      <p:grpSpPr>
+        <a:xfrm>
+          <a:off x="0" y="0"/>
+          <a:ext cx="0" cy="0"/>
+          <a:chOff x="0" y="0"/>
+          <a:chExt cx="0" cy="0"/>
+        </a:xfrm>
+      </p:grpSpPr>
+      <p:sp>
+        <p:nvSpPr>
+          <p:cNvPr id="2" name="Title 1">
+            <a:extLst>
+              <a:ext uri="{FF2B5EF4-FFF2-40B4-BE49-F238E27FC236}">
+                <a16:creationId xmlns:a16="http://schemas.microsoft.com/office/drawing/2014/main" id="{52C1A99C-0C8E-41DB-8752-C3CD0DCED123}"/>
+              </a:ext>
+            </a:extLst>
+          </p:cNvPr>
+          <p:cNvSpPr>
+            <a:spLocks noGrp="1"/>
+          </p:cNvSpPr>
+          <p:nvPr>
+            <p:ph type="title"/>
+          </p:nvPr>
+        </p:nvSpPr>
+        <p:spPr/>
+        <p:txBody>
+          <a:bodyPr/>
+          <a:lstStyle/>
+          <a:p>
+            <a:r>
+              <a:rPr lang="en-US"/>
+              <a:t>Input, button</a:t>
+            </a:r>
+          </a:p>
+        </p:txBody>
+      </p:sp>
+      <p:sp>
+        <p:nvSpPr>
+          <p:cNvPr id="6" name="TextBox 5">
+            <a:extLst>
+              <a:ext uri="{FF2B5EF4-FFF2-40B4-BE49-F238E27FC236}">
+                <a16:creationId xmlns:a16="http://schemas.microsoft.com/office/drawing/2014/main" id="{4963DF1F-81E5-4A49-8158-73D9587FB07B}"/>
+              </a:ext>
+            </a:extLst>
+          </p:cNvPr>
+          <p:cNvSpPr txBox="1"/>
+          <p:nvPr/>
+        </p:nvSpPr>
+        <p:spPr>
+          <a:xfrm>
+            <a:off x="5395125" y="1698748"/>
+            <a:ext cx="5352658" cy="369332"/>
+          </a:xfrm>
+          <a:prstGeom prst="rect">
+            <a:avLst/>
+          </a:prstGeom>
+          <a:noFill/>
+        </p:spPr>
+        <p:txBody>
+          <a:bodyPr wrap="square" rtlCol="0">
+            <a:spAutoFit/>
+          </a:bodyPr>
+          <a:lstStyle/>
+          <a:p>
+            <a:r>
+              <a:rPr lang="en-US" err="1"/>
+              <a:t>Sử</a:t>
+            </a:r>
+            <a:r>
+              <a:rPr lang="en-US"/>
+              <a:t> </a:t>
+            </a:r>
+            <a:r>
+              <a:rPr lang="en-US" err="1"/>
+              <a:t>dụng</a:t>
+            </a:r>
+            <a:r>
+              <a:rPr lang="en-US"/>
+              <a:t> </a:t>
+            </a:r>
+            <a:r>
+              <a:rPr lang="en-US" err="1"/>
+              <a:t>cho</a:t>
+            </a:r>
+            <a:r>
+              <a:rPr lang="en-US"/>
+              <a:t> </a:t>
+            </a:r>
+            <a:r>
+              <a:rPr lang="en-US" err="1"/>
+              <a:t>các</a:t>
+            </a:r>
+            <a:r>
+              <a:rPr lang="en-US"/>
+              <a:t> </a:t>
+            </a:r>
+            <a:r>
+              <a:rPr lang="en-US" err="1"/>
+              <a:t>chức</a:t>
+            </a:r>
+            <a:r>
+              <a:rPr lang="en-US"/>
+              <a:t> </a:t>
+            </a:r>
+            <a:r>
+              <a:rPr lang="en-US" err="1"/>
+              <a:t>năng</a:t>
+            </a:r>
+            <a:r>
+              <a:rPr lang="en-US"/>
+              <a:t> </a:t>
+            </a:r>
+            <a:r>
+              <a:rPr lang="en-US" b="1"/>
+              <a:t>research, start, check  </a:t>
+            </a:r>
+          </a:p>
+        </p:txBody>
+      </p:sp>
+      <p:pic>
+        <p:nvPicPr>
+          <p:cNvPr id="12" name="Picture 11">
+            <a:extLst>
+              <a:ext uri="{FF2B5EF4-FFF2-40B4-BE49-F238E27FC236}">
+                <a16:creationId xmlns:a16="http://schemas.microsoft.com/office/drawing/2014/main" id="{38E19669-8A42-4F29-8E01-EEB1EB4F10C2}"/>
+              </a:ext>
+            </a:extLst>
+          </p:cNvPr>
+          <p:cNvPicPr>
+            <a:picLocks noChangeAspect="1"/>
+          </p:cNvPicPr>
+          <p:nvPr/>
+        </p:nvPicPr>
+        <p:blipFill>
+          <a:blip r:embed="rId2">
+            <a:extLst>
+              <a:ext uri="{28A0092B-C50C-407E-A947-70E740481C1C}">
+                <a14:useLocalDpi xmlns:a14="http://schemas.microsoft.com/office/drawing/2010/main" val="0"/>
+              </a:ext>
+            </a:extLst>
+          </a:blip>
+          <a:stretch>
+            <a:fillRect/>
+          </a:stretch>
+        </p:blipFill>
+        <p:spPr>
+          <a:xfrm>
+            <a:off x="948244" y="2628590"/>
+            <a:ext cx="771633" cy="257211"/>
+          </a:xfrm>
+          <a:prstGeom prst="rect">
+            <a:avLst/>
+          </a:prstGeom>
+        </p:spPr>
+      </p:pic>
+      <p:sp>
+        <p:nvSpPr>
+          <p:cNvPr id="13" name="TextBox 12">
+            <a:extLst>
+              <a:ext uri="{FF2B5EF4-FFF2-40B4-BE49-F238E27FC236}">
+                <a16:creationId xmlns:a16="http://schemas.microsoft.com/office/drawing/2014/main" id="{FB13C036-BE0C-4C86-8889-4CFD8029134C}"/>
+              </a:ext>
+            </a:extLst>
+          </p:cNvPr>
+          <p:cNvSpPr txBox="1"/>
+          <p:nvPr/>
+        </p:nvSpPr>
+        <p:spPr>
+          <a:xfrm>
+            <a:off x="5395125" y="2572529"/>
+            <a:ext cx="5352657" cy="369332"/>
+          </a:xfrm>
+          <a:prstGeom prst="rect">
+            <a:avLst/>
+          </a:prstGeom>
+          <a:noFill/>
+        </p:spPr>
+        <p:txBody>
+          <a:bodyPr wrap="square" rtlCol="0">
+            <a:spAutoFit/>
+          </a:bodyPr>
+          <a:lstStyle/>
+          <a:p>
+            <a:r>
+              <a:rPr lang="en-US" err="1"/>
+              <a:t>Sử</a:t>
+            </a:r>
+            <a:r>
+              <a:rPr lang="en-US"/>
+              <a:t> </a:t>
+            </a:r>
+            <a:r>
+              <a:rPr lang="en-US" err="1"/>
+              <a:t>dụng</a:t>
+            </a:r>
+            <a:r>
+              <a:rPr lang="en-US"/>
+              <a:t> </a:t>
+            </a:r>
+            <a:r>
+              <a:rPr lang="en-US" err="1"/>
+              <a:t>cho</a:t>
+            </a:r>
+            <a:r>
+              <a:rPr lang="en-US"/>
+              <a:t> setting, link </a:t>
+            </a:r>
+            <a:r>
+              <a:rPr lang="en-US" err="1"/>
+              <a:t>trong</a:t>
+            </a:r>
+            <a:r>
+              <a:rPr lang="en-US"/>
+              <a:t> card title</a:t>
+            </a:r>
+          </a:p>
+        </p:txBody>
+      </p:sp>
+      <p:pic>
+        <p:nvPicPr>
+          <p:cNvPr id="8" name="Picture 7">
+            <a:extLst>
+              <a:ext uri="{FF2B5EF4-FFF2-40B4-BE49-F238E27FC236}">
+                <a16:creationId xmlns:a16="http://schemas.microsoft.com/office/drawing/2014/main" id="{C208ACC9-3E3D-44B8-B132-81C463709C99}"/>
+              </a:ext>
+            </a:extLst>
+          </p:cNvPr>
+          <p:cNvPicPr>
+            <a:picLocks noChangeAspect="1"/>
+          </p:cNvPicPr>
+          <p:nvPr/>
+        </p:nvPicPr>
+        <p:blipFill>
+          <a:blip r:embed="rId3"/>
+          <a:stretch>
+            <a:fillRect/>
+          </a:stretch>
+        </p:blipFill>
+        <p:spPr>
+          <a:xfrm>
+            <a:off x="909243" y="1607189"/>
+            <a:ext cx="3609975" cy="552450"/>
+          </a:xfrm>
+          <a:prstGeom prst="rect">
+            <a:avLst/>
+          </a:prstGeom>
+        </p:spPr>
+      </p:pic>
+      <p:sp>
+        <p:nvSpPr>
+          <p:cNvPr id="19" name="TextBox 18">
+            <a:extLst>
+              <a:ext uri="{FF2B5EF4-FFF2-40B4-BE49-F238E27FC236}">
+                <a16:creationId xmlns:a16="http://schemas.microsoft.com/office/drawing/2014/main" id="{E8B5235A-68AA-42D6-8CDE-FB61532361D1}"/>
+              </a:ext>
+            </a:extLst>
+          </p:cNvPr>
+          <p:cNvSpPr txBox="1"/>
+          <p:nvPr/>
+        </p:nvSpPr>
+        <p:spPr>
+          <a:xfrm>
+            <a:off x="5395126" y="3420546"/>
+            <a:ext cx="3567900" cy="369332"/>
+          </a:xfrm>
+          <a:prstGeom prst="rect">
+            <a:avLst/>
+          </a:prstGeom>
+          <a:noFill/>
+        </p:spPr>
+        <p:txBody>
+          <a:bodyPr wrap="square" rtlCol="0">
+            <a:spAutoFit/>
+          </a:bodyPr>
+          <a:lstStyle/>
+          <a:p>
+            <a:r>
+              <a:rPr lang="en-US" err="1"/>
+              <a:t>Sử</a:t>
+            </a:r>
+            <a:r>
+              <a:rPr lang="en-US"/>
+              <a:t> </a:t>
+            </a:r>
+            <a:r>
+              <a:rPr lang="en-US" err="1"/>
+              <a:t>dụng</a:t>
+            </a:r>
+            <a:r>
+              <a:rPr lang="en-US"/>
+              <a:t> </a:t>
+            </a:r>
+            <a:r>
+              <a:rPr lang="en-US" err="1"/>
+              <a:t>khi</a:t>
+            </a:r>
+            <a:r>
+              <a:rPr lang="en-US"/>
+              <a:t> </a:t>
+            </a:r>
+            <a:r>
+              <a:rPr lang="en-US" err="1"/>
+              <a:t>muốn</a:t>
+            </a:r>
+            <a:r>
+              <a:rPr lang="en-US"/>
+              <a:t> </a:t>
+            </a:r>
+            <a:r>
+              <a:rPr lang="en-US" err="1"/>
+              <a:t>bật</a:t>
+            </a:r>
+            <a:r>
+              <a:rPr lang="en-US"/>
+              <a:t>/</a:t>
+            </a:r>
+            <a:r>
+              <a:rPr lang="en-US" err="1"/>
+              <a:t>tắt</a:t>
+            </a:r>
+            <a:r>
+              <a:rPr lang="en-US"/>
+              <a:t> </a:t>
+            </a:r>
+            <a:r>
+              <a:rPr lang="en-US" err="1"/>
+              <a:t>dữ</a:t>
+            </a:r>
+            <a:r>
+              <a:rPr lang="en-US"/>
+              <a:t> </a:t>
+            </a:r>
+            <a:r>
+              <a:rPr lang="en-US" err="1"/>
+              <a:t>liệu</a:t>
+            </a:r>
+            <a:r>
+              <a:rPr lang="en-US"/>
+              <a:t> </a:t>
+            </a:r>
+          </a:p>
+        </p:txBody>
+      </p:sp>
+      <p:pic>
+        <p:nvPicPr>
+          <p:cNvPr id="20" name="Picture 19">
+            <a:extLst>
+              <a:ext uri="{FF2B5EF4-FFF2-40B4-BE49-F238E27FC236}">
+                <a16:creationId xmlns:a16="http://schemas.microsoft.com/office/drawing/2014/main" id="{B52229D2-0E94-4D8A-9DAB-9A4BC2170E03}"/>
+              </a:ext>
+            </a:extLst>
+          </p:cNvPr>
+          <p:cNvPicPr>
+            <a:picLocks noChangeAspect="1"/>
+          </p:cNvPicPr>
+          <p:nvPr/>
+        </p:nvPicPr>
+        <p:blipFill>
+          <a:blip r:embed="rId4"/>
+          <a:stretch>
+            <a:fillRect/>
+          </a:stretch>
+        </p:blipFill>
+        <p:spPr>
+          <a:xfrm>
+            <a:off x="909243" y="3402774"/>
+            <a:ext cx="1619250" cy="361950"/>
+          </a:xfrm>
+          <a:prstGeom prst="rect">
+            <a:avLst/>
+          </a:prstGeom>
+        </p:spPr>
+      </p:pic>
+    </p:spTree>
+    <p:extLst>
+      <p:ext uri="{BB962C8B-B14F-4D97-AF65-F5344CB8AC3E}">
+        <p14:creationId xmlns:p14="http://schemas.microsoft.com/office/powerpoint/2010/main" val="2637012771"/>
+      </p:ext>
+    </p:extLst>
+  </p:cSld>
+  <p:clrMapOvr>
+    <a:masterClrMapping/>
+  </p:clrMapOvr>
+</p:sld>
+</file>
+
+<file path=ppt/slides/slide3.xml><?xml version="1.0" encoding="utf-8"?>
+<p:sld xmlns:a="http://schemas.openxmlformats.org/drawingml/2006/main" xmlns:r="http://schemas.openxmlformats.org/officeDocument/2006/relationships" xmlns:p="http://schemas.openxmlformats.org/presentationml/2006/main">
+  <p:cSld>
+    <p:spTree>
+      <p:nvGrpSpPr>
+        <p:cNvPr id="1" name=""/>
+        <p:cNvGrpSpPr/>
+        <p:nvPr/>
+      </p:nvGrpSpPr>
+      <p:grpSpPr>
+        <a:xfrm>
+          <a:off x="0" y="0"/>
+          <a:ext cx="0" cy="0"/>
+          <a:chOff x="0" y="0"/>
+          <a:chExt cx="0" cy="0"/>
+        </a:xfrm>
+      </p:grpSpPr>
+      <p:sp>
+        <p:nvSpPr>
           <p:cNvPr id="4" name="Title 3">
             <a:extLst>
               <a:ext uri="{FF2B5EF4-FFF2-40B4-BE49-F238E27FC236}">
-                <a16:creationId xmlns="" xmlns:a16="http://schemas.microsoft.com/office/drawing/2014/main" id="{5CBFD50A-9B18-41D5-B1DB-A556FAF905ED}"/>
+                <a16:creationId xmlns:a16="http://schemas.microsoft.com/office/drawing/2014/main" id="{5CBFD50A-9B18-41D5-B1DB-A556FAF905ED}"/>
               </a:ext>
             </a:extLst>
           </p:cNvPr>
@@ -3349,7 +3977,7 @@
           <a:lstStyle/>
           <a:p>
             <a:r>
-              <a:rPr lang="en-US" dirty="0"/>
+              <a:rPr lang="en-US"/>
               <a:t>Table</a:t>
             </a:r>
           </a:p>
@@ -3360,7 +3988,7 @@
           <p:cNvPr id="19" name="Picture 18">
             <a:extLst>
               <a:ext uri="{FF2B5EF4-FFF2-40B4-BE49-F238E27FC236}">
-                <a16:creationId xmlns="" xmlns:a16="http://schemas.microsoft.com/office/drawing/2014/main" id="{94167BF1-5E99-4FDA-84E0-C2AA03B5D8C9}"/>
+                <a16:creationId xmlns:a16="http://schemas.microsoft.com/office/drawing/2014/main" id="{94167BF1-5E99-4FDA-84E0-C2AA03B5D8C9}"/>
               </a:ext>
             </a:extLst>
           </p:cNvPr>
@@ -3395,17 +4023,10 @@
   <p:clrMapOvr>
     <a:masterClrMapping/>
   </p:clrMapOvr>
-  <p:timing>
-    <p:tnLst>
-      <p:par>
-        <p:cTn id="1" dur="indefinite" restart="never" nodeType="tmRoot"/>
-      </p:par>
-    </p:tnLst>
-  </p:timing>
 </p:sld>
 </file>
 
-<file path=ppt/slides/slide2.xml><?xml version="1.0" encoding="utf-8"?>
+<file path=ppt/slides/slide4.xml><?xml version="1.0" encoding="utf-8"?>
 <p:sld xmlns:a="http://schemas.openxmlformats.org/drawingml/2006/main" xmlns:r="http://schemas.openxmlformats.org/officeDocument/2006/relationships" xmlns:p="http://schemas.openxmlformats.org/presentationml/2006/main">
   <p:cSld>
     <p:spTree>
@@ -3427,7 +4048,7 @@
           <p:cNvPr id="2" name="Title 1">
             <a:extLst>
               <a:ext uri="{FF2B5EF4-FFF2-40B4-BE49-F238E27FC236}">
-                <a16:creationId xmlns="" xmlns:a16="http://schemas.microsoft.com/office/drawing/2014/main" id="{52C1A99C-0C8E-41DB-8752-C3CD0DCED123}"/>
+                <a16:creationId xmlns:a16="http://schemas.microsoft.com/office/drawing/2014/main" id="{02829324-F49E-4F1E-887F-3C381E87FEE1}"/>
               </a:ext>
             </a:extLst>
           </p:cNvPr>
@@ -3444,19 +4065,48 @@
           <a:lstStyle/>
           <a:p>
             <a:r>
-              <a:rPr lang="en-US" smtClean="0"/>
-              <a:t>Input, button group</a:t>
-            </a:r>
-            <a:endParaRPr lang="en-US" dirty="0"/>
-          </a:p>
-        </p:txBody>
-      </p:sp>
-      <p:sp>
-        <p:nvSpPr>
-          <p:cNvPr id="6" name="TextBox 5">
-            <a:extLst>
-              <a:ext uri="{FF2B5EF4-FFF2-40B4-BE49-F238E27FC236}">
-                <a16:creationId xmlns="" xmlns:a16="http://schemas.microsoft.com/office/drawing/2014/main" id="{4963DF1F-81E5-4A49-8158-73D9587FB07B}"/>
+              <a:rPr lang="en-US"/>
+              <a:t>Other Component</a:t>
+            </a:r>
+          </a:p>
+        </p:txBody>
+      </p:sp>
+      <p:pic>
+        <p:nvPicPr>
+          <p:cNvPr id="4" name="Picture 3">
+            <a:extLst>
+              <a:ext uri="{FF2B5EF4-FFF2-40B4-BE49-F238E27FC236}">
+                <a16:creationId xmlns:a16="http://schemas.microsoft.com/office/drawing/2014/main" id="{0669E27D-FC87-428C-8C03-F46804B2AB59}"/>
+              </a:ext>
+            </a:extLst>
+          </p:cNvPr>
+          <p:cNvPicPr>
+            <a:picLocks noChangeAspect="1"/>
+          </p:cNvPicPr>
+          <p:nvPr/>
+        </p:nvPicPr>
+        <p:blipFill>
+          <a:blip r:embed="rId2"/>
+          <a:stretch>
+            <a:fillRect/>
+          </a:stretch>
+        </p:blipFill>
+        <p:spPr>
+          <a:xfrm>
+            <a:off x="838200" y="1476375"/>
+            <a:ext cx="5467350" cy="2914650"/>
+          </a:xfrm>
+          <a:prstGeom prst="rect">
+            <a:avLst/>
+          </a:prstGeom>
+        </p:spPr>
+      </p:pic>
+      <p:sp>
+        <p:nvSpPr>
+          <p:cNvPr id="5" name="TextBox 4">
+            <a:extLst>
+              <a:ext uri="{FF2B5EF4-FFF2-40B4-BE49-F238E27FC236}">
+                <a16:creationId xmlns:a16="http://schemas.microsoft.com/office/drawing/2014/main" id="{68175437-816E-449D-B816-48F0A62A2E20}"/>
               </a:ext>
             </a:extLst>
           </p:cNvPr>
@@ -3465,8 +4115,8 @@
         </p:nvSpPr>
         <p:spPr>
           <a:xfrm>
-            <a:off x="2369973" y="1663165"/>
-            <a:ext cx="9078686" cy="369332"/>
+            <a:off x="6962775" y="1690688"/>
+            <a:ext cx="4705350" cy="369332"/>
           </a:xfrm>
           <a:prstGeom prst="rect">
             <a:avLst/>
@@ -3480,77 +4130,36 @@
           <a:lstStyle/>
           <a:p>
             <a:r>
-              <a:rPr lang="en-US" dirty="0"/>
-              <a:t>Use for research, register  </a:t>
+              <a:rPr lang="en-US"/>
+              <a:t>Sử dụng khi gom nhóm dữ liệu trong một trang</a:t>
             </a:r>
           </a:p>
         </p:txBody>
       </p:sp>
       <p:pic>
         <p:nvPicPr>
-          <p:cNvPr id="10" name="Content Placeholder 9">
-            <a:extLst>
-              <a:ext uri="{FF2B5EF4-FFF2-40B4-BE49-F238E27FC236}">
-                <a16:creationId xmlns="" xmlns:a16="http://schemas.microsoft.com/office/drawing/2014/main" id="{6D895E57-A45A-4935-A018-F55E1C329572}"/>
+          <p:cNvPr id="6" name="Picture 5">
+            <a:extLst>
+              <a:ext uri="{FF2B5EF4-FFF2-40B4-BE49-F238E27FC236}">
+                <a16:creationId xmlns:a16="http://schemas.microsoft.com/office/drawing/2014/main" id="{AE8EABB4-728D-47AB-8D3F-B91994E79E07}"/>
               </a:ext>
             </a:extLst>
           </p:cNvPr>
           <p:cNvPicPr>
-            <a:picLocks noGrp="1" noChangeAspect="1"/>
+            <a:picLocks noChangeAspect="1"/>
           </p:cNvPicPr>
-          <p:nvPr>
-            <p:ph idx="1"/>
-          </p:nvPr>
+          <p:nvPr/>
         </p:nvPicPr>
         <p:blipFill>
-          <a:blip r:embed="rId2">
-            <a:extLst>
-              <a:ext uri="{28A0092B-C50C-407E-A947-70E740481C1C}">
-                <a14:useLocalDpi xmlns:a14="http://schemas.microsoft.com/office/drawing/2010/main" val="0"/>
-              </a:ext>
-            </a:extLst>
-          </a:blip>
+          <a:blip r:embed="rId3"/>
           <a:stretch>
             <a:fillRect/>
           </a:stretch>
         </p:blipFill>
         <p:spPr>
           <a:xfrm>
-            <a:off x="948244" y="1642487"/>
-            <a:ext cx="1095528" cy="438211"/>
-          </a:xfrm>
-        </p:spPr>
-      </p:pic>
-      <p:pic>
-        <p:nvPicPr>
-          <p:cNvPr id="12" name="Picture 11">
-            <a:extLst>
-              <a:ext uri="{FF2B5EF4-FFF2-40B4-BE49-F238E27FC236}">
-                <a16:creationId xmlns="" xmlns:a16="http://schemas.microsoft.com/office/drawing/2014/main" id="{38E19669-8A42-4F29-8E01-EEB1EB4F10C2}"/>
-              </a:ext>
-            </a:extLst>
-          </p:cNvPr>
-          <p:cNvPicPr>
-            <a:picLocks noChangeAspect="1"/>
-          </p:cNvPicPr>
-          <p:nvPr/>
-        </p:nvPicPr>
-        <p:blipFill>
-          <a:blip r:embed="rId3">
-            <a:extLst>
-              <a:ext uri="{28A0092B-C50C-407E-A947-70E740481C1C}">
-                <a14:useLocalDpi xmlns:a14="http://schemas.microsoft.com/office/drawing/2010/main" val="0"/>
-              </a:ext>
-            </a:extLst>
-          </a:blip>
-          <a:stretch>
-            <a:fillRect/>
-          </a:stretch>
-        </p:blipFill>
-        <p:spPr>
-          <a:xfrm>
-            <a:off x="948244" y="2628590"/>
-            <a:ext cx="771633" cy="257211"/>
+            <a:off x="838200" y="4476194"/>
+            <a:ext cx="4924425" cy="2047875"/>
           </a:xfrm>
           <a:prstGeom prst="rect">
             <a:avLst/>
@@ -3559,10 +4168,10 @@
       </p:pic>
       <p:sp>
         <p:nvSpPr>
-          <p:cNvPr id="13" name="TextBox 12">
-            <a:extLst>
-              <a:ext uri="{FF2B5EF4-FFF2-40B4-BE49-F238E27FC236}">
-                <a16:creationId xmlns="" xmlns:a16="http://schemas.microsoft.com/office/drawing/2014/main" id="{FB13C036-BE0C-4C86-8889-4CFD8029134C}"/>
+          <p:cNvPr id="7" name="TextBox 6">
+            <a:extLst>
+              <a:ext uri="{FF2B5EF4-FFF2-40B4-BE49-F238E27FC236}">
+                <a16:creationId xmlns:a16="http://schemas.microsoft.com/office/drawing/2014/main" id="{77AA4C34-A11E-4BDB-A41D-4665C3DDD28D}"/>
               </a:ext>
             </a:extLst>
           </p:cNvPr>
@@ -3571,8 +4180,8 @@
         </p:nvSpPr>
         <p:spPr>
           <a:xfrm>
-            <a:off x="2369973" y="2572604"/>
-            <a:ext cx="3651380" cy="369332"/>
+            <a:off x="6962775" y="4613315"/>
+            <a:ext cx="4705350" cy="369332"/>
           </a:xfrm>
           <a:prstGeom prst="rect">
             <a:avLst/>
@@ -3586,167 +4195,22 @@
           <a:lstStyle/>
           <a:p>
             <a:r>
-              <a:rPr lang="en-US" dirty="0"/>
-              <a:t>Use for setting, link in title card</a:t>
-            </a:r>
-          </a:p>
-        </p:txBody>
-      </p:sp>
-      <p:pic>
-        <p:nvPicPr>
-          <p:cNvPr id="14" name="Picture 13">
-            <a:extLst>
-              <a:ext uri="{FF2B5EF4-FFF2-40B4-BE49-F238E27FC236}">
-                <a16:creationId xmlns="" xmlns:a16="http://schemas.microsoft.com/office/drawing/2014/main" id="{75AD06B2-C8A4-405C-A530-47BBB044687D}"/>
-              </a:ext>
-            </a:extLst>
-          </p:cNvPr>
-          <p:cNvPicPr>
-            <a:picLocks noChangeAspect="1"/>
-          </p:cNvPicPr>
-          <p:nvPr/>
-        </p:nvPicPr>
-        <p:blipFill>
-          <a:blip r:embed="rId4"/>
-          <a:stretch>
-            <a:fillRect/>
-          </a:stretch>
-        </p:blipFill>
-        <p:spPr>
-          <a:xfrm>
-            <a:off x="948244" y="3195637"/>
-            <a:ext cx="5010150" cy="466725"/>
-          </a:xfrm>
-          <a:prstGeom prst="rect">
-            <a:avLst/>
-          </a:prstGeom>
-        </p:spPr>
-      </p:pic>
-      <p:pic>
-        <p:nvPicPr>
-          <p:cNvPr id="15" name="Picture 14">
-            <a:extLst>
-              <a:ext uri="{FF2B5EF4-FFF2-40B4-BE49-F238E27FC236}">
-                <a16:creationId xmlns="" xmlns:a16="http://schemas.microsoft.com/office/drawing/2014/main" id="{8DE3C90A-EE14-4398-88F6-BB2FDCA3B1ED}"/>
-              </a:ext>
-            </a:extLst>
-          </p:cNvPr>
-          <p:cNvPicPr>
-            <a:picLocks noChangeAspect="1"/>
-          </p:cNvPicPr>
-          <p:nvPr/>
-        </p:nvPicPr>
-        <p:blipFill>
-          <a:blip r:embed="rId5"/>
-          <a:stretch>
-            <a:fillRect/>
-          </a:stretch>
-        </p:blipFill>
-        <p:spPr>
-          <a:xfrm>
-            <a:off x="948244" y="3887016"/>
-            <a:ext cx="7448550" cy="323850"/>
-          </a:xfrm>
-          <a:prstGeom prst="rect">
-            <a:avLst/>
-          </a:prstGeom>
-        </p:spPr>
-      </p:pic>
-      <p:pic>
-        <p:nvPicPr>
-          <p:cNvPr id="16" name="Picture 15">
-            <a:extLst>
-              <a:ext uri="{FF2B5EF4-FFF2-40B4-BE49-F238E27FC236}">
-                <a16:creationId xmlns="" xmlns:a16="http://schemas.microsoft.com/office/drawing/2014/main" id="{5E48969D-FFF8-4089-8610-9627728307E6}"/>
-              </a:ext>
-            </a:extLst>
-          </p:cNvPr>
-          <p:cNvPicPr>
-            <a:picLocks noChangeAspect="1"/>
-          </p:cNvPicPr>
-          <p:nvPr/>
-        </p:nvPicPr>
-        <p:blipFill>
-          <a:blip r:embed="rId6"/>
-          <a:stretch>
-            <a:fillRect/>
-          </a:stretch>
-        </p:blipFill>
-        <p:spPr>
-          <a:xfrm>
-            <a:off x="949003" y="4446885"/>
-            <a:ext cx="4505325" cy="466725"/>
-          </a:xfrm>
-          <a:prstGeom prst="rect">
-            <a:avLst/>
-          </a:prstGeom>
-        </p:spPr>
-      </p:pic>
-      <p:pic>
-        <p:nvPicPr>
-          <p:cNvPr id="3" name="Picture 2"/>
-          <p:cNvPicPr>
-            <a:picLocks noChangeAspect="1"/>
-          </p:cNvPicPr>
-          <p:nvPr/>
-        </p:nvPicPr>
-        <p:blipFill>
-          <a:blip r:embed="rId7"/>
-          <a:stretch>
-            <a:fillRect/>
-          </a:stretch>
-        </p:blipFill>
-        <p:spPr>
-          <a:xfrm>
-            <a:off x="948244" y="5149629"/>
-            <a:ext cx="5010150" cy="714375"/>
-          </a:xfrm>
-          <a:prstGeom prst="rect">
-            <a:avLst/>
-          </a:prstGeom>
-        </p:spPr>
-      </p:pic>
-      <p:pic>
-        <p:nvPicPr>
-          <p:cNvPr id="4" name="Picture 3"/>
-          <p:cNvPicPr>
-            <a:picLocks noChangeAspect="1"/>
-          </p:cNvPicPr>
-          <p:nvPr/>
-        </p:nvPicPr>
-        <p:blipFill>
-          <a:blip r:embed="rId8"/>
-          <a:stretch>
-            <a:fillRect/>
-          </a:stretch>
-        </p:blipFill>
-        <p:spPr>
-          <a:xfrm>
-            <a:off x="948244" y="6103434"/>
-            <a:ext cx="2047875" cy="447675"/>
-          </a:xfrm>
-          <a:prstGeom prst="rect">
-            <a:avLst/>
-          </a:prstGeom>
-        </p:spPr>
-      </p:pic>
+              <a:rPr lang="en-US"/>
+              <a:t>Sử dụng để xác nhận dữ liệu</a:t>
+            </a:r>
+          </a:p>
+        </p:txBody>
+      </p:sp>
     </p:spTree>
     <p:extLst>
       <p:ext uri="{BB962C8B-B14F-4D97-AF65-F5344CB8AC3E}">
-        <p14:creationId xmlns:p14="http://schemas.microsoft.com/office/powerpoint/2010/main" val="2637012771"/>
+        <p14:creationId xmlns:p14="http://schemas.microsoft.com/office/powerpoint/2010/main" val="780501234"/>
       </p:ext>
     </p:extLst>
   </p:cSld>
   <p:clrMapOvr>
     <a:masterClrMapping/>
   </p:clrMapOvr>
-  <p:timing>
-    <p:tnLst>
-      <p:par>
-        <p:cTn id="1" dur="indefinite" restart="never" nodeType="tmRoot"/>
-      </p:par>
-    </p:tnLst>
-  </p:timing>
 </p:sld>
 </file>
 

--- a/UI-UX/UI UX for growme/component.pptx
+++ b/UI-UX/UI UX for growme/component.pptx
@@ -4,11 +4,29 @@
   <p:sldMasterIdLst>
     <p:sldMasterId id="2147483648" r:id="rId1"/>
   </p:sldMasterIdLst>
+  <p:notesMasterIdLst>
+    <p:notesMasterId r:id="rId21"/>
+  </p:notesMasterIdLst>
   <p:sldIdLst>
     <p:sldId id="258" r:id="rId2"/>
-    <p:sldId id="257" r:id="rId3"/>
-    <p:sldId id="256" r:id="rId4"/>
-    <p:sldId id="259" r:id="rId5"/>
+    <p:sldId id="267" r:id="rId3"/>
+    <p:sldId id="272" r:id="rId4"/>
+    <p:sldId id="261" r:id="rId5"/>
+    <p:sldId id="257" r:id="rId6"/>
+    <p:sldId id="268" r:id="rId7"/>
+    <p:sldId id="256" r:id="rId8"/>
+    <p:sldId id="260" r:id="rId9"/>
+    <p:sldId id="263" r:id="rId10"/>
+    <p:sldId id="264" r:id="rId11"/>
+    <p:sldId id="262" r:id="rId12"/>
+    <p:sldId id="265" r:id="rId13"/>
+    <p:sldId id="273" r:id="rId14"/>
+    <p:sldId id="274" r:id="rId15"/>
+    <p:sldId id="275" r:id="rId16"/>
+    <p:sldId id="270" r:id="rId17"/>
+    <p:sldId id="259" r:id="rId18"/>
+    <p:sldId id="271" r:id="rId19"/>
+    <p:sldId id="269" r:id="rId20"/>
   </p:sldIdLst>
   <p:sldSz cx="12192000" cy="6858000"/>
   <p:notesSz cx="6858000" cy="9144000"/>
@@ -115,6 +133,1552 @@
 </p:presentation>
 </file>
 
+<file path=ppt/notesMasters/notesMaster1.xml><?xml version="1.0" encoding="utf-8"?>
+<p:notesMaster xmlns:a="http://schemas.openxmlformats.org/drawingml/2006/main" xmlns:r="http://schemas.openxmlformats.org/officeDocument/2006/relationships" xmlns:p="http://schemas.openxmlformats.org/presentationml/2006/main">
+  <p:cSld>
+    <p:bg>
+      <p:bgRef idx="1001">
+        <a:schemeClr val="bg1"/>
+      </p:bgRef>
+    </p:bg>
+    <p:spTree>
+      <p:nvGrpSpPr>
+        <p:cNvPr id="1" name=""/>
+        <p:cNvGrpSpPr/>
+        <p:nvPr/>
+      </p:nvGrpSpPr>
+      <p:grpSpPr>
+        <a:xfrm>
+          <a:off x="0" y="0"/>
+          <a:ext cx="0" cy="0"/>
+          <a:chOff x="0" y="0"/>
+          <a:chExt cx="0" cy="0"/>
+        </a:xfrm>
+      </p:grpSpPr>
+      <p:sp>
+        <p:nvSpPr>
+          <p:cNvPr id="2" name="Header Placeholder 1"/>
+          <p:cNvSpPr>
+            <a:spLocks noGrp="1"/>
+          </p:cNvSpPr>
+          <p:nvPr>
+            <p:ph type="hdr" sz="quarter"/>
+          </p:nvPr>
+        </p:nvSpPr>
+        <p:spPr>
+          <a:xfrm>
+            <a:off x="0" y="0"/>
+            <a:ext cx="2971800" cy="458788"/>
+          </a:xfrm>
+          <a:prstGeom prst="rect">
+            <a:avLst/>
+          </a:prstGeom>
+        </p:spPr>
+        <p:txBody>
+          <a:bodyPr vert="horz" lIns="91440" tIns="45720" rIns="91440" bIns="45720" rtlCol="0"/>
+          <a:lstStyle>
+            <a:lvl1pPr algn="l">
+              <a:defRPr sz="1200"/>
+            </a:lvl1pPr>
+          </a:lstStyle>
+          <a:p>
+            <a:endParaRPr lang="en-US"/>
+          </a:p>
+        </p:txBody>
+      </p:sp>
+      <p:sp>
+        <p:nvSpPr>
+          <p:cNvPr id="3" name="Date Placeholder 2"/>
+          <p:cNvSpPr>
+            <a:spLocks noGrp="1"/>
+          </p:cNvSpPr>
+          <p:nvPr>
+            <p:ph type="dt" idx="1"/>
+          </p:nvPr>
+        </p:nvSpPr>
+        <p:spPr>
+          <a:xfrm>
+            <a:off x="3884613" y="0"/>
+            <a:ext cx="2971800" cy="458788"/>
+          </a:xfrm>
+          <a:prstGeom prst="rect">
+            <a:avLst/>
+          </a:prstGeom>
+        </p:spPr>
+        <p:txBody>
+          <a:bodyPr vert="horz" lIns="91440" tIns="45720" rIns="91440" bIns="45720" rtlCol="0"/>
+          <a:lstStyle>
+            <a:lvl1pPr algn="r">
+              <a:defRPr sz="1200"/>
+            </a:lvl1pPr>
+          </a:lstStyle>
+          <a:p>
+            <a:fld id="{3F9A8F41-576E-4440-B06E-08BBCFE45951}" type="datetimeFigureOut">
+              <a:rPr lang="en-US" smtClean="0"/>
+              <a:t>9/4/2019</a:t>
+            </a:fld>
+            <a:endParaRPr lang="en-US"/>
+          </a:p>
+        </p:txBody>
+      </p:sp>
+      <p:sp>
+        <p:nvSpPr>
+          <p:cNvPr id="4" name="Slide Image Placeholder 3"/>
+          <p:cNvSpPr>
+            <a:spLocks noGrp="1" noRot="1" noChangeAspect="1"/>
+          </p:cNvSpPr>
+          <p:nvPr>
+            <p:ph type="sldImg" idx="2"/>
+          </p:nvPr>
+        </p:nvSpPr>
+        <p:spPr>
+          <a:xfrm>
+            <a:off x="685800" y="1143000"/>
+            <a:ext cx="5486400" cy="3086100"/>
+          </a:xfrm>
+          <a:prstGeom prst="rect">
+            <a:avLst/>
+          </a:prstGeom>
+          <a:noFill/>
+          <a:ln w="12700">
+            <a:solidFill>
+              <a:prstClr val="black"/>
+            </a:solidFill>
+          </a:ln>
+        </p:spPr>
+        <p:txBody>
+          <a:bodyPr vert="horz" lIns="91440" tIns="45720" rIns="91440" bIns="45720" rtlCol="0" anchor="ctr"/>
+          <a:lstStyle/>
+          <a:p>
+            <a:endParaRPr lang="en-US"/>
+          </a:p>
+        </p:txBody>
+      </p:sp>
+      <p:sp>
+        <p:nvSpPr>
+          <p:cNvPr id="5" name="Notes Placeholder 4"/>
+          <p:cNvSpPr>
+            <a:spLocks noGrp="1"/>
+          </p:cNvSpPr>
+          <p:nvPr>
+            <p:ph type="body" sz="quarter" idx="3"/>
+          </p:nvPr>
+        </p:nvSpPr>
+        <p:spPr>
+          <a:xfrm>
+            <a:off x="685800" y="4400550"/>
+            <a:ext cx="5486400" cy="3600450"/>
+          </a:xfrm>
+          <a:prstGeom prst="rect">
+            <a:avLst/>
+          </a:prstGeom>
+        </p:spPr>
+        <p:txBody>
+          <a:bodyPr vert="horz" lIns="91440" tIns="45720" rIns="91440" bIns="45720" rtlCol="0"/>
+          <a:lstStyle/>
+          <a:p>
+            <a:pPr lvl="0"/>
+            <a:r>
+              <a:rPr lang="en-US"/>
+              <a:t>Click to edit Master text styles</a:t>
+            </a:r>
+          </a:p>
+          <a:p>
+            <a:pPr lvl="1"/>
+            <a:r>
+              <a:rPr lang="en-US"/>
+              <a:t>Second level</a:t>
+            </a:r>
+          </a:p>
+          <a:p>
+            <a:pPr lvl="2"/>
+            <a:r>
+              <a:rPr lang="en-US"/>
+              <a:t>Third level</a:t>
+            </a:r>
+          </a:p>
+          <a:p>
+            <a:pPr lvl="3"/>
+            <a:r>
+              <a:rPr lang="en-US"/>
+              <a:t>Fourth level</a:t>
+            </a:r>
+          </a:p>
+          <a:p>
+            <a:pPr lvl="4"/>
+            <a:r>
+              <a:rPr lang="en-US"/>
+              <a:t>Fifth level</a:t>
+            </a:r>
+          </a:p>
+        </p:txBody>
+      </p:sp>
+      <p:sp>
+        <p:nvSpPr>
+          <p:cNvPr id="6" name="Footer Placeholder 5"/>
+          <p:cNvSpPr>
+            <a:spLocks noGrp="1"/>
+          </p:cNvSpPr>
+          <p:nvPr>
+            <p:ph type="ftr" sz="quarter" idx="4"/>
+          </p:nvPr>
+        </p:nvSpPr>
+        <p:spPr>
+          <a:xfrm>
+            <a:off x="0" y="8685213"/>
+            <a:ext cx="2971800" cy="458787"/>
+          </a:xfrm>
+          <a:prstGeom prst="rect">
+            <a:avLst/>
+          </a:prstGeom>
+        </p:spPr>
+        <p:txBody>
+          <a:bodyPr vert="horz" lIns="91440" tIns="45720" rIns="91440" bIns="45720" rtlCol="0" anchor="b"/>
+          <a:lstStyle>
+            <a:lvl1pPr algn="l">
+              <a:defRPr sz="1200"/>
+            </a:lvl1pPr>
+          </a:lstStyle>
+          <a:p>
+            <a:endParaRPr lang="en-US"/>
+          </a:p>
+        </p:txBody>
+      </p:sp>
+      <p:sp>
+        <p:nvSpPr>
+          <p:cNvPr id="7" name="Slide Number Placeholder 6"/>
+          <p:cNvSpPr>
+            <a:spLocks noGrp="1"/>
+          </p:cNvSpPr>
+          <p:nvPr>
+            <p:ph type="sldNum" sz="quarter" idx="5"/>
+          </p:nvPr>
+        </p:nvSpPr>
+        <p:spPr>
+          <a:xfrm>
+            <a:off x="3884613" y="8685213"/>
+            <a:ext cx="2971800" cy="458787"/>
+          </a:xfrm>
+          <a:prstGeom prst="rect">
+            <a:avLst/>
+          </a:prstGeom>
+        </p:spPr>
+        <p:txBody>
+          <a:bodyPr vert="horz" lIns="91440" tIns="45720" rIns="91440" bIns="45720" rtlCol="0" anchor="b"/>
+          <a:lstStyle>
+            <a:lvl1pPr algn="r">
+              <a:defRPr sz="1200"/>
+            </a:lvl1pPr>
+          </a:lstStyle>
+          <a:p>
+            <a:fld id="{F2C08E5D-4D4A-48B2-8AB5-6FDEB2070611}" type="slidenum">
+              <a:rPr lang="en-US" smtClean="0"/>
+              <a:t>‹#›</a:t>
+            </a:fld>
+            <a:endParaRPr lang="en-US"/>
+          </a:p>
+        </p:txBody>
+      </p:sp>
+    </p:spTree>
+    <p:extLst>
+      <p:ext uri="{BB962C8B-B14F-4D97-AF65-F5344CB8AC3E}">
+        <p14:creationId xmlns:p14="http://schemas.microsoft.com/office/powerpoint/2010/main" val="3016360635"/>
+      </p:ext>
+    </p:extLst>
+  </p:cSld>
+  <p:clrMap bg1="lt1" tx1="dk1" bg2="lt2" tx2="dk2" accent1="accent1" accent2="accent2" accent3="accent3" accent4="accent4" accent5="accent5" accent6="accent6" hlink="hlink" folHlink="folHlink"/>
+  <p:notesStyle>
+    <a:lvl1pPr marL="0" algn="l" defTabSz="914400" rtl="0" eaLnBrk="1" latinLnBrk="0" hangingPunct="1">
+      <a:defRPr sz="1200" kern="1200">
+        <a:solidFill>
+          <a:schemeClr val="tx1"/>
+        </a:solidFill>
+        <a:latin typeface="+mn-lt"/>
+        <a:ea typeface="+mn-ea"/>
+        <a:cs typeface="+mn-cs"/>
+      </a:defRPr>
+    </a:lvl1pPr>
+    <a:lvl2pPr marL="457200" algn="l" defTabSz="914400" rtl="0" eaLnBrk="1" latinLnBrk="0" hangingPunct="1">
+      <a:defRPr sz="1200" kern="1200">
+        <a:solidFill>
+          <a:schemeClr val="tx1"/>
+        </a:solidFill>
+        <a:latin typeface="+mn-lt"/>
+        <a:ea typeface="+mn-ea"/>
+        <a:cs typeface="+mn-cs"/>
+      </a:defRPr>
+    </a:lvl2pPr>
+    <a:lvl3pPr marL="914400" algn="l" defTabSz="914400" rtl="0" eaLnBrk="1" latinLnBrk="0" hangingPunct="1">
+      <a:defRPr sz="1200" kern="1200">
+        <a:solidFill>
+          <a:schemeClr val="tx1"/>
+        </a:solidFill>
+        <a:latin typeface="+mn-lt"/>
+        <a:ea typeface="+mn-ea"/>
+        <a:cs typeface="+mn-cs"/>
+      </a:defRPr>
+    </a:lvl3pPr>
+    <a:lvl4pPr marL="1371600" algn="l" defTabSz="914400" rtl="0" eaLnBrk="1" latinLnBrk="0" hangingPunct="1">
+      <a:defRPr sz="1200" kern="1200">
+        <a:solidFill>
+          <a:schemeClr val="tx1"/>
+        </a:solidFill>
+        <a:latin typeface="+mn-lt"/>
+        <a:ea typeface="+mn-ea"/>
+        <a:cs typeface="+mn-cs"/>
+      </a:defRPr>
+    </a:lvl4pPr>
+    <a:lvl5pPr marL="1828800" algn="l" defTabSz="914400" rtl="0" eaLnBrk="1" latinLnBrk="0" hangingPunct="1">
+      <a:defRPr sz="1200" kern="1200">
+        <a:solidFill>
+          <a:schemeClr val="tx1"/>
+        </a:solidFill>
+        <a:latin typeface="+mn-lt"/>
+        <a:ea typeface="+mn-ea"/>
+        <a:cs typeface="+mn-cs"/>
+      </a:defRPr>
+    </a:lvl5pPr>
+    <a:lvl6pPr marL="2286000" algn="l" defTabSz="914400" rtl="0" eaLnBrk="1" latinLnBrk="0" hangingPunct="1">
+      <a:defRPr sz="1200" kern="1200">
+        <a:solidFill>
+          <a:schemeClr val="tx1"/>
+        </a:solidFill>
+        <a:latin typeface="+mn-lt"/>
+        <a:ea typeface="+mn-ea"/>
+        <a:cs typeface="+mn-cs"/>
+      </a:defRPr>
+    </a:lvl6pPr>
+    <a:lvl7pPr marL="2743200" algn="l" defTabSz="914400" rtl="0" eaLnBrk="1" latinLnBrk="0" hangingPunct="1">
+      <a:defRPr sz="1200" kern="1200">
+        <a:solidFill>
+          <a:schemeClr val="tx1"/>
+        </a:solidFill>
+        <a:latin typeface="+mn-lt"/>
+        <a:ea typeface="+mn-ea"/>
+        <a:cs typeface="+mn-cs"/>
+      </a:defRPr>
+    </a:lvl7pPr>
+    <a:lvl8pPr marL="3200400" algn="l" defTabSz="914400" rtl="0" eaLnBrk="1" latinLnBrk="0" hangingPunct="1">
+      <a:defRPr sz="1200" kern="1200">
+        <a:solidFill>
+          <a:schemeClr val="tx1"/>
+        </a:solidFill>
+        <a:latin typeface="+mn-lt"/>
+        <a:ea typeface="+mn-ea"/>
+        <a:cs typeface="+mn-cs"/>
+      </a:defRPr>
+    </a:lvl8pPr>
+    <a:lvl9pPr marL="3657600" algn="l" defTabSz="914400" rtl="0" eaLnBrk="1" latinLnBrk="0" hangingPunct="1">
+      <a:defRPr sz="1200" kern="1200">
+        <a:solidFill>
+          <a:schemeClr val="tx1"/>
+        </a:solidFill>
+        <a:latin typeface="+mn-lt"/>
+        <a:ea typeface="+mn-ea"/>
+        <a:cs typeface="+mn-cs"/>
+      </a:defRPr>
+    </a:lvl9pPr>
+  </p:notesStyle>
+</p:notesMaster>
+</file>
+
+<file path=ppt/notesSlides/notesSlide1.xml><?xml version="1.0" encoding="utf-8"?>
+<p:notes xmlns:a="http://schemas.openxmlformats.org/drawingml/2006/main" xmlns:r="http://schemas.openxmlformats.org/officeDocument/2006/relationships" xmlns:p="http://schemas.openxmlformats.org/presentationml/2006/main">
+  <p:cSld>
+    <p:spTree>
+      <p:nvGrpSpPr>
+        <p:cNvPr id="1" name=""/>
+        <p:cNvGrpSpPr/>
+        <p:nvPr/>
+      </p:nvGrpSpPr>
+      <p:grpSpPr>
+        <a:xfrm>
+          <a:off x="0" y="0"/>
+          <a:ext cx="0" cy="0"/>
+          <a:chOff x="0" y="0"/>
+          <a:chExt cx="0" cy="0"/>
+        </a:xfrm>
+      </p:grpSpPr>
+      <p:sp>
+        <p:nvSpPr>
+          <p:cNvPr id="2" name="Slide Image Placeholder 1"/>
+          <p:cNvSpPr>
+            <a:spLocks noGrp="1" noRot="1" noChangeAspect="1"/>
+          </p:cNvSpPr>
+          <p:nvPr>
+            <p:ph type="sldImg"/>
+          </p:nvPr>
+        </p:nvSpPr>
+        <p:spPr/>
+      </p:sp>
+      <p:sp>
+        <p:nvSpPr>
+          <p:cNvPr id="3" name="Notes Placeholder 2"/>
+          <p:cNvSpPr>
+            <a:spLocks noGrp="1"/>
+          </p:cNvSpPr>
+          <p:nvPr>
+            <p:ph type="body" idx="1"/>
+          </p:nvPr>
+        </p:nvSpPr>
+        <p:spPr/>
+        <p:txBody>
+          <a:bodyPr/>
+          <a:lstStyle/>
+          <a:p>
+            <a:r>
+              <a:rPr lang="en-US"/>
+              <a:t>Màu sắc chính sử dụng trong tool </a:t>
+            </a:r>
+          </a:p>
+          <a:p>
+            <a:r>
+              <a:rPr lang="en-US"/>
+              <a:t>Logo của tool đ</a:t>
+            </a:r>
+            <a:r>
+              <a:rPr lang="vi-VN"/>
+              <a:t>ư</a:t>
+            </a:r>
+            <a:r>
+              <a:rPr lang="en-US"/>
+              <a:t>ợc thiết kế với màu xanh d</a:t>
+            </a:r>
+            <a:r>
+              <a:rPr lang="vi-VN"/>
+              <a:t>ư</a:t>
+            </a:r>
+            <a:r>
+              <a:rPr lang="en-US"/>
+              <a:t>ơng nên trong bảng thiết kế này sẽ có nhiều component sử dụng màu xanh này </a:t>
+            </a:r>
+          </a:p>
+        </p:txBody>
+      </p:sp>
+      <p:sp>
+        <p:nvSpPr>
+          <p:cNvPr id="4" name="Slide Number Placeholder 3"/>
+          <p:cNvSpPr>
+            <a:spLocks noGrp="1"/>
+          </p:cNvSpPr>
+          <p:nvPr>
+            <p:ph type="sldNum" sz="quarter" idx="5"/>
+          </p:nvPr>
+        </p:nvSpPr>
+        <p:spPr/>
+        <p:txBody>
+          <a:bodyPr/>
+          <a:lstStyle/>
+          <a:p>
+            <a:fld id="{F2C08E5D-4D4A-48B2-8AB5-6FDEB2070611}" type="slidenum">
+              <a:rPr lang="en-US" smtClean="0"/>
+              <a:t>1</a:t>
+            </a:fld>
+            <a:endParaRPr lang="en-US"/>
+          </a:p>
+        </p:txBody>
+      </p:sp>
+    </p:spTree>
+    <p:extLst>
+      <p:ext uri="{BB962C8B-B14F-4D97-AF65-F5344CB8AC3E}">
+        <p14:creationId xmlns:p14="http://schemas.microsoft.com/office/powerpoint/2010/main" val="2325590649"/>
+      </p:ext>
+    </p:extLst>
+  </p:cSld>
+  <p:clrMapOvr>
+    <a:masterClrMapping/>
+  </p:clrMapOvr>
+</p:notes>
+</file>
+
+<file path=ppt/notesSlides/notesSlide10.xml><?xml version="1.0" encoding="utf-8"?>
+<p:notes xmlns:a="http://schemas.openxmlformats.org/drawingml/2006/main" xmlns:r="http://schemas.openxmlformats.org/officeDocument/2006/relationships" xmlns:p="http://schemas.openxmlformats.org/presentationml/2006/main">
+  <p:cSld>
+    <p:spTree>
+      <p:nvGrpSpPr>
+        <p:cNvPr id="1" name=""/>
+        <p:cNvGrpSpPr/>
+        <p:nvPr/>
+      </p:nvGrpSpPr>
+      <p:grpSpPr>
+        <a:xfrm>
+          <a:off x="0" y="0"/>
+          <a:ext cx="0" cy="0"/>
+          <a:chOff x="0" y="0"/>
+          <a:chExt cx="0" cy="0"/>
+        </a:xfrm>
+      </p:grpSpPr>
+      <p:sp>
+        <p:nvSpPr>
+          <p:cNvPr id="2" name="Slide Image Placeholder 1"/>
+          <p:cNvSpPr>
+            <a:spLocks noGrp="1" noRot="1" noChangeAspect="1"/>
+          </p:cNvSpPr>
+          <p:nvPr>
+            <p:ph type="sldImg"/>
+          </p:nvPr>
+        </p:nvSpPr>
+        <p:spPr/>
+      </p:sp>
+      <p:sp>
+        <p:nvSpPr>
+          <p:cNvPr id="3" name="Notes Placeholder 2"/>
+          <p:cNvSpPr>
+            <a:spLocks noGrp="1"/>
+          </p:cNvSpPr>
+          <p:nvPr>
+            <p:ph type="body" idx="1"/>
+          </p:nvPr>
+        </p:nvSpPr>
+        <p:spPr/>
+        <p:txBody>
+          <a:bodyPr/>
+          <a:lstStyle/>
+          <a:p>
+            <a:endParaRPr lang="en-US"/>
+          </a:p>
+        </p:txBody>
+      </p:sp>
+      <p:sp>
+        <p:nvSpPr>
+          <p:cNvPr id="4" name="Slide Number Placeholder 3"/>
+          <p:cNvSpPr>
+            <a:spLocks noGrp="1"/>
+          </p:cNvSpPr>
+          <p:nvPr>
+            <p:ph type="sldNum" sz="quarter" idx="5"/>
+          </p:nvPr>
+        </p:nvSpPr>
+        <p:spPr/>
+        <p:txBody>
+          <a:bodyPr/>
+          <a:lstStyle/>
+          <a:p>
+            <a:fld id="{F2C08E5D-4D4A-48B2-8AB5-6FDEB2070611}" type="slidenum">
+              <a:rPr lang="en-US" smtClean="0"/>
+              <a:t>16</a:t>
+            </a:fld>
+            <a:endParaRPr lang="en-US"/>
+          </a:p>
+        </p:txBody>
+      </p:sp>
+    </p:spTree>
+    <p:extLst>
+      <p:ext uri="{BB962C8B-B14F-4D97-AF65-F5344CB8AC3E}">
+        <p14:creationId xmlns:p14="http://schemas.microsoft.com/office/powerpoint/2010/main" val="2782017225"/>
+      </p:ext>
+    </p:extLst>
+  </p:cSld>
+  <p:clrMapOvr>
+    <a:masterClrMapping/>
+  </p:clrMapOvr>
+</p:notes>
+</file>
+
+<file path=ppt/notesSlides/notesSlide2.xml><?xml version="1.0" encoding="utf-8"?>
+<p:notes xmlns:a="http://schemas.openxmlformats.org/drawingml/2006/main" xmlns:r="http://schemas.openxmlformats.org/officeDocument/2006/relationships" xmlns:p="http://schemas.openxmlformats.org/presentationml/2006/main">
+  <p:cSld>
+    <p:spTree>
+      <p:nvGrpSpPr>
+        <p:cNvPr id="1" name=""/>
+        <p:cNvGrpSpPr/>
+        <p:nvPr/>
+      </p:nvGrpSpPr>
+      <p:grpSpPr>
+        <a:xfrm>
+          <a:off x="0" y="0"/>
+          <a:ext cx="0" cy="0"/>
+          <a:chOff x="0" y="0"/>
+          <a:chExt cx="0" cy="0"/>
+        </a:xfrm>
+      </p:grpSpPr>
+      <p:sp>
+        <p:nvSpPr>
+          <p:cNvPr id="2" name="Slide Image Placeholder 1"/>
+          <p:cNvSpPr>
+            <a:spLocks noGrp="1" noRot="1" noChangeAspect="1"/>
+          </p:cNvSpPr>
+          <p:nvPr>
+            <p:ph type="sldImg"/>
+          </p:nvPr>
+        </p:nvSpPr>
+        <p:spPr/>
+      </p:sp>
+      <p:sp>
+        <p:nvSpPr>
+          <p:cNvPr id="3" name="Notes Placeholder 2"/>
+          <p:cNvSpPr>
+            <a:spLocks noGrp="1"/>
+          </p:cNvSpPr>
+          <p:nvPr>
+            <p:ph type="body" idx="1"/>
+          </p:nvPr>
+        </p:nvSpPr>
+        <p:spPr/>
+        <p:txBody>
+          <a:bodyPr/>
+          <a:lstStyle/>
+          <a:p>
+            <a:r>
+              <a:rPr lang="en-US"/>
+              <a:t>- Các thành phần này có màu xanh biểu thị đang active, đang đ</a:t>
+            </a:r>
+            <a:r>
+              <a:rPr lang="vi-VN"/>
+              <a:t>ư</a:t>
+            </a:r>
+            <a:r>
+              <a:rPr lang="en-US"/>
+              <a:t>ợc lựa chọn. Nó không ám chỉ sự tăng giảm, tốt xấu, nên không sử dụng màu nằm trong dải màu color.</a:t>
+            </a:r>
+          </a:p>
+        </p:txBody>
+      </p:sp>
+      <p:sp>
+        <p:nvSpPr>
+          <p:cNvPr id="4" name="Slide Number Placeholder 3"/>
+          <p:cNvSpPr>
+            <a:spLocks noGrp="1"/>
+          </p:cNvSpPr>
+          <p:nvPr>
+            <p:ph type="sldNum" sz="quarter" idx="5"/>
+          </p:nvPr>
+        </p:nvSpPr>
+        <p:spPr/>
+        <p:txBody>
+          <a:bodyPr/>
+          <a:lstStyle/>
+          <a:p>
+            <a:fld id="{F2C08E5D-4D4A-48B2-8AB5-6FDEB2070611}" type="slidenum">
+              <a:rPr lang="en-US" smtClean="0"/>
+              <a:t>4</a:t>
+            </a:fld>
+            <a:endParaRPr lang="en-US"/>
+          </a:p>
+        </p:txBody>
+      </p:sp>
+    </p:spTree>
+    <p:extLst>
+      <p:ext uri="{BB962C8B-B14F-4D97-AF65-F5344CB8AC3E}">
+        <p14:creationId xmlns:p14="http://schemas.microsoft.com/office/powerpoint/2010/main" val="1664627739"/>
+      </p:ext>
+    </p:extLst>
+  </p:cSld>
+  <p:clrMapOvr>
+    <a:masterClrMapping/>
+  </p:clrMapOvr>
+</p:notes>
+</file>
+
+<file path=ppt/notesSlides/notesSlide3.xml><?xml version="1.0" encoding="utf-8"?>
+<p:notes xmlns:a="http://schemas.openxmlformats.org/drawingml/2006/main" xmlns:r="http://schemas.openxmlformats.org/officeDocument/2006/relationships" xmlns:p="http://schemas.openxmlformats.org/presentationml/2006/main">
+  <p:cSld>
+    <p:spTree>
+      <p:nvGrpSpPr>
+        <p:cNvPr id="1" name=""/>
+        <p:cNvGrpSpPr/>
+        <p:nvPr/>
+      </p:nvGrpSpPr>
+      <p:grpSpPr>
+        <a:xfrm>
+          <a:off x="0" y="0"/>
+          <a:ext cx="0" cy="0"/>
+          <a:chOff x="0" y="0"/>
+          <a:chExt cx="0" cy="0"/>
+        </a:xfrm>
+      </p:grpSpPr>
+      <p:sp>
+        <p:nvSpPr>
+          <p:cNvPr id="2" name="Slide Image Placeholder 1"/>
+          <p:cNvSpPr>
+            <a:spLocks noGrp="1" noRot="1" noChangeAspect="1"/>
+          </p:cNvSpPr>
+          <p:nvPr>
+            <p:ph type="sldImg"/>
+          </p:nvPr>
+        </p:nvSpPr>
+        <p:spPr/>
+      </p:sp>
+      <p:sp>
+        <p:nvSpPr>
+          <p:cNvPr id="3" name="Notes Placeholder 2"/>
+          <p:cNvSpPr>
+            <a:spLocks noGrp="1"/>
+          </p:cNvSpPr>
+          <p:nvPr>
+            <p:ph type="body" idx="1"/>
+          </p:nvPr>
+        </p:nvSpPr>
+        <p:spPr/>
+        <p:txBody>
+          <a:bodyPr/>
+          <a:lstStyle/>
+          <a:p>
+            <a:r>
+              <a:rPr lang="en-US"/>
+              <a:t>Tất cả các nút như research, check, apply, start, save đều sử dụng màu xanh d</a:t>
+            </a:r>
+            <a:r>
+              <a:rPr lang="vi-VN"/>
+              <a:t>ư</a:t>
+            </a:r>
+            <a:r>
+              <a:rPr lang="en-US"/>
+              <a:t>ơng</a:t>
+            </a:r>
+          </a:p>
+          <a:p>
+            <a:r>
+              <a:rPr lang="en-US"/>
+              <a:t>Chỉ nút Register (chẳng hạn: Heatmap Register) sẽ có màu xanh lá</a:t>
+            </a:r>
+          </a:p>
+        </p:txBody>
+      </p:sp>
+      <p:sp>
+        <p:nvSpPr>
+          <p:cNvPr id="4" name="Slide Number Placeholder 3"/>
+          <p:cNvSpPr>
+            <a:spLocks noGrp="1"/>
+          </p:cNvSpPr>
+          <p:nvPr>
+            <p:ph type="sldNum" sz="quarter" idx="5"/>
+          </p:nvPr>
+        </p:nvSpPr>
+        <p:spPr/>
+        <p:txBody>
+          <a:bodyPr/>
+          <a:lstStyle/>
+          <a:p>
+            <a:fld id="{F2C08E5D-4D4A-48B2-8AB5-6FDEB2070611}" type="slidenum">
+              <a:rPr lang="en-US" smtClean="0"/>
+              <a:t>5</a:t>
+            </a:fld>
+            <a:endParaRPr lang="en-US"/>
+          </a:p>
+        </p:txBody>
+      </p:sp>
+    </p:spTree>
+    <p:extLst>
+      <p:ext uri="{BB962C8B-B14F-4D97-AF65-F5344CB8AC3E}">
+        <p14:creationId xmlns:p14="http://schemas.microsoft.com/office/powerpoint/2010/main" val="3847588720"/>
+      </p:ext>
+    </p:extLst>
+  </p:cSld>
+  <p:clrMapOvr>
+    <a:masterClrMapping/>
+  </p:clrMapOvr>
+</p:notes>
+</file>
+
+<file path=ppt/notesSlides/notesSlide4.xml><?xml version="1.0" encoding="utf-8"?>
+<p:notes xmlns:a="http://schemas.openxmlformats.org/drawingml/2006/main" xmlns:r="http://schemas.openxmlformats.org/officeDocument/2006/relationships" xmlns:p="http://schemas.openxmlformats.org/presentationml/2006/main">
+  <p:cSld>
+    <p:spTree>
+      <p:nvGrpSpPr>
+        <p:cNvPr id="1" name=""/>
+        <p:cNvGrpSpPr/>
+        <p:nvPr/>
+      </p:nvGrpSpPr>
+      <p:grpSpPr>
+        <a:xfrm>
+          <a:off x="0" y="0"/>
+          <a:ext cx="0" cy="0"/>
+          <a:chOff x="0" y="0"/>
+          <a:chExt cx="0" cy="0"/>
+        </a:xfrm>
+      </p:grpSpPr>
+      <p:sp>
+        <p:nvSpPr>
+          <p:cNvPr id="2" name="Slide Image Placeholder 1"/>
+          <p:cNvSpPr>
+            <a:spLocks noGrp="1" noRot="1" noChangeAspect="1"/>
+          </p:cNvSpPr>
+          <p:nvPr>
+            <p:ph type="sldImg"/>
+          </p:nvPr>
+        </p:nvSpPr>
+        <p:spPr/>
+      </p:sp>
+      <p:sp>
+        <p:nvSpPr>
+          <p:cNvPr id="3" name="Notes Placeholder 2"/>
+          <p:cNvSpPr>
+            <a:spLocks noGrp="1"/>
+          </p:cNvSpPr>
+          <p:nvPr>
+            <p:ph type="body" idx="1"/>
+          </p:nvPr>
+        </p:nvSpPr>
+        <p:spPr/>
+        <p:txBody>
+          <a:bodyPr/>
+          <a:lstStyle/>
+          <a:p>
+            <a:pPr marL="0" marR="0" lvl="0" indent="0" algn="l" defTabSz="914400" rtl="0" eaLnBrk="1" fontAlgn="auto" latinLnBrk="0" hangingPunct="1">
+              <a:lnSpc>
+                <a:spcPct val="100000"/>
+              </a:lnSpc>
+              <a:spcBef>
+                <a:spcPts val="0"/>
+              </a:spcBef>
+              <a:spcAft>
+                <a:spcPts val="0"/>
+              </a:spcAft>
+              <a:buClrTx/>
+              <a:buSzTx/>
+              <a:buFontTx/>
+              <a:buNone/>
+              <a:tabLst/>
+              <a:defRPr/>
+            </a:pPr>
+            <a:r>
+              <a:rPr lang="en-US"/>
+              <a:t>- Phần phân trang có màu xanh biểu thị đang active, đang đ</a:t>
+            </a:r>
+            <a:r>
+              <a:rPr lang="vi-VN"/>
+              <a:t>ư</a:t>
+            </a:r>
+            <a:r>
+              <a:rPr lang="en-US"/>
+              <a:t>ợc lựa chọn. Nó không ám chỉ sự tăng giảm, tốt xấu, nên không sử dụng màu nằm trong dải màu color.</a:t>
+            </a:r>
+          </a:p>
+          <a:p>
+            <a:endParaRPr lang="en-US"/>
+          </a:p>
+        </p:txBody>
+      </p:sp>
+      <p:sp>
+        <p:nvSpPr>
+          <p:cNvPr id="4" name="Slide Number Placeholder 3"/>
+          <p:cNvSpPr>
+            <a:spLocks noGrp="1"/>
+          </p:cNvSpPr>
+          <p:nvPr>
+            <p:ph type="sldNum" sz="quarter" idx="5"/>
+          </p:nvPr>
+        </p:nvSpPr>
+        <p:spPr/>
+        <p:txBody>
+          <a:bodyPr/>
+          <a:lstStyle/>
+          <a:p>
+            <a:fld id="{F2C08E5D-4D4A-48B2-8AB5-6FDEB2070611}" type="slidenum">
+              <a:rPr lang="en-US" smtClean="0"/>
+              <a:t>7</a:t>
+            </a:fld>
+            <a:endParaRPr lang="en-US"/>
+          </a:p>
+        </p:txBody>
+      </p:sp>
+    </p:spTree>
+    <p:extLst>
+      <p:ext uri="{BB962C8B-B14F-4D97-AF65-F5344CB8AC3E}">
+        <p14:creationId xmlns:p14="http://schemas.microsoft.com/office/powerpoint/2010/main" val="3836110099"/>
+      </p:ext>
+    </p:extLst>
+  </p:cSld>
+  <p:clrMapOvr>
+    <a:masterClrMapping/>
+  </p:clrMapOvr>
+</p:notes>
+</file>
+
+<file path=ppt/notesSlides/notesSlide5.xml><?xml version="1.0" encoding="utf-8"?>
+<p:notes xmlns:a="http://schemas.openxmlformats.org/drawingml/2006/main" xmlns:r="http://schemas.openxmlformats.org/officeDocument/2006/relationships" xmlns:p="http://schemas.openxmlformats.org/presentationml/2006/main">
+  <p:cSld>
+    <p:spTree>
+      <p:nvGrpSpPr>
+        <p:cNvPr id="1" name=""/>
+        <p:cNvGrpSpPr/>
+        <p:nvPr/>
+      </p:nvGrpSpPr>
+      <p:grpSpPr>
+        <a:xfrm>
+          <a:off x="0" y="0"/>
+          <a:ext cx="0" cy="0"/>
+          <a:chOff x="0" y="0"/>
+          <a:chExt cx="0" cy="0"/>
+        </a:xfrm>
+      </p:grpSpPr>
+      <p:sp>
+        <p:nvSpPr>
+          <p:cNvPr id="2" name="Slide Image Placeholder 1"/>
+          <p:cNvSpPr>
+            <a:spLocks noGrp="1" noRot="1" noChangeAspect="1"/>
+          </p:cNvSpPr>
+          <p:nvPr>
+            <p:ph type="sldImg"/>
+          </p:nvPr>
+        </p:nvSpPr>
+        <p:spPr/>
+      </p:sp>
+      <p:sp>
+        <p:nvSpPr>
+          <p:cNvPr id="3" name="Notes Placeholder 2"/>
+          <p:cNvSpPr>
+            <a:spLocks noGrp="1"/>
+          </p:cNvSpPr>
+          <p:nvPr>
+            <p:ph type="body" idx="1"/>
+          </p:nvPr>
+        </p:nvSpPr>
+        <p:spPr/>
+        <p:txBody>
+          <a:bodyPr/>
+          <a:lstStyle/>
+          <a:p>
+            <a:pPr marL="0" indent="0">
+              <a:buFontTx/>
+              <a:buNone/>
+            </a:pPr>
+            <a:r>
+              <a:rPr lang="en-US"/>
+              <a:t>Biểu đồ này dành để so sánh giá trị của các item (chẳng hạn top 3, top 4-10, top 11-20, top 21 -50, top 51-100)</a:t>
+            </a:r>
+          </a:p>
+          <a:p>
+            <a:pPr marL="171450" indent="-171450">
+              <a:buFontTx/>
+              <a:buChar char="-"/>
+            </a:pPr>
+            <a:r>
+              <a:rPr lang="en-US"/>
+              <a:t>Cột màu xanh biểu thị tăng tr</a:t>
+            </a:r>
+            <a:r>
+              <a:rPr lang="vi-VN"/>
+              <a:t>ư</a:t>
+            </a:r>
+            <a:r>
+              <a:rPr lang="en-US"/>
+              <a:t>ởng</a:t>
+            </a:r>
+          </a:p>
+          <a:p>
+            <a:pPr marL="171450" indent="-171450">
+              <a:buFontTx/>
+              <a:buChar char="-"/>
+            </a:pPr>
+            <a:r>
+              <a:rPr lang="en-US"/>
+              <a:t>Cột màu vàng biểu thị không thay đổi</a:t>
+            </a:r>
+          </a:p>
+          <a:p>
+            <a:pPr marL="171450" indent="-171450">
+              <a:buFontTx/>
+              <a:buChar char="-"/>
+            </a:pPr>
+            <a:r>
+              <a:rPr lang="en-US"/>
+              <a:t>Cột màu đỏ biểu thị đang giảm</a:t>
+            </a:r>
+          </a:p>
+          <a:p>
+            <a:pPr marL="171450" indent="-171450">
+              <a:buFontTx/>
+              <a:buChar char="-"/>
+            </a:pPr>
+            <a:endParaRPr lang="en-US"/>
+          </a:p>
+          <a:p>
+            <a:pPr marL="171450" indent="-171450">
+              <a:buFontTx/>
+              <a:buChar char="-"/>
+            </a:pPr>
+            <a:endParaRPr lang="en-US"/>
+          </a:p>
+        </p:txBody>
+      </p:sp>
+      <p:sp>
+        <p:nvSpPr>
+          <p:cNvPr id="4" name="Slide Number Placeholder 3"/>
+          <p:cNvSpPr>
+            <a:spLocks noGrp="1"/>
+          </p:cNvSpPr>
+          <p:nvPr>
+            <p:ph type="sldNum" sz="quarter" idx="5"/>
+          </p:nvPr>
+        </p:nvSpPr>
+        <p:spPr/>
+        <p:txBody>
+          <a:bodyPr/>
+          <a:lstStyle/>
+          <a:p>
+            <a:fld id="{F2C08E5D-4D4A-48B2-8AB5-6FDEB2070611}" type="slidenum">
+              <a:rPr lang="en-US" smtClean="0"/>
+              <a:t>8</a:t>
+            </a:fld>
+            <a:endParaRPr lang="en-US"/>
+          </a:p>
+        </p:txBody>
+      </p:sp>
+    </p:spTree>
+    <p:extLst>
+      <p:ext uri="{BB962C8B-B14F-4D97-AF65-F5344CB8AC3E}">
+        <p14:creationId xmlns:p14="http://schemas.microsoft.com/office/powerpoint/2010/main" val="1279272989"/>
+      </p:ext>
+    </p:extLst>
+  </p:cSld>
+  <p:clrMapOvr>
+    <a:masterClrMapping/>
+  </p:clrMapOvr>
+</p:notes>
+</file>
+
+<file path=ppt/notesSlides/notesSlide6.xml><?xml version="1.0" encoding="utf-8"?>
+<p:notes xmlns:a="http://schemas.openxmlformats.org/drawingml/2006/main" xmlns:r="http://schemas.openxmlformats.org/officeDocument/2006/relationships" xmlns:p="http://schemas.openxmlformats.org/presentationml/2006/main">
+  <p:cSld>
+    <p:spTree>
+      <p:nvGrpSpPr>
+        <p:cNvPr id="1" name=""/>
+        <p:cNvGrpSpPr/>
+        <p:nvPr/>
+      </p:nvGrpSpPr>
+      <p:grpSpPr>
+        <a:xfrm>
+          <a:off x="0" y="0"/>
+          <a:ext cx="0" cy="0"/>
+          <a:chOff x="0" y="0"/>
+          <a:chExt cx="0" cy="0"/>
+        </a:xfrm>
+      </p:grpSpPr>
+      <p:sp>
+        <p:nvSpPr>
+          <p:cNvPr id="2" name="Slide Image Placeholder 1"/>
+          <p:cNvSpPr>
+            <a:spLocks noGrp="1" noRot="1" noChangeAspect="1"/>
+          </p:cNvSpPr>
+          <p:nvPr>
+            <p:ph type="sldImg"/>
+          </p:nvPr>
+        </p:nvSpPr>
+        <p:spPr/>
+      </p:sp>
+      <p:sp>
+        <p:nvSpPr>
+          <p:cNvPr id="3" name="Notes Placeholder 2"/>
+          <p:cNvSpPr>
+            <a:spLocks noGrp="1"/>
+          </p:cNvSpPr>
+          <p:nvPr>
+            <p:ph type="body" idx="1"/>
+          </p:nvPr>
+        </p:nvSpPr>
+        <p:spPr/>
+        <p:txBody>
+          <a:bodyPr/>
+          <a:lstStyle/>
+          <a:p>
+            <a:pPr marL="0" indent="0">
+              <a:buFontTx/>
+              <a:buNone/>
+            </a:pPr>
+            <a:r>
+              <a:rPr lang="en-US"/>
+              <a:t>Biểu đồ này dành để xếp hạng các item</a:t>
+            </a:r>
+          </a:p>
+          <a:p>
+            <a:pPr marL="171450" indent="-171450">
+              <a:buFontTx/>
+              <a:buChar char="-"/>
+            </a:pPr>
+            <a:r>
+              <a:rPr lang="en-US"/>
+              <a:t>us đang có số l</a:t>
+            </a:r>
+            <a:r>
+              <a:rPr lang="vi-VN"/>
+              <a:t>ư</a:t>
+            </a:r>
+            <a:r>
+              <a:rPr lang="en-US"/>
+              <a:t>ợng cao nhất nên có màu xanh và đặt trên cùng</a:t>
+            </a:r>
+          </a:p>
+          <a:p>
+            <a:pPr marL="171450" indent="-171450">
+              <a:buFontTx/>
+              <a:buChar char="-"/>
+            </a:pPr>
+            <a:r>
+              <a:rPr lang="en-US"/>
+              <a:t>Các hàng khác thì t</a:t>
+            </a:r>
+            <a:r>
+              <a:rPr lang="vi-VN"/>
+              <a:t>ư</a:t>
+            </a:r>
+            <a:r>
+              <a:rPr lang="en-US"/>
+              <a:t>ơng ứng càng ít thì càng chuyển sang đỏ và ở d</a:t>
+            </a:r>
+            <a:r>
+              <a:rPr lang="vi-VN"/>
+              <a:t>ư</a:t>
+            </a:r>
+            <a:r>
+              <a:rPr lang="en-US"/>
+              <a:t>ới thấp h</a:t>
+            </a:r>
+            <a:r>
+              <a:rPr lang="vi-VN"/>
+              <a:t>ơ</a:t>
+            </a:r>
+            <a:r>
+              <a:rPr lang="en-US"/>
+              <a:t>n </a:t>
+            </a:r>
+          </a:p>
+        </p:txBody>
+      </p:sp>
+      <p:sp>
+        <p:nvSpPr>
+          <p:cNvPr id="4" name="Slide Number Placeholder 3"/>
+          <p:cNvSpPr>
+            <a:spLocks noGrp="1"/>
+          </p:cNvSpPr>
+          <p:nvPr>
+            <p:ph type="sldNum" sz="quarter" idx="5"/>
+          </p:nvPr>
+        </p:nvSpPr>
+        <p:spPr/>
+        <p:txBody>
+          <a:bodyPr/>
+          <a:lstStyle/>
+          <a:p>
+            <a:fld id="{F2C08E5D-4D4A-48B2-8AB5-6FDEB2070611}" type="slidenum">
+              <a:rPr lang="en-US" smtClean="0"/>
+              <a:t>9</a:t>
+            </a:fld>
+            <a:endParaRPr lang="en-US"/>
+          </a:p>
+        </p:txBody>
+      </p:sp>
+    </p:spTree>
+    <p:extLst>
+      <p:ext uri="{BB962C8B-B14F-4D97-AF65-F5344CB8AC3E}">
+        <p14:creationId xmlns:p14="http://schemas.microsoft.com/office/powerpoint/2010/main" val="386227891"/>
+      </p:ext>
+    </p:extLst>
+  </p:cSld>
+  <p:clrMapOvr>
+    <a:masterClrMapping/>
+  </p:clrMapOvr>
+</p:notes>
+</file>
+
+<file path=ppt/notesSlides/notesSlide7.xml><?xml version="1.0" encoding="utf-8"?>
+<p:notes xmlns:a="http://schemas.openxmlformats.org/drawingml/2006/main" xmlns:r="http://schemas.openxmlformats.org/officeDocument/2006/relationships" xmlns:p="http://schemas.openxmlformats.org/presentationml/2006/main">
+  <p:cSld>
+    <p:spTree>
+      <p:nvGrpSpPr>
+        <p:cNvPr id="1" name=""/>
+        <p:cNvGrpSpPr/>
+        <p:nvPr/>
+      </p:nvGrpSpPr>
+      <p:grpSpPr>
+        <a:xfrm>
+          <a:off x="0" y="0"/>
+          <a:ext cx="0" cy="0"/>
+          <a:chOff x="0" y="0"/>
+          <a:chExt cx="0" cy="0"/>
+        </a:xfrm>
+      </p:grpSpPr>
+      <p:sp>
+        <p:nvSpPr>
+          <p:cNvPr id="2" name="Slide Image Placeholder 1"/>
+          <p:cNvSpPr>
+            <a:spLocks noGrp="1" noRot="1" noChangeAspect="1"/>
+          </p:cNvSpPr>
+          <p:nvPr>
+            <p:ph type="sldImg"/>
+          </p:nvPr>
+        </p:nvSpPr>
+        <p:spPr/>
+      </p:sp>
+      <p:sp>
+        <p:nvSpPr>
+          <p:cNvPr id="3" name="Notes Placeholder 2"/>
+          <p:cNvSpPr>
+            <a:spLocks noGrp="1"/>
+          </p:cNvSpPr>
+          <p:nvPr>
+            <p:ph type="body" idx="1"/>
+          </p:nvPr>
+        </p:nvSpPr>
+        <p:spPr/>
+        <p:txBody>
+          <a:bodyPr/>
+          <a:lstStyle/>
+          <a:p>
+            <a:r>
+              <a:rPr lang="en-US"/>
+              <a:t>Biểu đồ này dùng để thể hiện mỗi item chiếm bao nhiêu phần trăm trong tổng 100%</a:t>
+            </a:r>
+          </a:p>
+          <a:p>
+            <a:r>
+              <a:rPr lang="en-US"/>
+              <a:t>Đ</a:t>
+            </a:r>
+            <a:r>
+              <a:rPr lang="vi-VN"/>
+              <a:t>ư</a:t>
+            </a:r>
+            <a:r>
+              <a:rPr lang="en-US"/>
+              <a:t>ợc sắp xếp từ cao đến thấp theo kim đồng hồ (HTML &gt; Javascript &gt; CSS &gt; Image &gt; PDF &gt; Flash &gt; Other)</a:t>
+            </a:r>
+          </a:p>
+          <a:p>
+            <a:r>
+              <a:rPr lang="en-US"/>
+              <a:t>Nhìn vào biểu đồ này có thể thấy ngay HTML đang chiếm nhiều phần trăm nhất, item Other thì thấp nhất</a:t>
+            </a:r>
+          </a:p>
+        </p:txBody>
+      </p:sp>
+      <p:sp>
+        <p:nvSpPr>
+          <p:cNvPr id="4" name="Slide Number Placeholder 3"/>
+          <p:cNvSpPr>
+            <a:spLocks noGrp="1"/>
+          </p:cNvSpPr>
+          <p:nvPr>
+            <p:ph type="sldNum" sz="quarter" idx="5"/>
+          </p:nvPr>
+        </p:nvSpPr>
+        <p:spPr/>
+        <p:txBody>
+          <a:bodyPr/>
+          <a:lstStyle/>
+          <a:p>
+            <a:fld id="{F2C08E5D-4D4A-48B2-8AB5-6FDEB2070611}" type="slidenum">
+              <a:rPr lang="en-US" smtClean="0"/>
+              <a:t>10</a:t>
+            </a:fld>
+            <a:endParaRPr lang="en-US"/>
+          </a:p>
+        </p:txBody>
+      </p:sp>
+    </p:spTree>
+    <p:extLst>
+      <p:ext uri="{BB962C8B-B14F-4D97-AF65-F5344CB8AC3E}">
+        <p14:creationId xmlns:p14="http://schemas.microsoft.com/office/powerpoint/2010/main" val="777947511"/>
+      </p:ext>
+    </p:extLst>
+  </p:cSld>
+  <p:clrMapOvr>
+    <a:masterClrMapping/>
+  </p:clrMapOvr>
+</p:notes>
+</file>
+
+<file path=ppt/notesSlides/notesSlide8.xml><?xml version="1.0" encoding="utf-8"?>
+<p:notes xmlns:a="http://schemas.openxmlformats.org/drawingml/2006/main" xmlns:r="http://schemas.openxmlformats.org/officeDocument/2006/relationships" xmlns:p="http://schemas.openxmlformats.org/presentationml/2006/main">
+  <p:cSld>
+    <p:spTree>
+      <p:nvGrpSpPr>
+        <p:cNvPr id="1" name=""/>
+        <p:cNvGrpSpPr/>
+        <p:nvPr/>
+      </p:nvGrpSpPr>
+      <p:grpSpPr>
+        <a:xfrm>
+          <a:off x="0" y="0"/>
+          <a:ext cx="0" cy="0"/>
+          <a:chOff x="0" y="0"/>
+          <a:chExt cx="0" cy="0"/>
+        </a:xfrm>
+      </p:grpSpPr>
+      <p:sp>
+        <p:nvSpPr>
+          <p:cNvPr id="2" name="Slide Image Placeholder 1"/>
+          <p:cNvSpPr>
+            <a:spLocks noGrp="1" noRot="1" noChangeAspect="1"/>
+          </p:cNvSpPr>
+          <p:nvPr>
+            <p:ph type="sldImg"/>
+          </p:nvPr>
+        </p:nvSpPr>
+        <p:spPr/>
+      </p:sp>
+      <p:sp>
+        <p:nvSpPr>
+          <p:cNvPr id="3" name="Notes Placeholder 2"/>
+          <p:cNvSpPr>
+            <a:spLocks noGrp="1"/>
+          </p:cNvSpPr>
+          <p:nvPr>
+            <p:ph type="body" idx="1"/>
+          </p:nvPr>
+        </p:nvSpPr>
+        <p:spPr/>
+        <p:txBody>
+          <a:bodyPr/>
+          <a:lstStyle/>
+          <a:p>
+            <a:pPr marL="0" indent="0">
+              <a:buFontTx/>
+              <a:buNone/>
+            </a:pPr>
+            <a:r>
+              <a:rPr lang="en-US"/>
+              <a:t>Biểu đồ này thể hiện vị trí của item muốn tìm kiếm so với các item khác</a:t>
+            </a:r>
+          </a:p>
+          <a:p>
+            <a:pPr marL="171450" marR="0" lvl="0" indent="-171450" algn="l" defTabSz="914400" rtl="0" eaLnBrk="1" fontAlgn="auto" latinLnBrk="0" hangingPunct="1">
+              <a:lnSpc>
+                <a:spcPct val="100000"/>
+              </a:lnSpc>
+              <a:spcBef>
+                <a:spcPts val="0"/>
+              </a:spcBef>
+              <a:spcAft>
+                <a:spcPts val="0"/>
+              </a:spcAft>
+              <a:buClrTx/>
+              <a:buSzTx/>
+              <a:buFontTx/>
+              <a:buChar char="-"/>
+              <a:tabLst/>
+              <a:defRPr/>
+            </a:pPr>
+            <a:r>
+              <a:rPr lang="en-US"/>
+              <a:t>Hình tròn màu xanh d</a:t>
+            </a:r>
+            <a:r>
+              <a:rPr lang="vi-VN"/>
+              <a:t>ư</a:t>
+            </a:r>
+            <a:r>
+              <a:rPr lang="en-US"/>
+              <a:t>ơng: ý chỉ chính bạn (thành phần đang active, đang muốn so sánh)</a:t>
+            </a:r>
+          </a:p>
+          <a:p>
+            <a:pPr marL="171450" marR="0" lvl="0" indent="-171450" algn="l" defTabSz="914400" rtl="0" eaLnBrk="1" fontAlgn="auto" latinLnBrk="0" hangingPunct="1">
+              <a:lnSpc>
+                <a:spcPct val="100000"/>
+              </a:lnSpc>
+              <a:spcBef>
+                <a:spcPts val="0"/>
+              </a:spcBef>
+              <a:spcAft>
+                <a:spcPts val="0"/>
+              </a:spcAft>
+              <a:buClrTx/>
+              <a:buSzTx/>
+              <a:buFontTx/>
+              <a:buChar char="-"/>
+              <a:tabLst/>
+              <a:defRPr/>
+            </a:pPr>
+            <a:r>
+              <a:rPr lang="en-US"/>
+              <a:t>Hình tròn màu đỏ: biểu thị mối nguy hiểm hay item đang h</a:t>
+            </a:r>
+            <a:r>
+              <a:rPr lang="vi-VN"/>
+              <a:t>ơ</a:t>
+            </a:r>
+            <a:r>
+              <a:rPr lang="en-US"/>
+              <a:t>n bạn</a:t>
+            </a:r>
+          </a:p>
+          <a:p>
+            <a:pPr marL="171450" indent="-171450">
+              <a:buFontTx/>
+              <a:buChar char="-"/>
+            </a:pPr>
+            <a:r>
+              <a:rPr lang="en-US"/>
+              <a:t>Hình tròn màu xám: biểu thị đối thủ yếu, mờ nhạt, thua kém bạn</a:t>
+            </a:r>
+          </a:p>
+        </p:txBody>
+      </p:sp>
+      <p:sp>
+        <p:nvSpPr>
+          <p:cNvPr id="4" name="Slide Number Placeholder 3"/>
+          <p:cNvSpPr>
+            <a:spLocks noGrp="1"/>
+          </p:cNvSpPr>
+          <p:nvPr>
+            <p:ph type="sldNum" sz="quarter" idx="5"/>
+          </p:nvPr>
+        </p:nvSpPr>
+        <p:spPr/>
+        <p:txBody>
+          <a:bodyPr/>
+          <a:lstStyle/>
+          <a:p>
+            <a:fld id="{F2C08E5D-4D4A-48B2-8AB5-6FDEB2070611}" type="slidenum">
+              <a:rPr lang="en-US" smtClean="0"/>
+              <a:t>11</a:t>
+            </a:fld>
+            <a:endParaRPr lang="en-US"/>
+          </a:p>
+        </p:txBody>
+      </p:sp>
+    </p:spTree>
+    <p:extLst>
+      <p:ext uri="{BB962C8B-B14F-4D97-AF65-F5344CB8AC3E}">
+        <p14:creationId xmlns:p14="http://schemas.microsoft.com/office/powerpoint/2010/main" val="1071342507"/>
+      </p:ext>
+    </p:extLst>
+  </p:cSld>
+  <p:clrMapOvr>
+    <a:masterClrMapping/>
+  </p:clrMapOvr>
+</p:notes>
+</file>
+
+<file path=ppt/notesSlides/notesSlide9.xml><?xml version="1.0" encoding="utf-8"?>
+<p:notes xmlns:a="http://schemas.openxmlformats.org/drawingml/2006/main" xmlns:r="http://schemas.openxmlformats.org/officeDocument/2006/relationships" xmlns:p="http://schemas.openxmlformats.org/presentationml/2006/main">
+  <p:cSld>
+    <p:spTree>
+      <p:nvGrpSpPr>
+        <p:cNvPr id="1" name=""/>
+        <p:cNvGrpSpPr/>
+        <p:nvPr/>
+      </p:nvGrpSpPr>
+      <p:grpSpPr>
+        <a:xfrm>
+          <a:off x="0" y="0"/>
+          <a:ext cx="0" cy="0"/>
+          <a:chOff x="0" y="0"/>
+          <a:chExt cx="0" cy="0"/>
+        </a:xfrm>
+      </p:grpSpPr>
+      <p:sp>
+        <p:nvSpPr>
+          <p:cNvPr id="2" name="Slide Image Placeholder 1"/>
+          <p:cNvSpPr>
+            <a:spLocks noGrp="1" noRot="1" noChangeAspect="1"/>
+          </p:cNvSpPr>
+          <p:nvPr>
+            <p:ph type="sldImg"/>
+          </p:nvPr>
+        </p:nvSpPr>
+        <p:spPr/>
+      </p:sp>
+      <p:sp>
+        <p:nvSpPr>
+          <p:cNvPr id="3" name="Notes Placeholder 2"/>
+          <p:cNvSpPr>
+            <a:spLocks noGrp="1"/>
+          </p:cNvSpPr>
+          <p:nvPr>
+            <p:ph type="body" idx="1"/>
+          </p:nvPr>
+        </p:nvSpPr>
+        <p:spPr/>
+        <p:txBody>
+          <a:bodyPr/>
+          <a:lstStyle/>
+          <a:p>
+            <a:r>
+              <a:rPr lang="en-US"/>
+              <a:t>Hình tròn xanh d</a:t>
+            </a:r>
+            <a:r>
+              <a:rPr lang="vi-VN"/>
+              <a:t>ư</a:t>
+            </a:r>
+            <a:r>
+              <a:rPr lang="en-US"/>
+              <a:t>ơng: là từ khóa hiện tại đang tìm kiếm</a:t>
+            </a:r>
+          </a:p>
+          <a:p>
+            <a:r>
+              <a:rPr lang="en-US"/>
+              <a:t>Hình tròn xanh lá: các từ khóa tìm đ</a:t>
+            </a:r>
+            <a:r>
+              <a:rPr lang="vi-VN"/>
+              <a:t>ư</a:t>
+            </a:r>
+            <a:r>
+              <a:rPr lang="en-US"/>
+              <a:t>ợc</a:t>
+            </a:r>
+          </a:p>
+          <a:p>
+            <a:pPr marL="171450" indent="-171450">
+              <a:buFontTx/>
+              <a:buChar char="-"/>
+            </a:pPr>
+            <a:r>
+              <a:rPr lang="en-US"/>
+              <a:t>Số l</a:t>
+            </a:r>
+            <a:r>
+              <a:rPr lang="vi-VN"/>
+              <a:t>ư</a:t>
+            </a:r>
+            <a:r>
+              <a:rPr lang="en-US"/>
+              <a:t>ợt tìm kiếm/tháng càng lớn thì hình tròn càng lớn</a:t>
+            </a:r>
+          </a:p>
+          <a:p>
+            <a:pPr marL="171450" indent="-171450">
+              <a:buFontTx/>
+              <a:buChar char="-"/>
+            </a:pPr>
+            <a:r>
+              <a:rPr lang="en-US"/>
+              <a:t>Các hình tròn càng gần nhau thì càng có nghĩa gần giống nhau hoặc liên quan nhau.</a:t>
+            </a:r>
+          </a:p>
+        </p:txBody>
+      </p:sp>
+      <p:sp>
+        <p:nvSpPr>
+          <p:cNvPr id="4" name="Slide Number Placeholder 3"/>
+          <p:cNvSpPr>
+            <a:spLocks noGrp="1"/>
+          </p:cNvSpPr>
+          <p:nvPr>
+            <p:ph type="sldNum" sz="quarter" idx="5"/>
+          </p:nvPr>
+        </p:nvSpPr>
+        <p:spPr/>
+        <p:txBody>
+          <a:bodyPr/>
+          <a:lstStyle/>
+          <a:p>
+            <a:fld id="{F2C08E5D-4D4A-48B2-8AB5-6FDEB2070611}" type="slidenum">
+              <a:rPr lang="en-US" smtClean="0"/>
+              <a:t>12</a:t>
+            </a:fld>
+            <a:endParaRPr lang="en-US"/>
+          </a:p>
+        </p:txBody>
+      </p:sp>
+    </p:spTree>
+    <p:extLst>
+      <p:ext uri="{BB962C8B-B14F-4D97-AF65-F5344CB8AC3E}">
+        <p14:creationId xmlns:p14="http://schemas.microsoft.com/office/powerpoint/2010/main" val="2757067924"/>
+      </p:ext>
+    </p:extLst>
+  </p:cSld>
+  <p:clrMapOvr>
+    <a:masterClrMapping/>
+  </p:clrMapOvr>
+</p:notes>
+</file>
+
 <file path=ppt/slideLayouts/slideLayout1.xml><?xml version="1.0" encoding="utf-8"?>
 <p:sldLayout xmlns:a="http://schemas.openxmlformats.org/drawingml/2006/main" xmlns:r="http://schemas.openxmlformats.org/officeDocument/2006/relationships" xmlns:p="http://schemas.openxmlformats.org/presentationml/2006/main" type="title" preserve="1">
   <p:cSld name="Title Slide">
@@ -262,7 +1826,7 @@
           <a:p>
             <a:fld id="{737AB778-D5D4-47BE-B45B-978819EB065A}" type="datetimeFigureOut">
               <a:rPr lang="en-US" smtClean="0"/>
-              <a:t>8/29/2019</a:t>
+              <a:t>9/4/2019</a:t>
             </a:fld>
             <a:endParaRPr lang="en-US"/>
           </a:p>
@@ -460,7 +2024,7 @@
           <a:p>
             <a:fld id="{737AB778-D5D4-47BE-B45B-978819EB065A}" type="datetimeFigureOut">
               <a:rPr lang="en-US" smtClean="0"/>
-              <a:t>8/29/2019</a:t>
+              <a:t>9/4/2019</a:t>
             </a:fld>
             <a:endParaRPr lang="en-US"/>
           </a:p>
@@ -668,7 +2232,7 @@
           <a:p>
             <a:fld id="{737AB778-D5D4-47BE-B45B-978819EB065A}" type="datetimeFigureOut">
               <a:rPr lang="en-US" smtClean="0"/>
-              <a:t>8/29/2019</a:t>
+              <a:t>9/4/2019</a:t>
             </a:fld>
             <a:endParaRPr lang="en-US"/>
           </a:p>
@@ -866,7 +2430,7 @@
           <a:p>
             <a:fld id="{737AB778-D5D4-47BE-B45B-978819EB065A}" type="datetimeFigureOut">
               <a:rPr lang="en-US" smtClean="0"/>
-              <a:t>8/29/2019</a:t>
+              <a:t>9/4/2019</a:t>
             </a:fld>
             <a:endParaRPr lang="en-US"/>
           </a:p>
@@ -1141,7 +2705,7 @@
           <a:p>
             <a:fld id="{737AB778-D5D4-47BE-B45B-978819EB065A}" type="datetimeFigureOut">
               <a:rPr lang="en-US" smtClean="0"/>
-              <a:t>8/29/2019</a:t>
+              <a:t>9/4/2019</a:t>
             </a:fld>
             <a:endParaRPr lang="en-US"/>
           </a:p>
@@ -1406,7 +2970,7 @@
           <a:p>
             <a:fld id="{737AB778-D5D4-47BE-B45B-978819EB065A}" type="datetimeFigureOut">
               <a:rPr lang="en-US" smtClean="0"/>
-              <a:t>8/29/2019</a:t>
+              <a:t>9/4/2019</a:t>
             </a:fld>
             <a:endParaRPr lang="en-US"/>
           </a:p>
@@ -1818,7 +3382,7 @@
           <a:p>
             <a:fld id="{737AB778-D5D4-47BE-B45B-978819EB065A}" type="datetimeFigureOut">
               <a:rPr lang="en-US" smtClean="0"/>
-              <a:t>8/29/2019</a:t>
+              <a:t>9/4/2019</a:t>
             </a:fld>
             <a:endParaRPr lang="en-US"/>
           </a:p>
@@ -1959,7 +3523,7 @@
           <a:p>
             <a:fld id="{737AB778-D5D4-47BE-B45B-978819EB065A}" type="datetimeFigureOut">
               <a:rPr lang="en-US" smtClean="0"/>
-              <a:t>8/29/2019</a:t>
+              <a:t>9/4/2019</a:t>
             </a:fld>
             <a:endParaRPr lang="en-US"/>
           </a:p>
@@ -2072,7 +3636,7 @@
           <a:p>
             <a:fld id="{737AB778-D5D4-47BE-B45B-978819EB065A}" type="datetimeFigureOut">
               <a:rPr lang="en-US" smtClean="0"/>
-              <a:t>8/29/2019</a:t>
+              <a:t>9/4/2019</a:t>
             </a:fld>
             <a:endParaRPr lang="en-US"/>
           </a:p>
@@ -2383,7 +3947,7 @@
           <a:p>
             <a:fld id="{737AB778-D5D4-47BE-B45B-978819EB065A}" type="datetimeFigureOut">
               <a:rPr lang="en-US" smtClean="0"/>
-              <a:t>8/29/2019</a:t>
+              <a:t>9/4/2019</a:t>
             </a:fld>
             <a:endParaRPr lang="en-US"/>
           </a:p>
@@ -2671,7 +4235,7 @@
           <a:p>
             <a:fld id="{737AB778-D5D4-47BE-B45B-978819EB065A}" type="datetimeFigureOut">
               <a:rPr lang="en-US" smtClean="0"/>
-              <a:t>8/29/2019</a:t>
+              <a:t>9/4/2019</a:t>
             </a:fld>
             <a:endParaRPr lang="en-US"/>
           </a:p>
@@ -2912,7 +4476,7 @@
           <a:p>
             <a:fld id="{737AB778-D5D4-47BE-B45B-978819EB065A}" type="datetimeFigureOut">
               <a:rPr lang="en-US" smtClean="0"/>
-              <a:t>8/29/2019</a:t>
+              <a:t>9/4/2019</a:t>
             </a:fld>
             <a:endParaRPr lang="en-US"/>
           </a:p>
@@ -3371,7 +4935,7 @@
         </p:nvSpPr>
         <p:spPr>
           <a:xfrm>
-            <a:off x="2396971" y="2768772"/>
+            <a:off x="2396971" y="2311572"/>
             <a:ext cx="7474998" cy="628015"/>
           </a:xfrm>
           <a:prstGeom prst="rect">
@@ -3439,7 +5003,7 @@
         </p:nvSpPr>
         <p:spPr>
           <a:xfrm>
-            <a:off x="1518080" y="3595467"/>
+            <a:off x="1518080" y="3195417"/>
             <a:ext cx="2263806" cy="369332"/>
           </a:xfrm>
           <a:prstGeom prst="rect">
@@ -3474,7 +5038,7 @@
         </p:nvSpPr>
         <p:spPr>
           <a:xfrm>
-            <a:off x="9102029" y="3666491"/>
+            <a:off x="9102029" y="3209291"/>
             <a:ext cx="1870771" cy="369332"/>
           </a:xfrm>
           <a:prstGeom prst="rect">
@@ -3509,7 +5073,7 @@
         </p:nvSpPr>
         <p:spPr>
           <a:xfrm>
-            <a:off x="5017362" y="3657613"/>
+            <a:off x="5017362" y="3200413"/>
             <a:ext cx="2626310" cy="369332"/>
           </a:xfrm>
           <a:prstGeom prst="rect">
@@ -3530,10 +5094,1865 @@
           </a:p>
         </p:txBody>
       </p:sp>
+      <p:cxnSp>
+        <p:nvCxnSpPr>
+          <p:cNvPr id="4" name="Straight Connector 3">
+            <a:extLst>
+              <a:ext uri="{FF2B5EF4-FFF2-40B4-BE49-F238E27FC236}">
+                <a16:creationId xmlns:a16="http://schemas.microsoft.com/office/drawing/2014/main" id="{D0D61FE5-BAC4-44EF-B2F4-2279283DF576}"/>
+              </a:ext>
+            </a:extLst>
+          </p:cNvPr>
+          <p:cNvCxnSpPr/>
+          <p:nvPr/>
+        </p:nvCxnSpPr>
+        <p:spPr>
+          <a:xfrm>
+            <a:off x="1085850" y="3971925"/>
+            <a:ext cx="9982200" cy="0"/>
+          </a:xfrm>
+          <a:prstGeom prst="line">
+            <a:avLst/>
+          </a:prstGeom>
+          <a:ln w="3175">
+            <a:solidFill>
+              <a:srgbClr val="DDDDDD"/>
+            </a:solidFill>
+          </a:ln>
+        </p:spPr>
+        <p:style>
+          <a:lnRef idx="1">
+            <a:schemeClr val="accent3"/>
+          </a:lnRef>
+          <a:fillRef idx="0">
+            <a:schemeClr val="accent3"/>
+          </a:fillRef>
+          <a:effectRef idx="0">
+            <a:schemeClr val="accent3"/>
+          </a:effectRef>
+          <a:fontRef idx="minor">
+            <a:schemeClr val="tx1"/>
+          </a:fontRef>
+        </p:style>
+      </p:cxnSp>
+      <p:pic>
+        <p:nvPicPr>
+          <p:cNvPr id="10" name="Picture 9">
+            <a:extLst>
+              <a:ext uri="{FF2B5EF4-FFF2-40B4-BE49-F238E27FC236}">
+                <a16:creationId xmlns:a16="http://schemas.microsoft.com/office/drawing/2014/main" id="{A257C28C-43BE-4A1C-8C4A-FCEB54FD8353}"/>
+              </a:ext>
+            </a:extLst>
+          </p:cNvPr>
+          <p:cNvPicPr>
+            <a:picLocks noChangeAspect="1"/>
+          </p:cNvPicPr>
+          <p:nvPr/>
+        </p:nvPicPr>
+        <p:blipFill>
+          <a:blip r:embed="rId3"/>
+          <a:stretch>
+            <a:fillRect/>
+          </a:stretch>
+        </p:blipFill>
+        <p:spPr>
+          <a:xfrm>
+            <a:off x="2396971" y="4539937"/>
+            <a:ext cx="1171926" cy="1165758"/>
+          </a:xfrm>
+          <a:prstGeom prst="rect">
+            <a:avLst/>
+          </a:prstGeom>
+        </p:spPr>
+      </p:pic>
+      <p:sp>
+        <p:nvSpPr>
+          <p:cNvPr id="11" name="TextBox 10">
+            <a:extLst>
+              <a:ext uri="{FF2B5EF4-FFF2-40B4-BE49-F238E27FC236}">
+                <a16:creationId xmlns:a16="http://schemas.microsoft.com/office/drawing/2014/main" id="{EFB42B2C-BB98-4AB3-9B85-45CB1E4E324E}"/>
+              </a:ext>
+            </a:extLst>
+          </p:cNvPr>
+          <p:cNvSpPr txBox="1"/>
+          <p:nvPr/>
+        </p:nvSpPr>
+        <p:spPr>
+          <a:xfrm>
+            <a:off x="5056202" y="4231878"/>
+            <a:ext cx="5078398" cy="2062103"/>
+          </a:xfrm>
+          <a:prstGeom prst="rect">
+            <a:avLst/>
+          </a:prstGeom>
+          <a:noFill/>
+        </p:spPr>
+        <p:txBody>
+          <a:bodyPr wrap="square" rtlCol="0">
+            <a:spAutoFit/>
+          </a:bodyPr>
+          <a:lstStyle/>
+          <a:p>
+            <a:r>
+              <a:rPr lang="en-US" sz="1600">
+                <a:latin typeface="Arial" panose="020B0604020202020204" pitchFamily="34" charset="0"/>
+                <a:cs typeface="Arial" panose="020B0604020202020204" pitchFamily="34" charset="0"/>
+              </a:rPr>
+              <a:t>Logo của tool đ</a:t>
+            </a:r>
+            <a:r>
+              <a:rPr lang="vi-VN" sz="1600">
+                <a:latin typeface="Arial" panose="020B0604020202020204" pitchFamily="34" charset="0"/>
+                <a:cs typeface="Arial" panose="020B0604020202020204" pitchFamily="34" charset="0"/>
+              </a:rPr>
+              <a:t>ư</a:t>
+            </a:r>
+            <a:r>
+              <a:rPr lang="en-US" sz="1600">
+                <a:latin typeface="Arial" panose="020B0604020202020204" pitchFamily="34" charset="0"/>
+                <a:cs typeface="Arial" panose="020B0604020202020204" pitchFamily="34" charset="0"/>
+              </a:rPr>
+              <a:t>ợc thiết kế với màu xanh d</a:t>
+            </a:r>
+            <a:r>
+              <a:rPr lang="vi-VN" sz="1600">
+                <a:latin typeface="Arial" panose="020B0604020202020204" pitchFamily="34" charset="0"/>
+                <a:cs typeface="Arial" panose="020B0604020202020204" pitchFamily="34" charset="0"/>
+              </a:rPr>
+              <a:t>ư</a:t>
+            </a:r>
+            <a:r>
+              <a:rPr lang="en-US" sz="1600">
+                <a:latin typeface="Arial" panose="020B0604020202020204" pitchFamily="34" charset="0"/>
+                <a:cs typeface="Arial" panose="020B0604020202020204" pitchFamily="34" charset="0"/>
+              </a:rPr>
+              <a:t>ơng nên trong bảng thiết kế này sẽ có nhiều component sử dụng màu xanh này.</a:t>
+            </a:r>
+          </a:p>
+          <a:p>
+            <a:endParaRPr lang="en-US" sz="1600">
+              <a:latin typeface="Arial" panose="020B0604020202020204" pitchFamily="34" charset="0"/>
+              <a:cs typeface="Arial" panose="020B0604020202020204" pitchFamily="34" charset="0"/>
+            </a:endParaRPr>
+          </a:p>
+          <a:p>
+            <a:r>
+              <a:rPr lang="en-US" sz="1600">
+                <a:latin typeface="Arial" panose="020B0604020202020204" pitchFamily="34" charset="0"/>
+                <a:cs typeface="Arial" panose="020B0604020202020204" pitchFamily="34" charset="0"/>
+              </a:rPr>
+              <a:t>Màu này đ</a:t>
+            </a:r>
+            <a:r>
+              <a:rPr lang="vi-VN" sz="1600">
+                <a:latin typeface="Arial" panose="020B0604020202020204" pitchFamily="34" charset="0"/>
+                <a:cs typeface="Arial" panose="020B0604020202020204" pitchFamily="34" charset="0"/>
+              </a:rPr>
+              <a:t>ư</a:t>
+            </a:r>
+            <a:r>
+              <a:rPr lang="en-US" sz="1600">
+                <a:latin typeface="Arial" panose="020B0604020202020204" pitchFamily="34" charset="0"/>
+                <a:cs typeface="Arial" panose="020B0604020202020204" pitchFamily="34" charset="0"/>
+              </a:rPr>
+              <a:t>ợc sử dụng chủ yếu để chỉ component đang đ</a:t>
+            </a:r>
+            <a:r>
+              <a:rPr lang="vi-VN" sz="1600">
+                <a:latin typeface="Arial" panose="020B0604020202020204" pitchFamily="34" charset="0"/>
+                <a:cs typeface="Arial" panose="020B0604020202020204" pitchFamily="34" charset="0"/>
+              </a:rPr>
+              <a:t>ư</a:t>
+            </a:r>
+            <a:r>
+              <a:rPr lang="en-US" sz="1600">
+                <a:latin typeface="Arial" panose="020B0604020202020204" pitchFamily="34" charset="0"/>
+                <a:cs typeface="Arial" panose="020B0604020202020204" pitchFamily="34" charset="0"/>
+              </a:rPr>
+              <a:t>ợc active, hoặc đang đ</a:t>
+            </a:r>
+            <a:r>
+              <a:rPr lang="vi-VN" sz="1600">
+                <a:latin typeface="Arial" panose="020B0604020202020204" pitchFamily="34" charset="0"/>
+                <a:cs typeface="Arial" panose="020B0604020202020204" pitchFamily="34" charset="0"/>
+              </a:rPr>
+              <a:t>ư</a:t>
+            </a:r>
+            <a:r>
+              <a:rPr lang="en-US" sz="1600">
+                <a:latin typeface="Arial" panose="020B0604020202020204" pitchFamily="34" charset="0"/>
+                <a:cs typeface="Arial" panose="020B0604020202020204" pitchFamily="34" charset="0"/>
+              </a:rPr>
+              <a:t>ợc chọn. Hoặc các nút không phải là tạo mới.</a:t>
+            </a:r>
+          </a:p>
+          <a:p>
+            <a:endParaRPr lang="en-US" sz="1600">
+              <a:latin typeface="Arial" panose="020B0604020202020204" pitchFamily="34" charset="0"/>
+              <a:cs typeface="Arial" panose="020B0604020202020204" pitchFamily="34" charset="0"/>
+            </a:endParaRPr>
+          </a:p>
+        </p:txBody>
+      </p:sp>
+      <p:cxnSp>
+        <p:nvCxnSpPr>
+          <p:cNvPr id="13" name="Straight Connector 12">
+            <a:extLst>
+              <a:ext uri="{FF2B5EF4-FFF2-40B4-BE49-F238E27FC236}">
+                <a16:creationId xmlns:a16="http://schemas.microsoft.com/office/drawing/2014/main" id="{5EC3F4B7-24C3-43E6-B59F-18A7374C228C}"/>
+              </a:ext>
+            </a:extLst>
+          </p:cNvPr>
+          <p:cNvCxnSpPr/>
+          <p:nvPr/>
+        </p:nvCxnSpPr>
+        <p:spPr>
+          <a:xfrm>
+            <a:off x="2396971" y="3009900"/>
+            <a:ext cx="0" cy="190513"/>
+          </a:xfrm>
+          <a:prstGeom prst="line">
+            <a:avLst/>
+          </a:prstGeom>
+          <a:ln>
+            <a:solidFill>
+              <a:schemeClr val="bg2"/>
+            </a:solidFill>
+          </a:ln>
+        </p:spPr>
+        <p:style>
+          <a:lnRef idx="1">
+            <a:schemeClr val="accent1"/>
+          </a:lnRef>
+          <a:fillRef idx="0">
+            <a:schemeClr val="accent1"/>
+          </a:fillRef>
+          <a:effectRef idx="0">
+            <a:schemeClr val="accent1"/>
+          </a:effectRef>
+          <a:fontRef idx="minor">
+            <a:schemeClr val="tx1"/>
+          </a:fontRef>
+        </p:style>
+      </p:cxnSp>
+      <p:cxnSp>
+        <p:nvCxnSpPr>
+          <p:cNvPr id="14" name="Straight Connector 13">
+            <a:extLst>
+              <a:ext uri="{FF2B5EF4-FFF2-40B4-BE49-F238E27FC236}">
+                <a16:creationId xmlns:a16="http://schemas.microsoft.com/office/drawing/2014/main" id="{E827422F-DE85-4862-B43C-3230AE0E9BB4}"/>
+              </a:ext>
+            </a:extLst>
+          </p:cNvPr>
+          <p:cNvCxnSpPr/>
+          <p:nvPr/>
+        </p:nvCxnSpPr>
+        <p:spPr>
+          <a:xfrm>
+            <a:off x="6254596" y="2990850"/>
+            <a:ext cx="0" cy="190513"/>
+          </a:xfrm>
+          <a:prstGeom prst="line">
+            <a:avLst/>
+          </a:prstGeom>
+          <a:ln>
+            <a:solidFill>
+              <a:schemeClr val="bg2"/>
+            </a:solidFill>
+          </a:ln>
+        </p:spPr>
+        <p:style>
+          <a:lnRef idx="1">
+            <a:schemeClr val="accent1"/>
+          </a:lnRef>
+          <a:fillRef idx="0">
+            <a:schemeClr val="accent1"/>
+          </a:fillRef>
+          <a:effectRef idx="0">
+            <a:schemeClr val="accent1"/>
+          </a:effectRef>
+          <a:fontRef idx="minor">
+            <a:schemeClr val="tx1"/>
+          </a:fontRef>
+        </p:style>
+      </p:cxnSp>
+      <p:cxnSp>
+        <p:nvCxnSpPr>
+          <p:cNvPr id="15" name="Straight Connector 14">
+            <a:extLst>
+              <a:ext uri="{FF2B5EF4-FFF2-40B4-BE49-F238E27FC236}">
+                <a16:creationId xmlns:a16="http://schemas.microsoft.com/office/drawing/2014/main" id="{3FB69608-4AAC-4715-9C1E-F4C6B45C44C1}"/>
+              </a:ext>
+            </a:extLst>
+          </p:cNvPr>
+          <p:cNvCxnSpPr/>
+          <p:nvPr/>
+        </p:nvCxnSpPr>
+        <p:spPr>
+          <a:xfrm>
+            <a:off x="9845521" y="3019425"/>
+            <a:ext cx="0" cy="190513"/>
+          </a:xfrm>
+          <a:prstGeom prst="line">
+            <a:avLst/>
+          </a:prstGeom>
+          <a:ln>
+            <a:solidFill>
+              <a:schemeClr val="bg2"/>
+            </a:solidFill>
+          </a:ln>
+        </p:spPr>
+        <p:style>
+          <a:lnRef idx="1">
+            <a:schemeClr val="accent1"/>
+          </a:lnRef>
+          <a:fillRef idx="0">
+            <a:schemeClr val="accent1"/>
+          </a:fillRef>
+          <a:effectRef idx="0">
+            <a:schemeClr val="accent1"/>
+          </a:effectRef>
+          <a:fontRef idx="minor">
+            <a:schemeClr val="tx1"/>
+          </a:fontRef>
+        </p:style>
+      </p:cxnSp>
     </p:spTree>
     <p:extLst>
       <p:ext uri="{BB962C8B-B14F-4D97-AF65-F5344CB8AC3E}">
         <p14:creationId xmlns:p14="http://schemas.microsoft.com/office/powerpoint/2010/main" val="2103191014"/>
+      </p:ext>
+    </p:extLst>
+  </p:cSld>
+  <p:clrMapOvr>
+    <a:masterClrMapping/>
+  </p:clrMapOvr>
+</p:sld>
+</file>
+
+<file path=ppt/slides/slide10.xml><?xml version="1.0" encoding="utf-8"?>
+<p:sld xmlns:a="http://schemas.openxmlformats.org/drawingml/2006/main" xmlns:r="http://schemas.openxmlformats.org/officeDocument/2006/relationships" xmlns:p="http://schemas.openxmlformats.org/presentationml/2006/main">
+  <p:cSld>
+    <p:spTree>
+      <p:nvGrpSpPr>
+        <p:cNvPr id="1" name=""/>
+        <p:cNvGrpSpPr/>
+        <p:nvPr/>
+      </p:nvGrpSpPr>
+      <p:grpSpPr>
+        <a:xfrm>
+          <a:off x="0" y="0"/>
+          <a:ext cx="0" cy="0"/>
+          <a:chOff x="0" y="0"/>
+          <a:chExt cx="0" cy="0"/>
+        </a:xfrm>
+      </p:grpSpPr>
+      <p:sp>
+        <p:nvSpPr>
+          <p:cNvPr id="2" name="Title 1">
+            <a:extLst>
+              <a:ext uri="{FF2B5EF4-FFF2-40B4-BE49-F238E27FC236}">
+                <a16:creationId xmlns:a16="http://schemas.microsoft.com/office/drawing/2014/main" id="{722C6050-3A90-47C5-8AC1-C93269CF09A7}"/>
+              </a:ext>
+            </a:extLst>
+          </p:cNvPr>
+          <p:cNvSpPr>
+            <a:spLocks noGrp="1"/>
+          </p:cNvSpPr>
+          <p:nvPr>
+            <p:ph type="title"/>
+          </p:nvPr>
+        </p:nvSpPr>
+        <p:spPr/>
+        <p:txBody>
+          <a:bodyPr/>
+          <a:lstStyle/>
+          <a:p>
+            <a:r>
+              <a:rPr lang="en-US"/>
+              <a:t>Chart</a:t>
+            </a:r>
+          </a:p>
+        </p:txBody>
+      </p:sp>
+      <p:sp>
+        <p:nvSpPr>
+          <p:cNvPr id="3" name="Content Placeholder 2">
+            <a:extLst>
+              <a:ext uri="{FF2B5EF4-FFF2-40B4-BE49-F238E27FC236}">
+                <a16:creationId xmlns:a16="http://schemas.microsoft.com/office/drawing/2014/main" id="{27226B68-BF14-4006-A619-241B621EB8F3}"/>
+              </a:ext>
+            </a:extLst>
+          </p:cNvPr>
+          <p:cNvSpPr>
+            <a:spLocks noGrp="1"/>
+          </p:cNvSpPr>
+          <p:nvPr>
+            <p:ph idx="1"/>
+          </p:nvPr>
+        </p:nvSpPr>
+        <p:spPr/>
+        <p:txBody>
+          <a:bodyPr/>
+          <a:lstStyle/>
+          <a:p>
+            <a:r>
+              <a:rPr lang="en-US"/>
+              <a:t>Pie chart </a:t>
+            </a:r>
+          </a:p>
+        </p:txBody>
+      </p:sp>
+      <p:pic>
+        <p:nvPicPr>
+          <p:cNvPr id="4" name="Picture 3">
+            <a:extLst>
+              <a:ext uri="{FF2B5EF4-FFF2-40B4-BE49-F238E27FC236}">
+                <a16:creationId xmlns:a16="http://schemas.microsoft.com/office/drawing/2014/main" id="{BFA1AD4E-50B5-45FA-B49D-FF6FC571E92A}"/>
+              </a:ext>
+            </a:extLst>
+          </p:cNvPr>
+          <p:cNvPicPr>
+            <a:picLocks noChangeAspect="1"/>
+          </p:cNvPicPr>
+          <p:nvPr/>
+        </p:nvPicPr>
+        <p:blipFill>
+          <a:blip r:embed="rId3"/>
+          <a:stretch>
+            <a:fillRect/>
+          </a:stretch>
+        </p:blipFill>
+        <p:spPr>
+          <a:xfrm>
+            <a:off x="4762500" y="2734469"/>
+            <a:ext cx="2495550" cy="2533650"/>
+          </a:xfrm>
+          <a:prstGeom prst="rect">
+            <a:avLst/>
+          </a:prstGeom>
+        </p:spPr>
+      </p:pic>
+      <p:pic>
+        <p:nvPicPr>
+          <p:cNvPr id="5" name="Picture 4">
+            <a:extLst>
+              <a:ext uri="{FF2B5EF4-FFF2-40B4-BE49-F238E27FC236}">
+                <a16:creationId xmlns:a16="http://schemas.microsoft.com/office/drawing/2014/main" id="{E52D8BB7-F2E4-48DE-A879-4413AEB77721}"/>
+              </a:ext>
+            </a:extLst>
+          </p:cNvPr>
+          <p:cNvPicPr>
+            <a:picLocks noChangeAspect="1"/>
+          </p:cNvPicPr>
+          <p:nvPr/>
+        </p:nvPicPr>
+        <p:blipFill>
+          <a:blip r:embed="rId4"/>
+          <a:stretch>
+            <a:fillRect/>
+          </a:stretch>
+        </p:blipFill>
+        <p:spPr>
+          <a:xfrm>
+            <a:off x="3781425" y="3286919"/>
+            <a:ext cx="800100" cy="1600200"/>
+          </a:xfrm>
+          <a:prstGeom prst="rect">
+            <a:avLst/>
+          </a:prstGeom>
+        </p:spPr>
+      </p:pic>
+    </p:spTree>
+    <p:extLst>
+      <p:ext uri="{BB962C8B-B14F-4D97-AF65-F5344CB8AC3E}">
+        <p14:creationId xmlns:p14="http://schemas.microsoft.com/office/powerpoint/2010/main" val="228434897"/>
+      </p:ext>
+    </p:extLst>
+  </p:cSld>
+  <p:clrMapOvr>
+    <a:masterClrMapping/>
+  </p:clrMapOvr>
+</p:sld>
+</file>
+
+<file path=ppt/slides/slide11.xml><?xml version="1.0" encoding="utf-8"?>
+<p:sld xmlns:a="http://schemas.openxmlformats.org/drawingml/2006/main" xmlns:r="http://schemas.openxmlformats.org/officeDocument/2006/relationships" xmlns:p="http://schemas.openxmlformats.org/presentationml/2006/main">
+  <p:cSld>
+    <p:spTree>
+      <p:nvGrpSpPr>
+        <p:cNvPr id="1" name=""/>
+        <p:cNvGrpSpPr/>
+        <p:nvPr/>
+      </p:nvGrpSpPr>
+      <p:grpSpPr>
+        <a:xfrm>
+          <a:off x="0" y="0"/>
+          <a:ext cx="0" cy="0"/>
+          <a:chOff x="0" y="0"/>
+          <a:chExt cx="0" cy="0"/>
+        </a:xfrm>
+      </p:grpSpPr>
+      <p:sp>
+        <p:nvSpPr>
+          <p:cNvPr id="2" name="Title 1">
+            <a:extLst>
+              <a:ext uri="{FF2B5EF4-FFF2-40B4-BE49-F238E27FC236}">
+                <a16:creationId xmlns:a16="http://schemas.microsoft.com/office/drawing/2014/main" id="{8E63FEB8-D582-4D96-904F-C36C9AA10AB5}"/>
+              </a:ext>
+            </a:extLst>
+          </p:cNvPr>
+          <p:cNvSpPr>
+            <a:spLocks noGrp="1"/>
+          </p:cNvSpPr>
+          <p:nvPr>
+            <p:ph type="title"/>
+          </p:nvPr>
+        </p:nvSpPr>
+        <p:spPr/>
+        <p:txBody>
+          <a:bodyPr/>
+          <a:lstStyle/>
+          <a:p>
+            <a:r>
+              <a:rPr lang="en-US"/>
+              <a:t>Chart</a:t>
+            </a:r>
+          </a:p>
+        </p:txBody>
+      </p:sp>
+      <p:sp>
+        <p:nvSpPr>
+          <p:cNvPr id="4" name="TextBox 3">
+            <a:extLst>
+              <a:ext uri="{FF2B5EF4-FFF2-40B4-BE49-F238E27FC236}">
+                <a16:creationId xmlns:a16="http://schemas.microsoft.com/office/drawing/2014/main" id="{BCACB6E7-A92C-4CE7-A5D9-361841CE09D4}"/>
+              </a:ext>
+            </a:extLst>
+          </p:cNvPr>
+          <p:cNvSpPr txBox="1"/>
+          <p:nvPr/>
+        </p:nvSpPr>
+        <p:spPr>
+          <a:xfrm>
+            <a:off x="857249" y="1476375"/>
+            <a:ext cx="7419975" cy="369332"/>
+          </a:xfrm>
+          <a:prstGeom prst="rect">
+            <a:avLst/>
+          </a:prstGeom>
+          <a:noFill/>
+        </p:spPr>
+        <p:txBody>
+          <a:bodyPr wrap="square" rtlCol="0">
+            <a:spAutoFit/>
+          </a:bodyPr>
+          <a:lstStyle/>
+          <a:p>
+            <a:pPr marL="285750" indent="-285750">
+              <a:buFont typeface="Wingdings" panose="05000000000000000000" pitchFamily="2" charset="2"/>
+              <a:buChar char="v"/>
+            </a:pPr>
+            <a:r>
+              <a:rPr lang="en-US"/>
+              <a:t>Chart Bundle cho tab competitors</a:t>
+            </a:r>
+          </a:p>
+        </p:txBody>
+      </p:sp>
+      <p:pic>
+        <p:nvPicPr>
+          <p:cNvPr id="5" name="Picture 4">
+            <a:extLst>
+              <a:ext uri="{FF2B5EF4-FFF2-40B4-BE49-F238E27FC236}">
+                <a16:creationId xmlns:a16="http://schemas.microsoft.com/office/drawing/2014/main" id="{15D81A03-BB27-4FBD-9D04-3BA66849D679}"/>
+              </a:ext>
+            </a:extLst>
+          </p:cNvPr>
+          <p:cNvPicPr>
+            <a:picLocks noChangeAspect="1"/>
+          </p:cNvPicPr>
+          <p:nvPr/>
+        </p:nvPicPr>
+        <p:blipFill>
+          <a:blip r:embed="rId3"/>
+          <a:stretch>
+            <a:fillRect/>
+          </a:stretch>
+        </p:blipFill>
+        <p:spPr>
+          <a:xfrm>
+            <a:off x="995362" y="2185987"/>
+            <a:ext cx="10620375" cy="3438525"/>
+          </a:xfrm>
+          <a:prstGeom prst="rect">
+            <a:avLst/>
+          </a:prstGeom>
+        </p:spPr>
+      </p:pic>
+    </p:spTree>
+    <p:extLst>
+      <p:ext uri="{BB962C8B-B14F-4D97-AF65-F5344CB8AC3E}">
+        <p14:creationId xmlns:p14="http://schemas.microsoft.com/office/powerpoint/2010/main" val="1612958219"/>
+      </p:ext>
+    </p:extLst>
+  </p:cSld>
+  <p:clrMapOvr>
+    <a:masterClrMapping/>
+  </p:clrMapOvr>
+</p:sld>
+</file>
+
+<file path=ppt/slides/slide12.xml><?xml version="1.0" encoding="utf-8"?>
+<p:sld xmlns:a="http://schemas.openxmlformats.org/drawingml/2006/main" xmlns:r="http://schemas.openxmlformats.org/officeDocument/2006/relationships" xmlns:p="http://schemas.openxmlformats.org/presentationml/2006/main">
+  <p:cSld>
+    <p:spTree>
+      <p:nvGrpSpPr>
+        <p:cNvPr id="1" name=""/>
+        <p:cNvGrpSpPr/>
+        <p:nvPr/>
+      </p:nvGrpSpPr>
+      <p:grpSpPr>
+        <a:xfrm>
+          <a:off x="0" y="0"/>
+          <a:ext cx="0" cy="0"/>
+          <a:chOff x="0" y="0"/>
+          <a:chExt cx="0" cy="0"/>
+        </a:xfrm>
+      </p:grpSpPr>
+      <p:sp>
+        <p:nvSpPr>
+          <p:cNvPr id="2" name="Title 1">
+            <a:extLst>
+              <a:ext uri="{FF2B5EF4-FFF2-40B4-BE49-F238E27FC236}">
+                <a16:creationId xmlns:a16="http://schemas.microsoft.com/office/drawing/2014/main" id="{EDA671A4-12C4-4E07-86D3-01849EEF08BA}"/>
+              </a:ext>
+            </a:extLst>
+          </p:cNvPr>
+          <p:cNvSpPr>
+            <a:spLocks noGrp="1"/>
+          </p:cNvSpPr>
+          <p:nvPr>
+            <p:ph type="title"/>
+          </p:nvPr>
+        </p:nvSpPr>
+        <p:spPr>
+          <a:xfrm>
+            <a:off x="609600" y="-139700"/>
+            <a:ext cx="10515600" cy="1325563"/>
+          </a:xfrm>
+        </p:spPr>
+        <p:txBody>
+          <a:bodyPr/>
+          <a:lstStyle/>
+          <a:p>
+            <a:r>
+              <a:rPr lang="en-US"/>
+              <a:t>Chart</a:t>
+            </a:r>
+          </a:p>
+        </p:txBody>
+      </p:sp>
+      <p:sp>
+        <p:nvSpPr>
+          <p:cNvPr id="4" name="Rectangle 3">
+            <a:extLst>
+              <a:ext uri="{FF2B5EF4-FFF2-40B4-BE49-F238E27FC236}">
+                <a16:creationId xmlns:a16="http://schemas.microsoft.com/office/drawing/2014/main" id="{09720DD8-AB14-478D-91DC-5C0007883B33}"/>
+              </a:ext>
+            </a:extLst>
+          </p:cNvPr>
+          <p:cNvSpPr/>
+          <p:nvPr/>
+        </p:nvSpPr>
+        <p:spPr>
+          <a:xfrm>
+            <a:off x="609600" y="772597"/>
+            <a:ext cx="5090368" cy="369332"/>
+          </a:xfrm>
+          <a:prstGeom prst="rect">
+            <a:avLst/>
+          </a:prstGeom>
+        </p:spPr>
+        <p:txBody>
+          <a:bodyPr wrap="none">
+            <a:spAutoFit/>
+          </a:bodyPr>
+          <a:lstStyle/>
+          <a:p>
+            <a:pPr marL="285750" indent="-285750">
+              <a:buFont typeface="Wingdings" panose="05000000000000000000" pitchFamily="2" charset="2"/>
+              <a:buChar char="v"/>
+            </a:pPr>
+            <a:r>
+              <a:rPr lang="en-US"/>
+              <a:t>Chart Bundle cho chức năng suggestion Intention</a:t>
+            </a:r>
+          </a:p>
+        </p:txBody>
+      </p:sp>
+      <p:pic>
+        <p:nvPicPr>
+          <p:cNvPr id="6" name="Picture 5">
+            <a:extLst>
+              <a:ext uri="{FF2B5EF4-FFF2-40B4-BE49-F238E27FC236}">
+                <a16:creationId xmlns:a16="http://schemas.microsoft.com/office/drawing/2014/main" id="{2F234522-E6F3-440C-A40E-9942DCEA94CA}"/>
+              </a:ext>
+            </a:extLst>
+          </p:cNvPr>
+          <p:cNvPicPr>
+            <a:picLocks noChangeAspect="1"/>
+          </p:cNvPicPr>
+          <p:nvPr/>
+        </p:nvPicPr>
+        <p:blipFill>
+          <a:blip r:embed="rId3"/>
+          <a:stretch>
+            <a:fillRect/>
+          </a:stretch>
+        </p:blipFill>
+        <p:spPr>
+          <a:xfrm>
+            <a:off x="647700" y="1141929"/>
+            <a:ext cx="10896600" cy="5514975"/>
+          </a:xfrm>
+          <a:prstGeom prst="rect">
+            <a:avLst/>
+          </a:prstGeom>
+        </p:spPr>
+      </p:pic>
+    </p:spTree>
+    <p:extLst>
+      <p:ext uri="{BB962C8B-B14F-4D97-AF65-F5344CB8AC3E}">
+        <p14:creationId xmlns:p14="http://schemas.microsoft.com/office/powerpoint/2010/main" val="1811115082"/>
+      </p:ext>
+    </p:extLst>
+  </p:cSld>
+  <p:clrMapOvr>
+    <a:masterClrMapping/>
+  </p:clrMapOvr>
+</p:sld>
+</file>
+
+<file path=ppt/slides/slide13.xml><?xml version="1.0" encoding="utf-8"?>
+<p:sld xmlns:a="http://schemas.openxmlformats.org/drawingml/2006/main" xmlns:r="http://schemas.openxmlformats.org/officeDocument/2006/relationships" xmlns:p="http://schemas.openxmlformats.org/presentationml/2006/main">
+  <p:cSld>
+    <p:spTree>
+      <p:nvGrpSpPr>
+        <p:cNvPr id="1" name=""/>
+        <p:cNvGrpSpPr/>
+        <p:nvPr/>
+      </p:nvGrpSpPr>
+      <p:grpSpPr>
+        <a:xfrm>
+          <a:off x="0" y="0"/>
+          <a:ext cx="0" cy="0"/>
+          <a:chOff x="0" y="0"/>
+          <a:chExt cx="0" cy="0"/>
+        </a:xfrm>
+      </p:grpSpPr>
+      <p:sp>
+        <p:nvSpPr>
+          <p:cNvPr id="2" name="Title 1">
+            <a:extLst>
+              <a:ext uri="{FF2B5EF4-FFF2-40B4-BE49-F238E27FC236}">
+                <a16:creationId xmlns:a16="http://schemas.microsoft.com/office/drawing/2014/main" id="{4FA2597B-B060-4EC9-9783-257AC64028D2}"/>
+              </a:ext>
+            </a:extLst>
+          </p:cNvPr>
+          <p:cNvSpPr>
+            <a:spLocks noGrp="1"/>
+          </p:cNvSpPr>
+          <p:nvPr>
+            <p:ph type="title"/>
+          </p:nvPr>
+        </p:nvSpPr>
+        <p:spPr/>
+        <p:txBody>
+          <a:bodyPr/>
+          <a:lstStyle/>
+          <a:p>
+            <a:r>
+              <a:rPr lang="en-US"/>
+              <a:t>Chart</a:t>
+            </a:r>
+          </a:p>
+        </p:txBody>
+      </p:sp>
+      <p:sp>
+        <p:nvSpPr>
+          <p:cNvPr id="6" name="TextBox 5">
+            <a:extLst>
+              <a:ext uri="{FF2B5EF4-FFF2-40B4-BE49-F238E27FC236}">
+                <a16:creationId xmlns:a16="http://schemas.microsoft.com/office/drawing/2014/main" id="{FC1F8D55-EB54-4833-977C-86819F1EDEC2}"/>
+              </a:ext>
+            </a:extLst>
+          </p:cNvPr>
+          <p:cNvSpPr txBox="1"/>
+          <p:nvPr/>
+        </p:nvSpPr>
+        <p:spPr>
+          <a:xfrm>
+            <a:off x="838200" y="1667119"/>
+            <a:ext cx="1046569" cy="369332"/>
+          </a:xfrm>
+          <a:prstGeom prst="rect">
+            <a:avLst/>
+          </a:prstGeom>
+          <a:noFill/>
+        </p:spPr>
+        <p:txBody>
+          <a:bodyPr wrap="none" rtlCol="0">
+            <a:spAutoFit/>
+          </a:bodyPr>
+          <a:lstStyle/>
+          <a:p>
+            <a:r>
+              <a:rPr lang="en-US"/>
+              <a:t>Heatmap</a:t>
+            </a:r>
+          </a:p>
+        </p:txBody>
+      </p:sp>
+      <p:pic>
+        <p:nvPicPr>
+          <p:cNvPr id="7" name="Picture 6">
+            <a:extLst>
+              <a:ext uri="{FF2B5EF4-FFF2-40B4-BE49-F238E27FC236}">
+                <a16:creationId xmlns:a16="http://schemas.microsoft.com/office/drawing/2014/main" id="{2AC1422C-99D3-48F4-B8DD-8291CD628BBA}"/>
+              </a:ext>
+            </a:extLst>
+          </p:cNvPr>
+          <p:cNvPicPr>
+            <a:picLocks noChangeAspect="1"/>
+          </p:cNvPicPr>
+          <p:nvPr/>
+        </p:nvPicPr>
+        <p:blipFill>
+          <a:blip r:embed="rId2"/>
+          <a:stretch>
+            <a:fillRect/>
+          </a:stretch>
+        </p:blipFill>
+        <p:spPr>
+          <a:xfrm>
+            <a:off x="0" y="2382215"/>
+            <a:ext cx="12192000" cy="4475785"/>
+          </a:xfrm>
+          <a:prstGeom prst="rect">
+            <a:avLst/>
+          </a:prstGeom>
+        </p:spPr>
+      </p:pic>
+    </p:spTree>
+    <p:extLst>
+      <p:ext uri="{BB962C8B-B14F-4D97-AF65-F5344CB8AC3E}">
+        <p14:creationId xmlns:p14="http://schemas.microsoft.com/office/powerpoint/2010/main" val="907246571"/>
+      </p:ext>
+    </p:extLst>
+  </p:cSld>
+  <p:clrMapOvr>
+    <a:masterClrMapping/>
+  </p:clrMapOvr>
+</p:sld>
+</file>
+
+<file path=ppt/slides/slide14.xml><?xml version="1.0" encoding="utf-8"?>
+<p:sld xmlns:a="http://schemas.openxmlformats.org/drawingml/2006/main" xmlns:r="http://schemas.openxmlformats.org/officeDocument/2006/relationships" xmlns:p="http://schemas.openxmlformats.org/presentationml/2006/main">
+  <p:cSld>
+    <p:spTree>
+      <p:nvGrpSpPr>
+        <p:cNvPr id="1" name=""/>
+        <p:cNvGrpSpPr/>
+        <p:nvPr/>
+      </p:nvGrpSpPr>
+      <p:grpSpPr>
+        <a:xfrm>
+          <a:off x="0" y="0"/>
+          <a:ext cx="0" cy="0"/>
+          <a:chOff x="0" y="0"/>
+          <a:chExt cx="0" cy="0"/>
+        </a:xfrm>
+      </p:grpSpPr>
+      <p:sp>
+        <p:nvSpPr>
+          <p:cNvPr id="2" name="Title 1">
+            <a:extLst>
+              <a:ext uri="{FF2B5EF4-FFF2-40B4-BE49-F238E27FC236}">
+                <a16:creationId xmlns:a16="http://schemas.microsoft.com/office/drawing/2014/main" id="{35B2D637-2585-4BA8-AE9D-DE8D69198B39}"/>
+              </a:ext>
+            </a:extLst>
+          </p:cNvPr>
+          <p:cNvSpPr>
+            <a:spLocks noGrp="1"/>
+          </p:cNvSpPr>
+          <p:nvPr>
+            <p:ph type="title"/>
+          </p:nvPr>
+        </p:nvSpPr>
+        <p:spPr/>
+        <p:txBody>
+          <a:bodyPr/>
+          <a:lstStyle/>
+          <a:p>
+            <a:r>
+              <a:rPr lang="en-US"/>
+              <a:t>Chart </a:t>
+            </a:r>
+          </a:p>
+        </p:txBody>
+      </p:sp>
+    </p:spTree>
+    <p:extLst>
+      <p:ext uri="{BB962C8B-B14F-4D97-AF65-F5344CB8AC3E}">
+        <p14:creationId xmlns:p14="http://schemas.microsoft.com/office/powerpoint/2010/main" val="2075916350"/>
+      </p:ext>
+    </p:extLst>
+  </p:cSld>
+  <p:clrMapOvr>
+    <a:masterClrMapping/>
+  </p:clrMapOvr>
+</p:sld>
+</file>
+
+<file path=ppt/slides/slide15.xml><?xml version="1.0" encoding="utf-8"?>
+<p:sld xmlns:a="http://schemas.openxmlformats.org/drawingml/2006/main" xmlns:r="http://schemas.openxmlformats.org/officeDocument/2006/relationships" xmlns:p="http://schemas.openxmlformats.org/presentationml/2006/main">
+  <p:cSld>
+    <p:spTree>
+      <p:nvGrpSpPr>
+        <p:cNvPr id="1" name=""/>
+        <p:cNvGrpSpPr/>
+        <p:nvPr/>
+      </p:nvGrpSpPr>
+      <p:grpSpPr>
+        <a:xfrm>
+          <a:off x="0" y="0"/>
+          <a:ext cx="0" cy="0"/>
+          <a:chOff x="0" y="0"/>
+          <a:chExt cx="0" cy="0"/>
+        </a:xfrm>
+      </p:grpSpPr>
+      <p:sp>
+        <p:nvSpPr>
+          <p:cNvPr id="2" name="Title 1">
+            <a:extLst>
+              <a:ext uri="{FF2B5EF4-FFF2-40B4-BE49-F238E27FC236}">
+                <a16:creationId xmlns:a16="http://schemas.microsoft.com/office/drawing/2014/main" id="{5F8D00E0-1ACF-4EF6-88F5-DE2C149AEF79}"/>
+              </a:ext>
+            </a:extLst>
+          </p:cNvPr>
+          <p:cNvSpPr>
+            <a:spLocks noGrp="1"/>
+          </p:cNvSpPr>
+          <p:nvPr>
+            <p:ph type="title"/>
+          </p:nvPr>
+        </p:nvSpPr>
+        <p:spPr/>
+        <p:txBody>
+          <a:bodyPr/>
+          <a:lstStyle/>
+          <a:p>
+            <a:endParaRPr lang="en-US"/>
+          </a:p>
+        </p:txBody>
+      </p:sp>
+      <p:sp>
+        <p:nvSpPr>
+          <p:cNvPr id="3" name="Content Placeholder 2">
+            <a:extLst>
+              <a:ext uri="{FF2B5EF4-FFF2-40B4-BE49-F238E27FC236}">
+                <a16:creationId xmlns:a16="http://schemas.microsoft.com/office/drawing/2014/main" id="{B85C1028-A346-41B8-8C57-FD533BDA1FCE}"/>
+              </a:ext>
+            </a:extLst>
+          </p:cNvPr>
+          <p:cNvSpPr>
+            <a:spLocks noGrp="1"/>
+          </p:cNvSpPr>
+          <p:nvPr>
+            <p:ph idx="1"/>
+          </p:nvPr>
+        </p:nvSpPr>
+        <p:spPr/>
+        <p:txBody>
+          <a:bodyPr/>
+          <a:lstStyle/>
+          <a:p>
+            <a:endParaRPr lang="en-US"/>
+          </a:p>
+        </p:txBody>
+      </p:sp>
+    </p:spTree>
+    <p:extLst>
+      <p:ext uri="{BB962C8B-B14F-4D97-AF65-F5344CB8AC3E}">
+        <p14:creationId xmlns:p14="http://schemas.microsoft.com/office/powerpoint/2010/main" val="3339716528"/>
+      </p:ext>
+    </p:extLst>
+  </p:cSld>
+  <p:clrMapOvr>
+    <a:masterClrMapping/>
+  </p:clrMapOvr>
+</p:sld>
+</file>
+
+<file path=ppt/slides/slide16.xml><?xml version="1.0" encoding="utf-8"?>
+<p:sld xmlns:a="http://schemas.openxmlformats.org/drawingml/2006/main" xmlns:r="http://schemas.openxmlformats.org/officeDocument/2006/relationships" xmlns:p="http://schemas.openxmlformats.org/presentationml/2006/main">
+  <p:cSld>
+    <p:spTree>
+      <p:nvGrpSpPr>
+        <p:cNvPr id="1" name=""/>
+        <p:cNvGrpSpPr/>
+        <p:nvPr/>
+      </p:nvGrpSpPr>
+      <p:grpSpPr>
+        <a:xfrm>
+          <a:off x="0" y="0"/>
+          <a:ext cx="0" cy="0"/>
+          <a:chOff x="0" y="0"/>
+          <a:chExt cx="0" cy="0"/>
+        </a:xfrm>
+      </p:grpSpPr>
+      <p:sp>
+        <p:nvSpPr>
+          <p:cNvPr id="2" name="Title 1">
+            <a:extLst>
+              <a:ext uri="{FF2B5EF4-FFF2-40B4-BE49-F238E27FC236}">
+                <a16:creationId xmlns:a16="http://schemas.microsoft.com/office/drawing/2014/main" id="{9AE50884-F062-4DA4-BFDE-F9146636A615}"/>
+              </a:ext>
+            </a:extLst>
+          </p:cNvPr>
+          <p:cNvSpPr>
+            <a:spLocks noGrp="1"/>
+          </p:cNvSpPr>
+          <p:nvPr>
+            <p:ph type="title"/>
+          </p:nvPr>
+        </p:nvSpPr>
+        <p:spPr/>
+        <p:txBody>
+          <a:bodyPr/>
+          <a:lstStyle/>
+          <a:p>
+            <a:r>
+              <a:rPr lang="en-US"/>
+              <a:t>Message</a:t>
+            </a:r>
+          </a:p>
+        </p:txBody>
+      </p:sp>
+      <p:sp>
+        <p:nvSpPr>
+          <p:cNvPr id="3" name="Content Placeholder 2">
+            <a:extLst>
+              <a:ext uri="{FF2B5EF4-FFF2-40B4-BE49-F238E27FC236}">
+                <a16:creationId xmlns:a16="http://schemas.microsoft.com/office/drawing/2014/main" id="{CBB3764B-0DF0-4545-86EA-6D750F02C3CA}"/>
+              </a:ext>
+            </a:extLst>
+          </p:cNvPr>
+          <p:cNvSpPr>
+            <a:spLocks noGrp="1"/>
+          </p:cNvSpPr>
+          <p:nvPr>
+            <p:ph idx="1"/>
+          </p:nvPr>
+        </p:nvSpPr>
+        <p:spPr/>
+        <p:txBody>
+          <a:bodyPr>
+            <a:normAutofit/>
+          </a:bodyPr>
+          <a:lstStyle/>
+          <a:p>
+            <a:pPr marL="0" indent="0">
+              <a:buNone/>
+            </a:pPr>
+            <a:r>
+              <a:rPr lang="en-US" sz="2000"/>
+              <a:t>Success message</a:t>
+            </a:r>
+          </a:p>
+          <a:p>
+            <a:pPr marL="0" indent="0">
+              <a:buNone/>
+            </a:pPr>
+            <a:endParaRPr lang="en-US" sz="2000"/>
+          </a:p>
+          <a:p>
+            <a:pPr marL="0" indent="0">
+              <a:buNone/>
+            </a:pPr>
+            <a:endParaRPr lang="en-US" sz="2000"/>
+          </a:p>
+          <a:p>
+            <a:pPr marL="0" indent="0">
+              <a:buNone/>
+            </a:pPr>
+            <a:r>
+              <a:rPr lang="en-US" sz="2000"/>
+              <a:t>Error message</a:t>
+            </a:r>
+          </a:p>
+          <a:p>
+            <a:pPr marL="0" indent="0">
+              <a:buNone/>
+            </a:pPr>
+            <a:endParaRPr lang="en-US" sz="2000"/>
+          </a:p>
+          <a:p>
+            <a:pPr marL="0" indent="0">
+              <a:buNone/>
+            </a:pPr>
+            <a:endParaRPr lang="en-US" sz="2000"/>
+          </a:p>
+          <a:p>
+            <a:pPr marL="0" indent="0">
+              <a:buNone/>
+            </a:pPr>
+            <a:r>
+              <a:rPr lang="en-US" sz="2000"/>
+              <a:t>Error message validate form</a:t>
+            </a:r>
+          </a:p>
+        </p:txBody>
+      </p:sp>
+      <p:pic>
+        <p:nvPicPr>
+          <p:cNvPr id="4" name="Picture 3">
+            <a:extLst>
+              <a:ext uri="{FF2B5EF4-FFF2-40B4-BE49-F238E27FC236}">
+                <a16:creationId xmlns:a16="http://schemas.microsoft.com/office/drawing/2014/main" id="{BE4F6320-D63C-4FAA-95B5-DDEDEC2313C1}"/>
+              </a:ext>
+            </a:extLst>
+          </p:cNvPr>
+          <p:cNvPicPr>
+            <a:picLocks noChangeAspect="1"/>
+          </p:cNvPicPr>
+          <p:nvPr/>
+        </p:nvPicPr>
+        <p:blipFill>
+          <a:blip r:embed="rId3"/>
+          <a:stretch>
+            <a:fillRect/>
+          </a:stretch>
+        </p:blipFill>
+        <p:spPr>
+          <a:xfrm>
+            <a:off x="881062" y="2105024"/>
+            <a:ext cx="4823284" cy="742952"/>
+          </a:xfrm>
+          <a:prstGeom prst="rect">
+            <a:avLst/>
+          </a:prstGeom>
+        </p:spPr>
+      </p:pic>
+      <p:pic>
+        <p:nvPicPr>
+          <p:cNvPr id="5" name="Picture 4">
+            <a:extLst>
+              <a:ext uri="{FF2B5EF4-FFF2-40B4-BE49-F238E27FC236}">
+                <a16:creationId xmlns:a16="http://schemas.microsoft.com/office/drawing/2014/main" id="{D3C222B1-4C3C-49DD-AB22-86BBDDB73D02}"/>
+              </a:ext>
+            </a:extLst>
+          </p:cNvPr>
+          <p:cNvPicPr>
+            <a:picLocks noChangeAspect="1"/>
+          </p:cNvPicPr>
+          <p:nvPr/>
+        </p:nvPicPr>
+        <p:blipFill>
+          <a:blip r:embed="rId4"/>
+          <a:stretch>
+            <a:fillRect/>
+          </a:stretch>
+        </p:blipFill>
+        <p:spPr>
+          <a:xfrm>
+            <a:off x="881062" y="3348039"/>
+            <a:ext cx="4823284" cy="707572"/>
+          </a:xfrm>
+          <a:prstGeom prst="rect">
+            <a:avLst/>
+          </a:prstGeom>
+        </p:spPr>
+      </p:pic>
+      <p:pic>
+        <p:nvPicPr>
+          <p:cNvPr id="8" name="Picture 7">
+            <a:extLst>
+              <a:ext uri="{FF2B5EF4-FFF2-40B4-BE49-F238E27FC236}">
+                <a16:creationId xmlns:a16="http://schemas.microsoft.com/office/drawing/2014/main" id="{C6810FB3-B808-40BE-B816-C202E3A25C03}"/>
+              </a:ext>
+            </a:extLst>
+          </p:cNvPr>
+          <p:cNvPicPr>
+            <a:picLocks noChangeAspect="1"/>
+          </p:cNvPicPr>
+          <p:nvPr/>
+        </p:nvPicPr>
+        <p:blipFill>
+          <a:blip r:embed="rId5"/>
+          <a:stretch>
+            <a:fillRect/>
+          </a:stretch>
+        </p:blipFill>
+        <p:spPr>
+          <a:xfrm>
+            <a:off x="5186362" y="2357437"/>
+            <a:ext cx="314325" cy="238125"/>
+          </a:xfrm>
+          <a:prstGeom prst="rect">
+            <a:avLst/>
+          </a:prstGeom>
+        </p:spPr>
+      </p:pic>
+      <p:pic>
+        <p:nvPicPr>
+          <p:cNvPr id="10" name="Picture 9">
+            <a:extLst>
+              <a:ext uri="{FF2B5EF4-FFF2-40B4-BE49-F238E27FC236}">
+                <a16:creationId xmlns:a16="http://schemas.microsoft.com/office/drawing/2014/main" id="{AE1C25BD-C3E4-4DC9-9AC4-420FF868D535}"/>
+              </a:ext>
+            </a:extLst>
+          </p:cNvPr>
+          <p:cNvPicPr>
+            <a:picLocks noChangeAspect="1"/>
+          </p:cNvPicPr>
+          <p:nvPr/>
+        </p:nvPicPr>
+        <p:blipFill>
+          <a:blip r:embed="rId6"/>
+          <a:stretch>
+            <a:fillRect/>
+          </a:stretch>
+        </p:blipFill>
+        <p:spPr>
+          <a:xfrm>
+            <a:off x="5195887" y="3535137"/>
+            <a:ext cx="304800" cy="352425"/>
+          </a:xfrm>
+          <a:prstGeom prst="rect">
+            <a:avLst/>
+          </a:prstGeom>
+        </p:spPr>
+      </p:pic>
+      <p:pic>
+        <p:nvPicPr>
+          <p:cNvPr id="11" name="Picture 10">
+            <a:extLst>
+              <a:ext uri="{FF2B5EF4-FFF2-40B4-BE49-F238E27FC236}">
+                <a16:creationId xmlns:a16="http://schemas.microsoft.com/office/drawing/2014/main" id="{BA34D7D3-9C99-4B8C-A8BA-7D95B21C564B}"/>
+              </a:ext>
+            </a:extLst>
+          </p:cNvPr>
+          <p:cNvPicPr>
+            <a:picLocks noChangeAspect="1"/>
+          </p:cNvPicPr>
+          <p:nvPr/>
+        </p:nvPicPr>
+        <p:blipFill>
+          <a:blip r:embed="rId7"/>
+          <a:stretch>
+            <a:fillRect/>
+          </a:stretch>
+        </p:blipFill>
+        <p:spPr>
+          <a:xfrm>
+            <a:off x="881062" y="4555674"/>
+            <a:ext cx="2095500" cy="762000"/>
+          </a:xfrm>
+          <a:prstGeom prst="rect">
+            <a:avLst/>
+          </a:prstGeom>
+        </p:spPr>
+      </p:pic>
+    </p:spTree>
+    <p:extLst>
+      <p:ext uri="{BB962C8B-B14F-4D97-AF65-F5344CB8AC3E}">
+        <p14:creationId xmlns:p14="http://schemas.microsoft.com/office/powerpoint/2010/main" val="4246371437"/>
+      </p:ext>
+    </p:extLst>
+  </p:cSld>
+  <p:clrMapOvr>
+    <a:masterClrMapping/>
+  </p:clrMapOvr>
+</p:sld>
+</file>
+
+<file path=ppt/slides/slide17.xml><?xml version="1.0" encoding="utf-8"?>
+<p:sld xmlns:a="http://schemas.openxmlformats.org/drawingml/2006/main" xmlns:r="http://schemas.openxmlformats.org/officeDocument/2006/relationships" xmlns:p="http://schemas.openxmlformats.org/presentationml/2006/main">
+  <p:cSld>
+    <p:spTree>
+      <p:nvGrpSpPr>
+        <p:cNvPr id="1" name=""/>
+        <p:cNvGrpSpPr/>
+        <p:nvPr/>
+      </p:nvGrpSpPr>
+      <p:grpSpPr>
+        <a:xfrm>
+          <a:off x="0" y="0"/>
+          <a:ext cx="0" cy="0"/>
+          <a:chOff x="0" y="0"/>
+          <a:chExt cx="0" cy="0"/>
+        </a:xfrm>
+      </p:grpSpPr>
+      <p:sp>
+        <p:nvSpPr>
+          <p:cNvPr id="2" name="Title 1">
+            <a:extLst>
+              <a:ext uri="{FF2B5EF4-FFF2-40B4-BE49-F238E27FC236}">
+                <a16:creationId xmlns:a16="http://schemas.microsoft.com/office/drawing/2014/main" id="{02829324-F49E-4F1E-887F-3C381E87FEE1}"/>
+              </a:ext>
+            </a:extLst>
+          </p:cNvPr>
+          <p:cNvSpPr>
+            <a:spLocks noGrp="1"/>
+          </p:cNvSpPr>
+          <p:nvPr>
+            <p:ph type="title"/>
+          </p:nvPr>
+        </p:nvSpPr>
+        <p:spPr/>
+        <p:txBody>
+          <a:bodyPr/>
+          <a:lstStyle/>
+          <a:p>
+            <a:r>
+              <a:rPr lang="en-US"/>
+              <a:t>Other Component</a:t>
+            </a:r>
+          </a:p>
+        </p:txBody>
+      </p:sp>
+      <p:pic>
+        <p:nvPicPr>
+          <p:cNvPr id="4" name="Picture 3">
+            <a:extLst>
+              <a:ext uri="{FF2B5EF4-FFF2-40B4-BE49-F238E27FC236}">
+                <a16:creationId xmlns:a16="http://schemas.microsoft.com/office/drawing/2014/main" id="{0669E27D-FC87-428C-8C03-F46804B2AB59}"/>
+              </a:ext>
+            </a:extLst>
+          </p:cNvPr>
+          <p:cNvPicPr>
+            <a:picLocks noChangeAspect="1"/>
+          </p:cNvPicPr>
+          <p:nvPr/>
+        </p:nvPicPr>
+        <p:blipFill>
+          <a:blip r:embed="rId2"/>
+          <a:stretch>
+            <a:fillRect/>
+          </a:stretch>
+        </p:blipFill>
+        <p:spPr>
+          <a:xfrm>
+            <a:off x="838200" y="1476375"/>
+            <a:ext cx="5467350" cy="2914650"/>
+          </a:xfrm>
+          <a:prstGeom prst="rect">
+            <a:avLst/>
+          </a:prstGeom>
+        </p:spPr>
+      </p:pic>
+      <p:sp>
+        <p:nvSpPr>
+          <p:cNvPr id="5" name="TextBox 4">
+            <a:extLst>
+              <a:ext uri="{FF2B5EF4-FFF2-40B4-BE49-F238E27FC236}">
+                <a16:creationId xmlns:a16="http://schemas.microsoft.com/office/drawing/2014/main" id="{68175437-816E-449D-B816-48F0A62A2E20}"/>
+              </a:ext>
+            </a:extLst>
+          </p:cNvPr>
+          <p:cNvSpPr txBox="1"/>
+          <p:nvPr/>
+        </p:nvSpPr>
+        <p:spPr>
+          <a:xfrm>
+            <a:off x="6962775" y="1690688"/>
+            <a:ext cx="4705350" cy="369332"/>
+          </a:xfrm>
+          <a:prstGeom prst="rect">
+            <a:avLst/>
+          </a:prstGeom>
+          <a:noFill/>
+        </p:spPr>
+        <p:txBody>
+          <a:bodyPr wrap="square" rtlCol="0">
+            <a:spAutoFit/>
+          </a:bodyPr>
+          <a:lstStyle/>
+          <a:p>
+            <a:r>
+              <a:rPr lang="en-US"/>
+              <a:t>Sử dụng khi gom nhóm dữ liệu trong một trang</a:t>
+            </a:r>
+          </a:p>
+        </p:txBody>
+      </p:sp>
+      <p:pic>
+        <p:nvPicPr>
+          <p:cNvPr id="6" name="Picture 5">
+            <a:extLst>
+              <a:ext uri="{FF2B5EF4-FFF2-40B4-BE49-F238E27FC236}">
+                <a16:creationId xmlns:a16="http://schemas.microsoft.com/office/drawing/2014/main" id="{AE8EABB4-728D-47AB-8D3F-B91994E79E07}"/>
+              </a:ext>
+            </a:extLst>
+          </p:cNvPr>
+          <p:cNvPicPr>
+            <a:picLocks noChangeAspect="1"/>
+          </p:cNvPicPr>
+          <p:nvPr/>
+        </p:nvPicPr>
+        <p:blipFill>
+          <a:blip r:embed="rId3"/>
+          <a:stretch>
+            <a:fillRect/>
+          </a:stretch>
+        </p:blipFill>
+        <p:spPr>
+          <a:xfrm>
+            <a:off x="838200" y="4391025"/>
+            <a:ext cx="4924425" cy="2047875"/>
+          </a:xfrm>
+          <a:prstGeom prst="rect">
+            <a:avLst/>
+          </a:prstGeom>
+        </p:spPr>
+      </p:pic>
+      <p:sp>
+        <p:nvSpPr>
+          <p:cNvPr id="7" name="TextBox 6">
+            <a:extLst>
+              <a:ext uri="{FF2B5EF4-FFF2-40B4-BE49-F238E27FC236}">
+                <a16:creationId xmlns:a16="http://schemas.microsoft.com/office/drawing/2014/main" id="{77AA4C34-A11E-4BDB-A41D-4665C3DDD28D}"/>
+              </a:ext>
+            </a:extLst>
+          </p:cNvPr>
+          <p:cNvSpPr txBox="1"/>
+          <p:nvPr/>
+        </p:nvSpPr>
+        <p:spPr>
+          <a:xfrm>
+            <a:off x="6962775" y="4613315"/>
+            <a:ext cx="4705350" cy="369332"/>
+          </a:xfrm>
+          <a:prstGeom prst="rect">
+            <a:avLst/>
+          </a:prstGeom>
+          <a:noFill/>
+        </p:spPr>
+        <p:txBody>
+          <a:bodyPr wrap="square" rtlCol="0">
+            <a:spAutoFit/>
+          </a:bodyPr>
+          <a:lstStyle/>
+          <a:p>
+            <a:r>
+              <a:rPr lang="en-US"/>
+              <a:t>Sử dụng để xác nhận dữ liệu</a:t>
+            </a:r>
+          </a:p>
+        </p:txBody>
+      </p:sp>
+    </p:spTree>
+    <p:extLst>
+      <p:ext uri="{BB962C8B-B14F-4D97-AF65-F5344CB8AC3E}">
+        <p14:creationId xmlns:p14="http://schemas.microsoft.com/office/powerpoint/2010/main" val="780501234"/>
+      </p:ext>
+    </p:extLst>
+  </p:cSld>
+  <p:clrMapOvr>
+    <a:masterClrMapping/>
+  </p:clrMapOvr>
+</p:sld>
+</file>
+
+<file path=ppt/slides/slide18.xml><?xml version="1.0" encoding="utf-8"?>
+<p:sld xmlns:a="http://schemas.openxmlformats.org/drawingml/2006/main" xmlns:r="http://schemas.openxmlformats.org/officeDocument/2006/relationships" xmlns:p="http://schemas.openxmlformats.org/presentationml/2006/main">
+  <p:cSld>
+    <p:spTree>
+      <p:nvGrpSpPr>
+        <p:cNvPr id="1" name=""/>
+        <p:cNvGrpSpPr/>
+        <p:nvPr/>
+      </p:nvGrpSpPr>
+      <p:grpSpPr>
+        <a:xfrm>
+          <a:off x="0" y="0"/>
+          <a:ext cx="0" cy="0"/>
+          <a:chOff x="0" y="0"/>
+          <a:chExt cx="0" cy="0"/>
+        </a:xfrm>
+      </p:grpSpPr>
+      <p:sp>
+        <p:nvSpPr>
+          <p:cNvPr id="2" name="Title 1">
+            <a:extLst>
+              <a:ext uri="{FF2B5EF4-FFF2-40B4-BE49-F238E27FC236}">
+                <a16:creationId xmlns:a16="http://schemas.microsoft.com/office/drawing/2014/main" id="{9ABA0E36-42A0-4AC1-BD30-6682F4EB32CA}"/>
+              </a:ext>
+            </a:extLst>
+          </p:cNvPr>
+          <p:cNvSpPr>
+            <a:spLocks noGrp="1"/>
+          </p:cNvSpPr>
+          <p:nvPr>
+            <p:ph type="title"/>
+          </p:nvPr>
+        </p:nvSpPr>
+        <p:spPr/>
+        <p:txBody>
+          <a:bodyPr/>
+          <a:lstStyle/>
+          <a:p>
+            <a:r>
+              <a:rPr lang="en-US"/>
+              <a:t>Other Component</a:t>
+            </a:r>
+          </a:p>
+        </p:txBody>
+      </p:sp>
+      <p:sp>
+        <p:nvSpPr>
+          <p:cNvPr id="6" name="TextBox 5">
+            <a:extLst>
+              <a:ext uri="{FF2B5EF4-FFF2-40B4-BE49-F238E27FC236}">
+                <a16:creationId xmlns:a16="http://schemas.microsoft.com/office/drawing/2014/main" id="{97E40936-863D-4616-AA34-D7E373418D16}"/>
+              </a:ext>
+            </a:extLst>
+          </p:cNvPr>
+          <p:cNvSpPr txBox="1"/>
+          <p:nvPr/>
+        </p:nvSpPr>
+        <p:spPr>
+          <a:xfrm>
+            <a:off x="5895975" y="1664256"/>
+            <a:ext cx="2861553" cy="369332"/>
+          </a:xfrm>
+          <a:prstGeom prst="rect">
+            <a:avLst/>
+          </a:prstGeom>
+          <a:noFill/>
+        </p:spPr>
+        <p:txBody>
+          <a:bodyPr wrap="none" rtlCol="0">
+            <a:spAutoFit/>
+          </a:bodyPr>
+          <a:lstStyle/>
+          <a:p>
+            <a:r>
+              <a:rPr lang="en-US"/>
+              <a:t>Tooltip giải thích số liệu, text</a:t>
+            </a:r>
+          </a:p>
+        </p:txBody>
+      </p:sp>
+      <p:pic>
+        <p:nvPicPr>
+          <p:cNvPr id="8" name="Picture 7">
+            <a:extLst>
+              <a:ext uri="{FF2B5EF4-FFF2-40B4-BE49-F238E27FC236}">
+                <a16:creationId xmlns:a16="http://schemas.microsoft.com/office/drawing/2014/main" id="{EDFCAF69-56AA-48F7-9531-46B36C9FF1C0}"/>
+              </a:ext>
+            </a:extLst>
+          </p:cNvPr>
+          <p:cNvPicPr>
+            <a:picLocks noChangeAspect="1"/>
+          </p:cNvPicPr>
+          <p:nvPr/>
+        </p:nvPicPr>
+        <p:blipFill>
+          <a:blip r:embed="rId2"/>
+          <a:stretch>
+            <a:fillRect/>
+          </a:stretch>
+        </p:blipFill>
+        <p:spPr>
+          <a:xfrm>
+            <a:off x="933450" y="1690688"/>
+            <a:ext cx="1981200" cy="685800"/>
+          </a:xfrm>
+          <a:prstGeom prst="rect">
+            <a:avLst/>
+          </a:prstGeom>
+        </p:spPr>
+      </p:pic>
+      <p:pic>
+        <p:nvPicPr>
+          <p:cNvPr id="10" name="Picture 9" descr="A close up of an object&#10;&#10;Description automatically generated">
+            <a:extLst>
+              <a:ext uri="{FF2B5EF4-FFF2-40B4-BE49-F238E27FC236}">
+                <a16:creationId xmlns:a16="http://schemas.microsoft.com/office/drawing/2014/main" id="{67D2591E-0928-4F46-9865-EBE3522A1411}"/>
+              </a:ext>
+            </a:extLst>
+          </p:cNvPr>
+          <p:cNvPicPr>
+            <a:picLocks noChangeAspect="1"/>
+          </p:cNvPicPr>
+          <p:nvPr/>
+        </p:nvPicPr>
+        <p:blipFill>
+          <a:blip r:embed="rId3">
+            <a:extLst>
+              <a:ext uri="{28A0092B-C50C-407E-A947-70E740481C1C}">
+                <a14:useLocalDpi xmlns:a14="http://schemas.microsoft.com/office/drawing/2010/main" val="0"/>
+              </a:ext>
+            </a:extLst>
+          </a:blip>
+          <a:stretch>
+            <a:fillRect/>
+          </a:stretch>
+        </p:blipFill>
+        <p:spPr>
+          <a:xfrm>
+            <a:off x="838200" y="3076575"/>
+            <a:ext cx="3686175" cy="342900"/>
+          </a:xfrm>
+          <a:prstGeom prst="rect">
+            <a:avLst/>
+          </a:prstGeom>
+        </p:spPr>
+      </p:pic>
+      <p:sp>
+        <p:nvSpPr>
+          <p:cNvPr id="11" name="TextBox 10">
+            <a:extLst>
+              <a:ext uri="{FF2B5EF4-FFF2-40B4-BE49-F238E27FC236}">
+                <a16:creationId xmlns:a16="http://schemas.microsoft.com/office/drawing/2014/main" id="{AD40F962-3BB3-4D5B-BE24-DDED8FB3B903}"/>
+              </a:ext>
+            </a:extLst>
+          </p:cNvPr>
+          <p:cNvSpPr txBox="1"/>
+          <p:nvPr/>
+        </p:nvSpPr>
+        <p:spPr>
+          <a:xfrm>
+            <a:off x="5895974" y="3048041"/>
+            <a:ext cx="3102196" cy="369332"/>
+          </a:xfrm>
+          <a:prstGeom prst="rect">
+            <a:avLst/>
+          </a:prstGeom>
+          <a:noFill/>
+        </p:spPr>
+        <p:txBody>
+          <a:bodyPr wrap="none" rtlCol="0">
+            <a:spAutoFit/>
+          </a:bodyPr>
+          <a:lstStyle/>
+          <a:p>
+            <a:r>
+              <a:rPr lang="en-US"/>
+              <a:t>Hiển thị số liệu theo phần trăm</a:t>
+            </a:r>
+          </a:p>
+        </p:txBody>
+      </p:sp>
+    </p:spTree>
+    <p:extLst>
+      <p:ext uri="{BB962C8B-B14F-4D97-AF65-F5344CB8AC3E}">
+        <p14:creationId xmlns:p14="http://schemas.microsoft.com/office/powerpoint/2010/main" val="1163391532"/>
+      </p:ext>
+    </p:extLst>
+  </p:cSld>
+  <p:clrMapOvr>
+    <a:masterClrMapping/>
+  </p:clrMapOvr>
+</p:sld>
+</file>
+
+<file path=ppt/slides/slide19.xml><?xml version="1.0" encoding="utf-8"?>
+<p:sld xmlns:a="http://schemas.openxmlformats.org/drawingml/2006/main" xmlns:r="http://schemas.openxmlformats.org/officeDocument/2006/relationships" xmlns:p="http://schemas.openxmlformats.org/presentationml/2006/main">
+  <p:cSld>
+    <p:spTree>
+      <p:nvGrpSpPr>
+        <p:cNvPr id="1" name=""/>
+        <p:cNvGrpSpPr/>
+        <p:nvPr/>
+      </p:nvGrpSpPr>
+      <p:grpSpPr>
+        <a:xfrm>
+          <a:off x="0" y="0"/>
+          <a:ext cx="0" cy="0"/>
+          <a:chOff x="0" y="0"/>
+          <a:chExt cx="0" cy="0"/>
+        </a:xfrm>
+      </p:grpSpPr>
+      <p:sp>
+        <p:nvSpPr>
+          <p:cNvPr id="2" name="Title 1">
+            <a:extLst>
+              <a:ext uri="{FF2B5EF4-FFF2-40B4-BE49-F238E27FC236}">
+                <a16:creationId xmlns:a16="http://schemas.microsoft.com/office/drawing/2014/main" id="{F1968F54-88EA-4F4D-B8D2-58EEEF22E383}"/>
+              </a:ext>
+            </a:extLst>
+          </p:cNvPr>
+          <p:cNvSpPr>
+            <a:spLocks noGrp="1"/>
+          </p:cNvSpPr>
+          <p:nvPr>
+            <p:ph type="title"/>
+          </p:nvPr>
+        </p:nvSpPr>
+        <p:spPr/>
+        <p:txBody>
+          <a:bodyPr/>
+          <a:lstStyle/>
+          <a:p>
+            <a:r>
+              <a:rPr lang="en-US"/>
+              <a:t>Effect</a:t>
+            </a:r>
+          </a:p>
+        </p:txBody>
+      </p:sp>
+      <p:pic>
+        <p:nvPicPr>
+          <p:cNvPr id="7" name="Picture 6">
+            <a:extLst>
+              <a:ext uri="{FF2B5EF4-FFF2-40B4-BE49-F238E27FC236}">
+                <a16:creationId xmlns:a16="http://schemas.microsoft.com/office/drawing/2014/main" id="{482A1D34-283C-40B3-8D3F-F59017A2A9D1}"/>
+              </a:ext>
+            </a:extLst>
+          </p:cNvPr>
+          <p:cNvPicPr>
+            <a:picLocks noChangeAspect="1"/>
+          </p:cNvPicPr>
+          <p:nvPr/>
+        </p:nvPicPr>
+        <p:blipFill>
+          <a:blip r:embed="rId2">
+            <a:extLst>
+              <a:ext uri="{28A0092B-C50C-407E-A947-70E740481C1C}">
+                <a14:useLocalDpi xmlns:a14="http://schemas.microsoft.com/office/drawing/2010/main" val="0"/>
+              </a:ext>
+            </a:extLst>
+          </a:blip>
+          <a:stretch>
+            <a:fillRect/>
+          </a:stretch>
+        </p:blipFill>
+        <p:spPr>
+          <a:xfrm>
+            <a:off x="123825" y="1490663"/>
+            <a:ext cx="2171700" cy="857250"/>
+          </a:xfrm>
+          <a:prstGeom prst="rect">
+            <a:avLst/>
+          </a:prstGeom>
+        </p:spPr>
+      </p:pic>
+      <p:sp>
+        <p:nvSpPr>
+          <p:cNvPr id="8" name="TextBox 7">
+            <a:extLst>
+              <a:ext uri="{FF2B5EF4-FFF2-40B4-BE49-F238E27FC236}">
+                <a16:creationId xmlns:a16="http://schemas.microsoft.com/office/drawing/2014/main" id="{D9246742-8EE8-4674-95F4-D193A8BD21B8}"/>
+              </a:ext>
+            </a:extLst>
+          </p:cNvPr>
+          <p:cNvSpPr txBox="1"/>
+          <p:nvPr/>
+        </p:nvSpPr>
+        <p:spPr>
+          <a:xfrm>
+            <a:off x="4743450" y="1834634"/>
+            <a:ext cx="4559005" cy="369332"/>
+          </a:xfrm>
+          <a:prstGeom prst="rect">
+            <a:avLst/>
+          </a:prstGeom>
+          <a:noFill/>
+        </p:spPr>
+        <p:txBody>
+          <a:bodyPr wrap="none" rtlCol="0">
+            <a:spAutoFit/>
+          </a:bodyPr>
+          <a:lstStyle/>
+          <a:p>
+            <a:r>
+              <a:rPr lang="en-US"/>
+              <a:t>Hiệu ứng loading khi chờ tải, lưu, xử lý dữ liệu</a:t>
+            </a:r>
+          </a:p>
+        </p:txBody>
+      </p:sp>
+      <p:pic>
+        <p:nvPicPr>
+          <p:cNvPr id="9" name="Picture 8">
+            <a:extLst>
+              <a:ext uri="{FF2B5EF4-FFF2-40B4-BE49-F238E27FC236}">
+                <a16:creationId xmlns:a16="http://schemas.microsoft.com/office/drawing/2014/main" id="{55ACB478-CEAF-494E-887B-338BC057CF81}"/>
+              </a:ext>
+            </a:extLst>
+          </p:cNvPr>
+          <p:cNvPicPr>
+            <a:picLocks noChangeAspect="1"/>
+          </p:cNvPicPr>
+          <p:nvPr/>
+        </p:nvPicPr>
+        <p:blipFill>
+          <a:blip r:embed="rId3"/>
+          <a:stretch>
+            <a:fillRect/>
+          </a:stretch>
+        </p:blipFill>
+        <p:spPr>
+          <a:xfrm>
+            <a:off x="952500" y="2924175"/>
+            <a:ext cx="3048000" cy="266700"/>
+          </a:xfrm>
+          <a:prstGeom prst="rect">
+            <a:avLst/>
+          </a:prstGeom>
+        </p:spPr>
+      </p:pic>
+      <p:sp>
+        <p:nvSpPr>
+          <p:cNvPr id="10" name="TextBox 9">
+            <a:extLst>
+              <a:ext uri="{FF2B5EF4-FFF2-40B4-BE49-F238E27FC236}">
+                <a16:creationId xmlns:a16="http://schemas.microsoft.com/office/drawing/2014/main" id="{AF06B978-03C8-46E3-AD54-5D5EAF3946AF}"/>
+              </a:ext>
+            </a:extLst>
+          </p:cNvPr>
+          <p:cNvSpPr txBox="1"/>
+          <p:nvPr/>
+        </p:nvSpPr>
+        <p:spPr>
+          <a:xfrm>
+            <a:off x="4733925" y="2872859"/>
+            <a:ext cx="3740576" cy="369332"/>
+          </a:xfrm>
+          <a:prstGeom prst="rect">
+            <a:avLst/>
+          </a:prstGeom>
+          <a:noFill/>
+        </p:spPr>
+        <p:txBody>
+          <a:bodyPr wrap="none" rtlCol="0">
+            <a:spAutoFit/>
+          </a:bodyPr>
+          <a:lstStyle/>
+          <a:p>
+            <a:r>
+              <a:rPr lang="en-US"/>
+              <a:t>Dữ liệu tải đ</a:t>
+            </a:r>
+            <a:r>
+              <a:rPr lang="vi-VN"/>
+              <a:t>ư</a:t>
+            </a:r>
+            <a:r>
+              <a:rPr lang="en-US"/>
+              <a:t>ợc bao nhiêu phần trăm</a:t>
+            </a:r>
+          </a:p>
+        </p:txBody>
+      </p:sp>
+    </p:spTree>
+    <p:extLst>
+      <p:ext uri="{BB962C8B-B14F-4D97-AF65-F5344CB8AC3E}">
+        <p14:creationId xmlns:p14="http://schemas.microsoft.com/office/powerpoint/2010/main" val="2717670687"/>
       </p:ext>
     </p:extLst>
   </p:cSld>
@@ -3565,7 +6984,7 @@
           <p:cNvPr id="2" name="Title 1">
             <a:extLst>
               <a:ext uri="{FF2B5EF4-FFF2-40B4-BE49-F238E27FC236}">
-                <a16:creationId xmlns:a16="http://schemas.microsoft.com/office/drawing/2014/main" id="{52C1A99C-0C8E-41DB-8752-C3CD0DCED123}"/>
+                <a16:creationId xmlns:a16="http://schemas.microsoft.com/office/drawing/2014/main" id="{64875439-05EE-4229-B0A8-1113288B177E}"/>
               </a:ext>
             </a:extLst>
           </p:cNvPr>
@@ -3583,100 +7002,17 @@
           <a:p>
             <a:r>
               <a:rPr lang="en-US"/>
-              <a:t>Input, button</a:t>
-            </a:r>
-          </a:p>
-        </p:txBody>
-      </p:sp>
-      <p:sp>
-        <p:nvSpPr>
-          <p:cNvPr id="6" name="TextBox 5">
-            <a:extLst>
-              <a:ext uri="{FF2B5EF4-FFF2-40B4-BE49-F238E27FC236}">
-                <a16:creationId xmlns:a16="http://schemas.microsoft.com/office/drawing/2014/main" id="{4963DF1F-81E5-4A49-8158-73D9587FB07B}"/>
-              </a:ext>
-            </a:extLst>
-          </p:cNvPr>
-          <p:cNvSpPr txBox="1"/>
-          <p:nvPr/>
-        </p:nvSpPr>
-        <p:spPr>
-          <a:xfrm>
-            <a:off x="5395125" y="1698748"/>
-            <a:ext cx="5352658" cy="369332"/>
-          </a:xfrm>
-          <a:prstGeom prst="rect">
-            <a:avLst/>
-          </a:prstGeom>
-          <a:noFill/>
-        </p:spPr>
-        <p:txBody>
-          <a:bodyPr wrap="square" rtlCol="0">
-            <a:spAutoFit/>
-          </a:bodyPr>
-          <a:lstStyle/>
-          <a:p>
-            <a:r>
-              <a:rPr lang="en-US" err="1"/>
-              <a:t>Sử</a:t>
-            </a:r>
-            <a:r>
-              <a:rPr lang="en-US"/>
-              <a:t> </a:t>
-            </a:r>
-            <a:r>
-              <a:rPr lang="en-US" err="1"/>
-              <a:t>dụng</a:t>
-            </a:r>
-            <a:r>
-              <a:rPr lang="en-US"/>
-              <a:t> </a:t>
-            </a:r>
-            <a:r>
-              <a:rPr lang="en-US" err="1"/>
-              <a:t>cho</a:t>
-            </a:r>
-            <a:r>
-              <a:rPr lang="en-US"/>
-              <a:t> </a:t>
-            </a:r>
-            <a:r>
-              <a:rPr lang="en-US" err="1"/>
-              <a:t>các</a:t>
-            </a:r>
-            <a:r>
-              <a:rPr lang="en-US"/>
-              <a:t> </a:t>
-            </a:r>
-            <a:r>
-              <a:rPr lang="en-US" err="1"/>
-              <a:t>chức</a:t>
-            </a:r>
-            <a:r>
-              <a:rPr lang="en-US"/>
-              <a:t> </a:t>
-            </a:r>
-            <a:r>
-              <a:rPr lang="en-US" err="1"/>
-              <a:t>năng</a:t>
-            </a:r>
-            <a:r>
-              <a:rPr lang="en-US"/>
-              <a:t> </a:t>
-            </a:r>
-            <a:r>
-              <a:rPr lang="en-US" b="1"/>
-              <a:t>research, start, check  </a:t>
+              <a:t>Layout</a:t>
             </a:r>
           </a:p>
         </p:txBody>
       </p:sp>
       <p:pic>
         <p:nvPicPr>
-          <p:cNvPr id="12" name="Picture 11">
-            <a:extLst>
-              <a:ext uri="{FF2B5EF4-FFF2-40B4-BE49-F238E27FC236}">
-                <a16:creationId xmlns:a16="http://schemas.microsoft.com/office/drawing/2014/main" id="{38E19669-8A42-4F29-8E01-EEB1EB4F10C2}"/>
+          <p:cNvPr id="4" name="Picture 3">
+            <a:extLst>
+              <a:ext uri="{FF2B5EF4-FFF2-40B4-BE49-F238E27FC236}">
+                <a16:creationId xmlns:a16="http://schemas.microsoft.com/office/drawing/2014/main" id="{C7FFCA9B-B8A2-4D3D-BB1F-90FF54A0E597}"/>
               </a:ext>
             </a:extLst>
           </p:cNvPr>
@@ -3686,96 +7022,27 @@
           <p:nvPr/>
         </p:nvPicPr>
         <p:blipFill>
-          <a:blip r:embed="rId2">
-            <a:extLst>
-              <a:ext uri="{28A0092B-C50C-407E-A947-70E740481C1C}">
-                <a14:useLocalDpi xmlns:a14="http://schemas.microsoft.com/office/drawing/2010/main" val="0"/>
-              </a:ext>
-            </a:extLst>
-          </a:blip>
+          <a:blip r:embed="rId2"/>
           <a:stretch>
             <a:fillRect/>
           </a:stretch>
         </p:blipFill>
         <p:spPr>
           <a:xfrm>
-            <a:off x="948244" y="2628590"/>
-            <a:ext cx="771633" cy="257211"/>
+            <a:off x="161925" y="1625601"/>
+            <a:ext cx="5857876" cy="3672400"/>
           </a:xfrm>
           <a:prstGeom prst="rect">
             <a:avLst/>
           </a:prstGeom>
         </p:spPr>
       </p:pic>
-      <p:sp>
-        <p:nvSpPr>
-          <p:cNvPr id="13" name="TextBox 12">
-            <a:extLst>
-              <a:ext uri="{FF2B5EF4-FFF2-40B4-BE49-F238E27FC236}">
-                <a16:creationId xmlns:a16="http://schemas.microsoft.com/office/drawing/2014/main" id="{FB13C036-BE0C-4C86-8889-4CFD8029134C}"/>
-              </a:ext>
-            </a:extLst>
-          </p:cNvPr>
-          <p:cNvSpPr txBox="1"/>
-          <p:nvPr/>
-        </p:nvSpPr>
-        <p:spPr>
-          <a:xfrm>
-            <a:off x="5395125" y="2572529"/>
-            <a:ext cx="5352657" cy="369332"/>
-          </a:xfrm>
-          <a:prstGeom prst="rect">
-            <a:avLst/>
-          </a:prstGeom>
-          <a:noFill/>
-        </p:spPr>
-        <p:txBody>
-          <a:bodyPr wrap="square" rtlCol="0">
-            <a:spAutoFit/>
-          </a:bodyPr>
-          <a:lstStyle/>
-          <a:p>
-            <a:r>
-              <a:rPr lang="en-US" err="1"/>
-              <a:t>Sử</a:t>
-            </a:r>
-            <a:r>
-              <a:rPr lang="en-US"/>
-              <a:t> </a:t>
-            </a:r>
-            <a:r>
-              <a:rPr lang="en-US" err="1"/>
-              <a:t>dụng</a:t>
-            </a:r>
-            <a:r>
-              <a:rPr lang="en-US"/>
-              <a:t> </a:t>
-            </a:r>
-            <a:r>
-              <a:rPr lang="en-US" err="1"/>
-              <a:t>cho</a:t>
-            </a:r>
-            <a:r>
-              <a:rPr lang="en-US"/>
-              <a:t> setting, link </a:t>
-            </a:r>
-            <a:r>
-              <a:rPr lang="en-US" err="1"/>
-              <a:t>trong</a:t>
-            </a:r>
-            <a:r>
-              <a:rPr lang="en-US"/>
-              <a:t> card title</a:t>
-            </a:r>
-          </a:p>
-        </p:txBody>
-      </p:sp>
       <p:pic>
         <p:nvPicPr>
-          <p:cNvPr id="8" name="Picture 7">
-            <a:extLst>
-              <a:ext uri="{FF2B5EF4-FFF2-40B4-BE49-F238E27FC236}">
-                <a16:creationId xmlns:a16="http://schemas.microsoft.com/office/drawing/2014/main" id="{C208ACC9-3E3D-44B8-B132-81C463709C99}"/>
+          <p:cNvPr id="6" name="Picture 5">
+            <a:extLst>
+              <a:ext uri="{FF2B5EF4-FFF2-40B4-BE49-F238E27FC236}">
+                <a16:creationId xmlns:a16="http://schemas.microsoft.com/office/drawing/2014/main" id="{0D5F4AD5-573E-42B4-B505-63E2B99788DE}"/>
               </a:ext>
             </a:extLst>
           </p:cNvPr>
@@ -3792,8 +7059,8 @@
         </p:blipFill>
         <p:spPr>
           <a:xfrm>
-            <a:off x="909243" y="1607189"/>
-            <a:ext cx="3609975" cy="552450"/>
+            <a:off x="6254940" y="1625601"/>
+            <a:ext cx="5870385" cy="3673370"/>
           </a:xfrm>
           <a:prstGeom prst="rect">
             <a:avLst/>
@@ -3802,10 +7069,10 @@
       </p:pic>
       <p:sp>
         <p:nvSpPr>
-          <p:cNvPr id="19" name="TextBox 18">
-            <a:extLst>
-              <a:ext uri="{FF2B5EF4-FFF2-40B4-BE49-F238E27FC236}">
-                <a16:creationId xmlns:a16="http://schemas.microsoft.com/office/drawing/2014/main" id="{E8B5235A-68AA-42D6-8CDE-FB61532361D1}"/>
+          <p:cNvPr id="7" name="TextBox 6">
+            <a:extLst>
+              <a:ext uri="{FF2B5EF4-FFF2-40B4-BE49-F238E27FC236}">
+                <a16:creationId xmlns:a16="http://schemas.microsoft.com/office/drawing/2014/main" id="{2EC4A721-9269-4CC2-B310-34BDABD4EC1D}"/>
               </a:ext>
             </a:extLst>
           </p:cNvPr>
@@ -3814,8 +7081,8 @@
         </p:nvSpPr>
         <p:spPr>
           <a:xfrm>
-            <a:off x="5395126" y="3420546"/>
-            <a:ext cx="3567900" cy="369332"/>
+            <a:off x="2305050" y="5410200"/>
+            <a:ext cx="1301382" cy="369332"/>
           </a:xfrm>
           <a:prstGeom prst="rect">
             <a:avLst/>
@@ -3823,112 +7090,57 @@
           <a:noFill/>
         </p:spPr>
         <p:txBody>
-          <a:bodyPr wrap="square" rtlCol="0">
+          <a:bodyPr wrap="none" rtlCol="0">
             <a:spAutoFit/>
           </a:bodyPr>
           <a:lstStyle/>
           <a:p>
             <a:r>
-              <a:rPr lang="en-US" err="1"/>
-              <a:t>Sử</a:t>
-            </a:r>
-            <a:r>
-              <a:rPr lang="en-US"/>
-              <a:t> </a:t>
-            </a:r>
-            <a:r>
-              <a:rPr lang="en-US" err="1"/>
-              <a:t>dụng</a:t>
-            </a:r>
-            <a:r>
-              <a:rPr lang="en-US"/>
-              <a:t> </a:t>
-            </a:r>
-            <a:r>
-              <a:rPr lang="en-US" err="1"/>
-              <a:t>khi</a:t>
-            </a:r>
-            <a:r>
-              <a:rPr lang="en-US"/>
-              <a:t> </a:t>
-            </a:r>
-            <a:r>
-              <a:rPr lang="en-US" err="1"/>
-              <a:t>muốn</a:t>
-            </a:r>
-            <a:r>
-              <a:rPr lang="en-US"/>
-              <a:t> </a:t>
-            </a:r>
-            <a:r>
-              <a:rPr lang="en-US" err="1"/>
-              <a:t>bật</a:t>
-            </a:r>
-            <a:r>
-              <a:rPr lang="en-US"/>
-              <a:t>/</a:t>
-            </a:r>
-            <a:r>
-              <a:rPr lang="en-US" err="1"/>
-              <a:t>tắt</a:t>
-            </a:r>
-            <a:r>
-              <a:rPr lang="en-US"/>
-              <a:t> </a:t>
-            </a:r>
-            <a:r>
-              <a:rPr lang="en-US" err="1"/>
-              <a:t>dữ</a:t>
-            </a:r>
-            <a:r>
-              <a:rPr lang="en-US"/>
-              <a:t> </a:t>
-            </a:r>
-            <a:r>
-              <a:rPr lang="en-US" err="1"/>
-              <a:t>liệu</a:t>
-            </a:r>
-            <a:r>
-              <a:rPr lang="en-US"/>
-              <a:t> </a:t>
-            </a:r>
-          </a:p>
-        </p:txBody>
-      </p:sp>
-      <p:pic>
-        <p:nvPicPr>
-          <p:cNvPr id="20" name="Picture 19">
-            <a:extLst>
-              <a:ext uri="{FF2B5EF4-FFF2-40B4-BE49-F238E27FC236}">
-                <a16:creationId xmlns:a16="http://schemas.microsoft.com/office/drawing/2014/main" id="{B52229D2-0E94-4D8A-9DAB-9A4BC2170E03}"/>
-              </a:ext>
-            </a:extLst>
-          </p:cNvPr>
-          <p:cNvPicPr>
-            <a:picLocks noChangeAspect="1"/>
-          </p:cNvPicPr>
+              <a:rPr lang="en-US"/>
+              <a:t>Main layout</a:t>
+            </a:r>
+          </a:p>
+        </p:txBody>
+      </p:sp>
+      <p:sp>
+        <p:nvSpPr>
+          <p:cNvPr id="8" name="TextBox 7">
+            <a:extLst>
+              <a:ext uri="{FF2B5EF4-FFF2-40B4-BE49-F238E27FC236}">
+                <a16:creationId xmlns:a16="http://schemas.microsoft.com/office/drawing/2014/main" id="{F5A93BA9-7E27-4949-B264-93DD97F7BFBE}"/>
+              </a:ext>
+            </a:extLst>
+          </p:cNvPr>
+          <p:cNvSpPr txBox="1"/>
           <p:nvPr/>
-        </p:nvPicPr>
-        <p:blipFill>
-          <a:blip r:embed="rId4"/>
-          <a:stretch>
-            <a:fillRect/>
-          </a:stretch>
-        </p:blipFill>
+        </p:nvSpPr>
         <p:spPr>
           <a:xfrm>
-            <a:off x="909243" y="3402774"/>
-            <a:ext cx="1619250" cy="361950"/>
+            <a:off x="8743950" y="5432941"/>
+            <a:ext cx="1473224" cy="369332"/>
           </a:xfrm>
           <a:prstGeom prst="rect">
             <a:avLst/>
           </a:prstGeom>
+          <a:noFill/>
         </p:spPr>
-      </p:pic>
+        <p:txBody>
+          <a:bodyPr wrap="none" rtlCol="0">
+            <a:spAutoFit/>
+          </a:bodyPr>
+          <a:lstStyle/>
+          <a:p>
+            <a:r>
+              <a:rPr lang="en-US"/>
+              <a:t>Setting layout</a:t>
+            </a:r>
+          </a:p>
+        </p:txBody>
+      </p:sp>
     </p:spTree>
     <p:extLst>
       <p:ext uri="{BB962C8B-B14F-4D97-AF65-F5344CB8AC3E}">
-        <p14:creationId xmlns:p14="http://schemas.microsoft.com/office/powerpoint/2010/main" val="2637012771"/>
+        <p14:creationId xmlns:p14="http://schemas.microsoft.com/office/powerpoint/2010/main" val="759500404"/>
       </p:ext>
     </p:extLst>
   </p:cSld>
@@ -3957,10 +7169,10 @@
       </p:grpSpPr>
       <p:sp>
         <p:nvSpPr>
-          <p:cNvPr id="4" name="Title 3">
-            <a:extLst>
-              <a:ext uri="{FF2B5EF4-FFF2-40B4-BE49-F238E27FC236}">
-                <a16:creationId xmlns:a16="http://schemas.microsoft.com/office/drawing/2014/main" id="{5CBFD50A-9B18-41D5-B1DB-A556FAF905ED}"/>
+          <p:cNvPr id="2" name="Title 1">
+            <a:extLst>
+              <a:ext uri="{FF2B5EF4-FFF2-40B4-BE49-F238E27FC236}">
+                <a16:creationId xmlns:a16="http://schemas.microsoft.com/office/drawing/2014/main" id="{4C9D9711-1820-4D78-97B9-EA9324070885}"/>
               </a:ext>
             </a:extLst>
           </p:cNvPr>
@@ -3978,17 +7190,17 @@
           <a:p>
             <a:r>
               <a:rPr lang="en-US"/>
-              <a:t>Table</a:t>
+              <a:t>Sidebar</a:t>
             </a:r>
           </a:p>
         </p:txBody>
       </p:sp>
       <p:pic>
         <p:nvPicPr>
-          <p:cNvPr id="19" name="Picture 18">
-            <a:extLst>
-              <a:ext uri="{FF2B5EF4-FFF2-40B4-BE49-F238E27FC236}">
-                <a16:creationId xmlns:a16="http://schemas.microsoft.com/office/drawing/2014/main" id="{94167BF1-5E99-4FDA-84E0-C2AA03B5D8C9}"/>
+          <p:cNvPr id="4" name="Picture 3">
+            <a:extLst>
+              <a:ext uri="{FF2B5EF4-FFF2-40B4-BE49-F238E27FC236}">
+                <a16:creationId xmlns:a16="http://schemas.microsoft.com/office/drawing/2014/main" id="{D0953A3B-0C38-4498-984A-3E82BA3FD651}"/>
               </a:ext>
             </a:extLst>
           </p:cNvPr>
@@ -4005,18 +7217,59 @@
         </p:blipFill>
         <p:spPr>
           <a:xfrm>
-            <a:off x="1600063" y="1690688"/>
-            <a:ext cx="8991874" cy="3903624"/>
+            <a:off x="2929705" y="0"/>
+            <a:ext cx="5132439" cy="6858000"/>
           </a:xfrm>
           <a:prstGeom prst="rect">
             <a:avLst/>
           </a:prstGeom>
         </p:spPr>
       </p:pic>
+      <p:sp>
+        <p:nvSpPr>
+          <p:cNvPr id="5" name="TextBox 4">
+            <a:extLst>
+              <a:ext uri="{FF2B5EF4-FFF2-40B4-BE49-F238E27FC236}">
+                <a16:creationId xmlns:a16="http://schemas.microsoft.com/office/drawing/2014/main" id="{12FA9F7D-FBD8-4370-A016-2155CD64C499}"/>
+              </a:ext>
+            </a:extLst>
+          </p:cNvPr>
+          <p:cNvSpPr txBox="1"/>
+          <p:nvPr/>
+        </p:nvSpPr>
+        <p:spPr>
+          <a:xfrm>
+            <a:off x="4800600" y="1476375"/>
+            <a:ext cx="2771775" cy="369332"/>
+          </a:xfrm>
+          <a:prstGeom prst="rect">
+            <a:avLst/>
+          </a:prstGeom>
+          <a:noFill/>
+        </p:spPr>
+        <p:txBody>
+          <a:bodyPr wrap="square" rtlCol="0">
+            <a:spAutoFit/>
+          </a:bodyPr>
+          <a:lstStyle/>
+          <a:p>
+            <a:r>
+              <a:rPr lang="en-US">
+                <a:solidFill>
+                  <a:schemeClr val="bg1">
+                    <a:lumMod val="50000"/>
+                  </a:schemeClr>
+                </a:solidFill>
+              </a:rPr>
+              <a:t>Main sidebar</a:t>
+            </a:r>
+          </a:p>
+        </p:txBody>
+      </p:sp>
     </p:spTree>
     <p:extLst>
       <p:ext uri="{BB962C8B-B14F-4D97-AF65-F5344CB8AC3E}">
-        <p14:creationId xmlns:p14="http://schemas.microsoft.com/office/powerpoint/2010/main" val="1764163392"/>
+        <p14:creationId xmlns:p14="http://schemas.microsoft.com/office/powerpoint/2010/main" val="1821876522"/>
       </p:ext>
     </p:extLst>
   </p:cSld>
@@ -4048,7 +7301,7 @@
           <p:cNvPr id="2" name="Title 1">
             <a:extLst>
               <a:ext uri="{FF2B5EF4-FFF2-40B4-BE49-F238E27FC236}">
-                <a16:creationId xmlns:a16="http://schemas.microsoft.com/office/drawing/2014/main" id="{02829324-F49E-4F1E-887F-3C381E87FEE1}"/>
+                <a16:creationId xmlns:a16="http://schemas.microsoft.com/office/drawing/2014/main" id="{4143E1AB-BA95-46B4-A033-AC3385B938EC}"/>
               </a:ext>
             </a:extLst>
           </p:cNvPr>
@@ -4066,17 +7319,1146 @@
           <a:p>
             <a:r>
               <a:rPr lang="en-US"/>
-              <a:t>Other Component</a:t>
-            </a:r>
-          </a:p>
-        </p:txBody>
-      </p:sp>
+              <a:t>Input, button</a:t>
+            </a:r>
+          </a:p>
+        </p:txBody>
+      </p:sp>
+      <p:grpSp>
+        <p:nvGrpSpPr>
+          <p:cNvPr id="3" name="Group 2">
+            <a:extLst>
+              <a:ext uri="{FF2B5EF4-FFF2-40B4-BE49-F238E27FC236}">
+                <a16:creationId xmlns:a16="http://schemas.microsoft.com/office/drawing/2014/main" id="{79B96ED0-ACB8-45E7-B7FD-F0FCDE6B3D76}"/>
+              </a:ext>
+            </a:extLst>
+          </p:cNvPr>
+          <p:cNvGrpSpPr/>
+          <p:nvPr/>
+        </p:nvGrpSpPr>
+        <p:grpSpPr>
+          <a:xfrm>
+            <a:off x="811809" y="2912690"/>
+            <a:ext cx="10568382" cy="2339745"/>
+            <a:chOff x="599676" y="857300"/>
+            <a:chExt cx="10568382" cy="2339745"/>
+          </a:xfrm>
+        </p:grpSpPr>
+        <p:sp>
+          <p:nvSpPr>
+            <p:cNvPr id="4" name="TextBox 3">
+              <a:extLst>
+                <a:ext uri="{FF2B5EF4-FFF2-40B4-BE49-F238E27FC236}">
+                  <a16:creationId xmlns:a16="http://schemas.microsoft.com/office/drawing/2014/main" id="{672D1DFE-93AB-440C-971C-AE46E1646E00}"/>
+                </a:ext>
+              </a:extLst>
+            </p:cNvPr>
+            <p:cNvSpPr txBox="1"/>
+            <p:nvPr/>
+          </p:nvSpPr>
+          <p:spPr>
+            <a:xfrm>
+              <a:off x="5161759" y="1826787"/>
+              <a:ext cx="3567900" cy="369332"/>
+            </a:xfrm>
+            <a:prstGeom prst="rect">
+              <a:avLst/>
+            </a:prstGeom>
+            <a:noFill/>
+          </p:spPr>
+          <p:txBody>
+            <a:bodyPr wrap="square" rtlCol="0">
+              <a:spAutoFit/>
+            </a:bodyPr>
+            <a:lstStyle/>
+            <a:p>
+              <a:r>
+                <a:rPr lang="en-US" err="1"/>
+                <a:t>Sử</a:t>
+              </a:r>
+              <a:r>
+                <a:rPr lang="en-US"/>
+                <a:t> </a:t>
+              </a:r>
+              <a:r>
+                <a:rPr lang="en-US" err="1"/>
+                <a:t>dụng</a:t>
+              </a:r>
+              <a:r>
+                <a:rPr lang="en-US"/>
+                <a:t> cho lựa chọn duy nhất</a:t>
+              </a:r>
+            </a:p>
+          </p:txBody>
+        </p:sp>
+        <p:pic>
+          <p:nvPicPr>
+            <p:cNvPr id="5" name="Picture 4">
+              <a:extLst>
+                <a:ext uri="{FF2B5EF4-FFF2-40B4-BE49-F238E27FC236}">
+                  <a16:creationId xmlns:a16="http://schemas.microsoft.com/office/drawing/2014/main" id="{CE4F7DFE-9C04-41FF-B313-915E3BA2E9D2}"/>
+                </a:ext>
+              </a:extLst>
+            </p:cNvPr>
+            <p:cNvPicPr>
+              <a:picLocks noChangeAspect="1"/>
+            </p:cNvPicPr>
+            <p:nvPr/>
+          </p:nvPicPr>
+          <p:blipFill>
+            <a:blip r:embed="rId3"/>
+            <a:stretch>
+              <a:fillRect/>
+            </a:stretch>
+          </p:blipFill>
+          <p:spPr>
+            <a:xfrm>
+              <a:off x="618726" y="1071689"/>
+              <a:ext cx="1619250" cy="361950"/>
+            </a:xfrm>
+            <a:prstGeom prst="rect">
+              <a:avLst/>
+            </a:prstGeom>
+          </p:spPr>
+        </p:pic>
+        <p:pic>
+          <p:nvPicPr>
+            <p:cNvPr id="6" name="Picture 5">
+              <a:extLst>
+                <a:ext uri="{FF2B5EF4-FFF2-40B4-BE49-F238E27FC236}">
+                  <a16:creationId xmlns:a16="http://schemas.microsoft.com/office/drawing/2014/main" id="{76001DAD-EC20-4BA7-8417-AE116673AD28}"/>
+                </a:ext>
+              </a:extLst>
+            </p:cNvPr>
+            <p:cNvPicPr>
+              <a:picLocks noChangeAspect="1"/>
+            </p:cNvPicPr>
+            <p:nvPr/>
+          </p:nvPicPr>
+          <p:blipFill>
+            <a:blip r:embed="rId4"/>
+            <a:stretch>
+              <a:fillRect/>
+            </a:stretch>
+          </p:blipFill>
+          <p:spPr>
+            <a:xfrm>
+              <a:off x="638677" y="1826787"/>
+              <a:ext cx="2019300" cy="381000"/>
+            </a:xfrm>
+            <a:prstGeom prst="rect">
+              <a:avLst/>
+            </a:prstGeom>
+          </p:spPr>
+        </p:pic>
+        <p:sp>
+          <p:nvSpPr>
+            <p:cNvPr id="7" name="TextBox 6">
+              <a:extLst>
+                <a:ext uri="{FF2B5EF4-FFF2-40B4-BE49-F238E27FC236}">
+                  <a16:creationId xmlns:a16="http://schemas.microsoft.com/office/drawing/2014/main" id="{39E34106-C712-47EA-837F-F89C39B0E77E}"/>
+                </a:ext>
+              </a:extLst>
+            </p:cNvPr>
+            <p:cNvSpPr txBox="1"/>
+            <p:nvPr/>
+          </p:nvSpPr>
+          <p:spPr>
+            <a:xfrm>
+              <a:off x="5142709" y="1091809"/>
+              <a:ext cx="3567900" cy="369332"/>
+            </a:xfrm>
+            <a:prstGeom prst="rect">
+              <a:avLst/>
+            </a:prstGeom>
+            <a:noFill/>
+          </p:spPr>
+          <p:txBody>
+            <a:bodyPr wrap="square" rtlCol="0">
+              <a:spAutoFit/>
+            </a:bodyPr>
+            <a:lstStyle/>
+            <a:p>
+              <a:r>
+                <a:rPr lang="en-US" err="1"/>
+                <a:t>Sử</a:t>
+              </a:r>
+              <a:r>
+                <a:rPr lang="en-US"/>
+                <a:t> </a:t>
+              </a:r>
+              <a:r>
+                <a:rPr lang="en-US" err="1"/>
+                <a:t>dụng</a:t>
+              </a:r>
+              <a:r>
+                <a:rPr lang="en-US"/>
+                <a:t> </a:t>
+              </a:r>
+              <a:r>
+                <a:rPr lang="en-US" err="1"/>
+                <a:t>khi</a:t>
+              </a:r>
+              <a:r>
+                <a:rPr lang="en-US"/>
+                <a:t> </a:t>
+              </a:r>
+              <a:r>
+                <a:rPr lang="en-US" err="1"/>
+                <a:t>muốn</a:t>
+              </a:r>
+              <a:r>
+                <a:rPr lang="en-US"/>
+                <a:t> </a:t>
+              </a:r>
+              <a:r>
+                <a:rPr lang="en-US" err="1"/>
+                <a:t>bật</a:t>
+              </a:r>
+              <a:r>
+                <a:rPr lang="en-US"/>
+                <a:t>/</a:t>
+              </a:r>
+              <a:r>
+                <a:rPr lang="en-US" err="1"/>
+                <a:t>tắt</a:t>
+              </a:r>
+              <a:r>
+                <a:rPr lang="en-US"/>
+                <a:t> </a:t>
+              </a:r>
+              <a:r>
+                <a:rPr lang="en-US" err="1"/>
+                <a:t>dữ</a:t>
+              </a:r>
+              <a:r>
+                <a:rPr lang="en-US"/>
+                <a:t> </a:t>
+              </a:r>
+              <a:r>
+                <a:rPr lang="en-US" err="1"/>
+                <a:t>liệu</a:t>
+              </a:r>
+              <a:r>
+                <a:rPr lang="en-US"/>
+                <a:t> </a:t>
+              </a:r>
+            </a:p>
+          </p:txBody>
+        </p:sp>
+        <p:pic>
+          <p:nvPicPr>
+            <p:cNvPr id="8" name="Picture 7">
+              <a:extLst>
+                <a:ext uri="{FF2B5EF4-FFF2-40B4-BE49-F238E27FC236}">
+                  <a16:creationId xmlns:a16="http://schemas.microsoft.com/office/drawing/2014/main" id="{CFD4B456-B0CD-4BA4-96B2-DC925EBBD2D4}"/>
+                </a:ext>
+              </a:extLst>
+            </p:cNvPr>
+            <p:cNvPicPr>
+              <a:picLocks noChangeAspect="1"/>
+            </p:cNvPicPr>
+            <p:nvPr/>
+          </p:nvPicPr>
+          <p:blipFill>
+            <a:blip r:embed="rId5"/>
+            <a:stretch>
+              <a:fillRect/>
+            </a:stretch>
+          </p:blipFill>
+          <p:spPr>
+            <a:xfrm>
+              <a:off x="2657977" y="1084698"/>
+              <a:ext cx="419100" cy="314325"/>
+            </a:xfrm>
+            <a:prstGeom prst="rect">
+              <a:avLst/>
+            </a:prstGeom>
+          </p:spPr>
+        </p:pic>
+        <p:pic>
+          <p:nvPicPr>
+            <p:cNvPr id="9" name="Picture 8">
+              <a:extLst>
+                <a:ext uri="{FF2B5EF4-FFF2-40B4-BE49-F238E27FC236}">
+                  <a16:creationId xmlns:a16="http://schemas.microsoft.com/office/drawing/2014/main" id="{F1B968E9-62BC-4DB9-B045-604F09A8BBCB}"/>
+                </a:ext>
+              </a:extLst>
+            </p:cNvPr>
+            <p:cNvPicPr>
+              <a:picLocks noChangeAspect="1"/>
+            </p:cNvPicPr>
+            <p:nvPr/>
+          </p:nvPicPr>
+          <p:blipFill>
+            <a:blip r:embed="rId6"/>
+            <a:stretch>
+              <a:fillRect/>
+            </a:stretch>
+          </p:blipFill>
+          <p:spPr>
+            <a:xfrm>
+              <a:off x="3077077" y="1108510"/>
+              <a:ext cx="1152525" cy="266700"/>
+            </a:xfrm>
+            <a:prstGeom prst="rect">
+              <a:avLst/>
+            </a:prstGeom>
+          </p:spPr>
+        </p:pic>
+        <p:pic>
+          <p:nvPicPr>
+            <p:cNvPr id="12" name="Picture 11">
+              <a:extLst>
+                <a:ext uri="{FF2B5EF4-FFF2-40B4-BE49-F238E27FC236}">
+                  <a16:creationId xmlns:a16="http://schemas.microsoft.com/office/drawing/2014/main" id="{58C940A6-8A19-4208-B8FC-923EE6B7B09E}"/>
+                </a:ext>
+              </a:extLst>
+            </p:cNvPr>
+            <p:cNvPicPr>
+              <a:picLocks noChangeAspect="1"/>
+            </p:cNvPicPr>
+            <p:nvPr/>
+          </p:nvPicPr>
+          <p:blipFill>
+            <a:blip r:embed="rId7"/>
+            <a:stretch>
+              <a:fillRect/>
+            </a:stretch>
+          </p:blipFill>
+          <p:spPr>
+            <a:xfrm>
+              <a:off x="599676" y="2616020"/>
+              <a:ext cx="2295525" cy="581025"/>
+            </a:xfrm>
+            <a:prstGeom prst="rect">
+              <a:avLst/>
+            </a:prstGeom>
+          </p:spPr>
+        </p:pic>
+        <p:sp>
+          <p:nvSpPr>
+            <p:cNvPr id="13" name="TextBox 12">
+              <a:extLst>
+                <a:ext uri="{FF2B5EF4-FFF2-40B4-BE49-F238E27FC236}">
+                  <a16:creationId xmlns:a16="http://schemas.microsoft.com/office/drawing/2014/main" id="{A96B094D-7801-48B6-9EEC-3CA6B4F3ADB0}"/>
+                </a:ext>
+              </a:extLst>
+            </p:cNvPr>
+            <p:cNvSpPr txBox="1"/>
+            <p:nvPr/>
+          </p:nvSpPr>
+          <p:spPr>
+            <a:xfrm>
+              <a:off x="5161759" y="2646609"/>
+              <a:ext cx="5865608" cy="369332"/>
+            </a:xfrm>
+            <a:prstGeom prst="rect">
+              <a:avLst/>
+            </a:prstGeom>
+            <a:noFill/>
+          </p:spPr>
+          <p:txBody>
+            <a:bodyPr wrap="square" rtlCol="0">
+              <a:spAutoFit/>
+            </a:bodyPr>
+            <a:lstStyle/>
+            <a:p>
+              <a:r>
+                <a:rPr lang="en-US"/>
+                <a:t>Sử dụng cho các nút lựa chọn khi chuyển màn hình</a:t>
+              </a:r>
+            </a:p>
+          </p:txBody>
+        </p:sp>
+        <p:cxnSp>
+          <p:nvCxnSpPr>
+            <p:cNvPr id="15" name="Straight Connector 14">
+              <a:extLst>
+                <a:ext uri="{FF2B5EF4-FFF2-40B4-BE49-F238E27FC236}">
+                  <a16:creationId xmlns:a16="http://schemas.microsoft.com/office/drawing/2014/main" id="{5A9329F3-AE7F-4AB5-BF59-0D6908321F71}"/>
+                </a:ext>
+              </a:extLst>
+            </p:cNvPr>
+            <p:cNvCxnSpPr>
+              <a:cxnSpLocks/>
+            </p:cNvCxnSpPr>
+            <p:nvPr/>
+          </p:nvCxnSpPr>
+          <p:spPr>
+            <a:xfrm>
+              <a:off x="728658" y="1621790"/>
+              <a:ext cx="10439400" cy="0"/>
+            </a:xfrm>
+            <a:prstGeom prst="line">
+              <a:avLst/>
+            </a:prstGeom>
+            <a:ln w="3175">
+              <a:solidFill>
+                <a:schemeClr val="bg1">
+                  <a:lumMod val="85000"/>
+                </a:schemeClr>
+              </a:solidFill>
+            </a:ln>
+          </p:spPr>
+          <p:style>
+            <a:lnRef idx="1">
+              <a:schemeClr val="accent3"/>
+            </a:lnRef>
+            <a:fillRef idx="0">
+              <a:schemeClr val="accent3"/>
+            </a:fillRef>
+            <a:effectRef idx="0">
+              <a:schemeClr val="accent3"/>
+            </a:effectRef>
+            <a:fontRef idx="minor">
+              <a:schemeClr val="tx1"/>
+            </a:fontRef>
+          </p:style>
+        </p:cxnSp>
+        <p:cxnSp>
+          <p:nvCxnSpPr>
+            <p:cNvPr id="19" name="Straight Connector 18">
+              <a:extLst>
+                <a:ext uri="{FF2B5EF4-FFF2-40B4-BE49-F238E27FC236}">
+                  <a16:creationId xmlns:a16="http://schemas.microsoft.com/office/drawing/2014/main" id="{155CBC6C-52A0-4F82-A1F3-33F16E27AA9A}"/>
+                </a:ext>
+              </a:extLst>
+            </p:cNvPr>
+            <p:cNvCxnSpPr>
+              <a:cxnSpLocks/>
+            </p:cNvCxnSpPr>
+            <p:nvPr/>
+          </p:nvCxnSpPr>
+          <p:spPr>
+            <a:xfrm>
+              <a:off x="705352" y="2431415"/>
+              <a:ext cx="10439400" cy="0"/>
+            </a:xfrm>
+            <a:prstGeom prst="line">
+              <a:avLst/>
+            </a:prstGeom>
+            <a:ln w="3175">
+              <a:solidFill>
+                <a:schemeClr val="bg1">
+                  <a:lumMod val="85000"/>
+                </a:schemeClr>
+              </a:solidFill>
+            </a:ln>
+          </p:spPr>
+          <p:style>
+            <a:lnRef idx="1">
+              <a:schemeClr val="accent3"/>
+            </a:lnRef>
+            <a:fillRef idx="0">
+              <a:schemeClr val="accent3"/>
+            </a:fillRef>
+            <a:effectRef idx="0">
+              <a:schemeClr val="accent3"/>
+            </a:effectRef>
+            <a:fontRef idx="minor">
+              <a:schemeClr val="tx1"/>
+            </a:fontRef>
+          </p:style>
+        </p:cxnSp>
+        <p:cxnSp>
+          <p:nvCxnSpPr>
+            <p:cNvPr id="20" name="Straight Connector 19">
+              <a:extLst>
+                <a:ext uri="{FF2B5EF4-FFF2-40B4-BE49-F238E27FC236}">
+                  <a16:creationId xmlns:a16="http://schemas.microsoft.com/office/drawing/2014/main" id="{B3A7D7D5-0DD3-4FA1-929C-79C53D29C4DC}"/>
+                </a:ext>
+              </a:extLst>
+            </p:cNvPr>
+            <p:cNvCxnSpPr>
+              <a:cxnSpLocks/>
+            </p:cNvCxnSpPr>
+            <p:nvPr/>
+          </p:nvCxnSpPr>
+          <p:spPr>
+            <a:xfrm>
+              <a:off x="728658" y="857300"/>
+              <a:ext cx="10439400" cy="0"/>
+            </a:xfrm>
+            <a:prstGeom prst="line">
+              <a:avLst/>
+            </a:prstGeom>
+            <a:ln w="3175">
+              <a:solidFill>
+                <a:schemeClr val="bg1">
+                  <a:lumMod val="85000"/>
+                </a:schemeClr>
+              </a:solidFill>
+            </a:ln>
+          </p:spPr>
+          <p:style>
+            <a:lnRef idx="1">
+              <a:schemeClr val="accent3"/>
+            </a:lnRef>
+            <a:fillRef idx="0">
+              <a:schemeClr val="accent3"/>
+            </a:fillRef>
+            <a:effectRef idx="0">
+              <a:schemeClr val="accent3"/>
+            </a:effectRef>
+            <a:fontRef idx="minor">
+              <a:schemeClr val="tx1"/>
+            </a:fontRef>
+          </p:style>
+        </p:cxnSp>
+      </p:grpSp>
       <p:pic>
         <p:nvPicPr>
-          <p:cNvPr id="4" name="Picture 3">
-            <a:extLst>
-              <a:ext uri="{FF2B5EF4-FFF2-40B4-BE49-F238E27FC236}">
-                <a16:creationId xmlns:a16="http://schemas.microsoft.com/office/drawing/2014/main" id="{0669E27D-FC87-428C-8C03-F46804B2AB59}"/>
+          <p:cNvPr id="14" name="Picture 13">
+            <a:extLst>
+              <a:ext uri="{FF2B5EF4-FFF2-40B4-BE49-F238E27FC236}">
+                <a16:creationId xmlns:a16="http://schemas.microsoft.com/office/drawing/2014/main" id="{20302FE2-0998-421A-B649-9A70D58BD677}"/>
+              </a:ext>
+            </a:extLst>
+          </p:cNvPr>
+          <p:cNvPicPr>
+            <a:picLocks noChangeAspect="1"/>
+          </p:cNvPicPr>
+          <p:nvPr/>
+        </p:nvPicPr>
+        <p:blipFill>
+          <a:blip r:embed="rId8">
+            <a:extLst>
+              <a:ext uri="{28A0092B-C50C-407E-A947-70E740481C1C}">
+                <a14:useLocalDpi xmlns:a14="http://schemas.microsoft.com/office/drawing/2010/main" val="0"/>
+              </a:ext>
+            </a:extLst>
+          </a:blip>
+          <a:stretch>
+            <a:fillRect/>
+          </a:stretch>
+        </p:blipFill>
+        <p:spPr>
+          <a:xfrm>
+            <a:off x="918656" y="5762950"/>
+            <a:ext cx="771633" cy="257211"/>
+          </a:xfrm>
+          <a:prstGeom prst="rect">
+            <a:avLst/>
+          </a:prstGeom>
+        </p:spPr>
+      </p:pic>
+      <p:sp>
+        <p:nvSpPr>
+          <p:cNvPr id="16" name="TextBox 15">
+            <a:extLst>
+              <a:ext uri="{FF2B5EF4-FFF2-40B4-BE49-F238E27FC236}">
+                <a16:creationId xmlns:a16="http://schemas.microsoft.com/office/drawing/2014/main" id="{11706D02-EE9E-43BD-BDA0-FB355FDD02E7}"/>
+              </a:ext>
+            </a:extLst>
+          </p:cNvPr>
+          <p:cNvSpPr txBox="1"/>
+          <p:nvPr/>
+        </p:nvSpPr>
+        <p:spPr>
+          <a:xfrm>
+            <a:off x="5385600" y="5812754"/>
+            <a:ext cx="4110825" cy="369332"/>
+          </a:xfrm>
+          <a:prstGeom prst="rect">
+            <a:avLst/>
+          </a:prstGeom>
+          <a:noFill/>
+        </p:spPr>
+        <p:txBody>
+          <a:bodyPr wrap="square" rtlCol="0">
+            <a:spAutoFit/>
+          </a:bodyPr>
+          <a:lstStyle/>
+          <a:p>
+            <a:r>
+              <a:rPr lang="en-US" err="1"/>
+              <a:t>Sử</a:t>
+            </a:r>
+            <a:r>
+              <a:rPr lang="en-US"/>
+              <a:t> </a:t>
+            </a:r>
+            <a:r>
+              <a:rPr lang="en-US" err="1"/>
+              <a:t>dụng</a:t>
+            </a:r>
+            <a:r>
+              <a:rPr lang="en-US"/>
+              <a:t> </a:t>
+            </a:r>
+            <a:r>
+              <a:rPr lang="en-US" err="1"/>
+              <a:t>cho</a:t>
+            </a:r>
+            <a:r>
+              <a:rPr lang="en-US"/>
+              <a:t> setting, link </a:t>
+            </a:r>
+            <a:r>
+              <a:rPr lang="en-US" err="1"/>
+              <a:t>trong</a:t>
+            </a:r>
+            <a:r>
+              <a:rPr lang="en-US"/>
+              <a:t> card title</a:t>
+            </a:r>
+          </a:p>
+        </p:txBody>
+      </p:sp>
+      <p:grpSp>
+        <p:nvGrpSpPr>
+          <p:cNvPr id="10" name="Group 9">
+            <a:extLst>
+              <a:ext uri="{FF2B5EF4-FFF2-40B4-BE49-F238E27FC236}">
+                <a16:creationId xmlns:a16="http://schemas.microsoft.com/office/drawing/2014/main" id="{ACA2B282-4658-4A42-A52C-0E8FA54BA3A7}"/>
+              </a:ext>
+            </a:extLst>
+          </p:cNvPr>
+          <p:cNvGrpSpPr/>
+          <p:nvPr/>
+        </p:nvGrpSpPr>
+        <p:grpSpPr>
+          <a:xfrm>
+            <a:off x="850810" y="1516648"/>
+            <a:ext cx="10572359" cy="1123378"/>
+            <a:chOff x="572393" y="-112408"/>
+            <a:chExt cx="10572359" cy="1123378"/>
+          </a:xfrm>
+        </p:grpSpPr>
+        <p:sp>
+          <p:nvSpPr>
+            <p:cNvPr id="17" name="TextBox 16">
+              <a:extLst>
+                <a:ext uri="{FF2B5EF4-FFF2-40B4-BE49-F238E27FC236}">
+                  <a16:creationId xmlns:a16="http://schemas.microsoft.com/office/drawing/2014/main" id="{0A30F8C7-4D80-48B5-A4E9-DAD9863BDEB1}"/>
+                </a:ext>
+              </a:extLst>
+            </p:cNvPr>
+            <p:cNvSpPr txBox="1"/>
+            <p:nvPr/>
+          </p:nvSpPr>
+          <p:spPr>
+            <a:xfrm>
+              <a:off x="572393" y="-112408"/>
+              <a:ext cx="10572359" cy="584775"/>
+            </a:xfrm>
+            <a:prstGeom prst="rect">
+              <a:avLst/>
+            </a:prstGeom>
+            <a:noFill/>
+          </p:spPr>
+          <p:txBody>
+            <a:bodyPr wrap="square" rtlCol="0">
+              <a:spAutoFit/>
+            </a:bodyPr>
+            <a:lstStyle/>
+            <a:p>
+              <a:r>
+                <a:rPr lang="en-US" sz="1600">
+                  <a:latin typeface="Arial" panose="020B0604020202020204" pitchFamily="34" charset="0"/>
+                  <a:cs typeface="Arial" panose="020B0604020202020204" pitchFamily="34" charset="0"/>
+                </a:rPr>
+                <a:t>Các nút Register hoặc Create, Research, chúng mang ý nghĩa tạo mới nên sẽ có màu xanh lá. </a:t>
+              </a:r>
+            </a:p>
+            <a:p>
+              <a:r>
+                <a:rPr lang="en-US" sz="1600">
+                  <a:latin typeface="Arial" panose="020B0604020202020204" pitchFamily="34" charset="0"/>
+                  <a:cs typeface="Arial" panose="020B0604020202020204" pitchFamily="34" charset="0"/>
+                </a:rPr>
+                <a:t>Còn các nút như check, apply, start, save đều sử dụng màu xanh d</a:t>
+              </a:r>
+              <a:r>
+                <a:rPr lang="vi-VN" sz="1600">
+                  <a:cs typeface="Arial" panose="020B0604020202020204" pitchFamily="34" charset="0"/>
+                </a:rPr>
+                <a:t>ư</a:t>
+              </a:r>
+              <a:r>
+                <a:rPr lang="en-US" sz="1600">
+                  <a:latin typeface="Arial" panose="020B0604020202020204" pitchFamily="34" charset="0"/>
+                  <a:cs typeface="Arial" panose="020B0604020202020204" pitchFamily="34" charset="0"/>
+                </a:rPr>
+                <a:t>ơng.</a:t>
+              </a:r>
+            </a:p>
+          </p:txBody>
+        </p:sp>
+        <p:pic>
+          <p:nvPicPr>
+            <p:cNvPr id="18" name="Picture 17">
+              <a:extLst>
+                <a:ext uri="{FF2B5EF4-FFF2-40B4-BE49-F238E27FC236}">
+                  <a16:creationId xmlns:a16="http://schemas.microsoft.com/office/drawing/2014/main" id="{2FF8A8DF-89AA-4A9A-A687-012F24538312}"/>
+                </a:ext>
+              </a:extLst>
+            </p:cNvPr>
+            <p:cNvPicPr>
+              <a:picLocks noChangeAspect="1"/>
+            </p:cNvPicPr>
+            <p:nvPr/>
+          </p:nvPicPr>
+          <p:blipFill>
+            <a:blip r:embed="rId9"/>
+            <a:stretch>
+              <a:fillRect/>
+            </a:stretch>
+          </p:blipFill>
+          <p:spPr>
+            <a:xfrm>
+              <a:off x="639068" y="553770"/>
+              <a:ext cx="1447800" cy="457200"/>
+            </a:xfrm>
+            <a:prstGeom prst="rect">
+              <a:avLst/>
+            </a:prstGeom>
+          </p:spPr>
+        </p:pic>
+        <p:pic>
+          <p:nvPicPr>
+            <p:cNvPr id="21" name="Picture 20">
+              <a:extLst>
+                <a:ext uri="{FF2B5EF4-FFF2-40B4-BE49-F238E27FC236}">
+                  <a16:creationId xmlns:a16="http://schemas.microsoft.com/office/drawing/2014/main" id="{BCA4DBD7-6027-4F25-BB9B-83D3753351B6}"/>
+                </a:ext>
+              </a:extLst>
+            </p:cNvPr>
+            <p:cNvPicPr>
+              <a:picLocks noChangeAspect="1"/>
+            </p:cNvPicPr>
+            <p:nvPr/>
+          </p:nvPicPr>
+          <p:blipFill>
+            <a:blip r:embed="rId10"/>
+            <a:stretch>
+              <a:fillRect/>
+            </a:stretch>
+          </p:blipFill>
+          <p:spPr>
+            <a:xfrm>
+              <a:off x="2224980" y="553770"/>
+              <a:ext cx="942975" cy="457200"/>
+            </a:xfrm>
+            <a:prstGeom prst="rect">
+              <a:avLst/>
+            </a:prstGeom>
+          </p:spPr>
+        </p:pic>
+        <p:pic>
+          <p:nvPicPr>
+            <p:cNvPr id="22" name="Picture 21">
+              <a:extLst>
+                <a:ext uri="{FF2B5EF4-FFF2-40B4-BE49-F238E27FC236}">
+                  <a16:creationId xmlns:a16="http://schemas.microsoft.com/office/drawing/2014/main" id="{B64DC89D-C20A-4CC3-9E1F-20487406CB3E}"/>
+                </a:ext>
+              </a:extLst>
+            </p:cNvPr>
+            <p:cNvPicPr>
+              <a:picLocks noChangeAspect="1"/>
+            </p:cNvPicPr>
+            <p:nvPr/>
+          </p:nvPicPr>
+          <p:blipFill>
+            <a:blip r:embed="rId11"/>
+            <a:stretch>
+              <a:fillRect/>
+            </a:stretch>
+          </p:blipFill>
+          <p:spPr>
+            <a:xfrm>
+              <a:off x="3306067" y="553770"/>
+              <a:ext cx="962025" cy="457200"/>
+            </a:xfrm>
+            <a:prstGeom prst="rect">
+              <a:avLst/>
+            </a:prstGeom>
+          </p:spPr>
+        </p:pic>
+        <p:pic>
+          <p:nvPicPr>
+            <p:cNvPr id="23" name="Picture 22">
+              <a:extLst>
+                <a:ext uri="{FF2B5EF4-FFF2-40B4-BE49-F238E27FC236}">
+                  <a16:creationId xmlns:a16="http://schemas.microsoft.com/office/drawing/2014/main" id="{46F62DD6-3D2B-4384-8CFC-7B02218990C9}"/>
+                </a:ext>
+              </a:extLst>
+            </p:cNvPr>
+            <p:cNvPicPr>
+              <a:picLocks noChangeAspect="1"/>
+            </p:cNvPicPr>
+            <p:nvPr/>
+          </p:nvPicPr>
+          <p:blipFill>
+            <a:blip r:embed="rId12"/>
+            <a:stretch>
+              <a:fillRect/>
+            </a:stretch>
+          </p:blipFill>
+          <p:spPr>
+            <a:xfrm>
+              <a:off x="4406204" y="560752"/>
+              <a:ext cx="4095750" cy="438150"/>
+            </a:xfrm>
+            <a:prstGeom prst="rect">
+              <a:avLst/>
+            </a:prstGeom>
+          </p:spPr>
+        </p:pic>
+      </p:grpSp>
+      <p:cxnSp>
+        <p:nvCxnSpPr>
+          <p:cNvPr id="24" name="Straight Connector 23">
+            <a:extLst>
+              <a:ext uri="{FF2B5EF4-FFF2-40B4-BE49-F238E27FC236}">
+                <a16:creationId xmlns:a16="http://schemas.microsoft.com/office/drawing/2014/main" id="{14868668-B91E-438B-981F-CDF62EE85030}"/>
+              </a:ext>
+            </a:extLst>
+          </p:cNvPr>
+          <p:cNvCxnSpPr>
+            <a:cxnSpLocks/>
+          </p:cNvCxnSpPr>
+          <p:nvPr/>
+        </p:nvCxnSpPr>
+        <p:spPr>
+          <a:xfrm>
+            <a:off x="940791" y="5486930"/>
+            <a:ext cx="10439400" cy="0"/>
+          </a:xfrm>
+          <a:prstGeom prst="line">
+            <a:avLst/>
+          </a:prstGeom>
+          <a:ln w="3175">
+            <a:solidFill>
+              <a:schemeClr val="bg1">
+                <a:lumMod val="85000"/>
+              </a:schemeClr>
+            </a:solidFill>
+          </a:ln>
+        </p:spPr>
+        <p:style>
+          <a:lnRef idx="1">
+            <a:schemeClr val="accent3"/>
+          </a:lnRef>
+          <a:fillRef idx="0">
+            <a:schemeClr val="accent3"/>
+          </a:fillRef>
+          <a:effectRef idx="0">
+            <a:schemeClr val="accent3"/>
+          </a:effectRef>
+          <a:fontRef idx="minor">
+            <a:schemeClr val="tx1"/>
+          </a:fontRef>
+        </p:style>
+      </p:cxnSp>
+    </p:spTree>
+    <p:extLst>
+      <p:ext uri="{BB962C8B-B14F-4D97-AF65-F5344CB8AC3E}">
+        <p14:creationId xmlns:p14="http://schemas.microsoft.com/office/powerpoint/2010/main" val="381337440"/>
+      </p:ext>
+    </p:extLst>
+  </p:cSld>
+  <p:clrMapOvr>
+    <a:masterClrMapping/>
+  </p:clrMapOvr>
+</p:sld>
+</file>
+
+<file path=ppt/slides/slide5.xml><?xml version="1.0" encoding="utf-8"?>
+<p:sld xmlns:a="http://schemas.openxmlformats.org/drawingml/2006/main" xmlns:r="http://schemas.openxmlformats.org/officeDocument/2006/relationships" xmlns:p="http://schemas.openxmlformats.org/presentationml/2006/main">
+  <p:cSld>
+    <p:spTree>
+      <p:nvGrpSpPr>
+        <p:cNvPr id="1" name=""/>
+        <p:cNvGrpSpPr/>
+        <p:nvPr/>
+      </p:nvGrpSpPr>
+      <p:grpSpPr>
+        <a:xfrm>
+          <a:off x="0" y="0"/>
+          <a:ext cx="0" cy="0"/>
+          <a:chOff x="0" y="0"/>
+          <a:chExt cx="0" cy="0"/>
+        </a:xfrm>
+      </p:grpSpPr>
+      <p:sp>
+        <p:nvSpPr>
+          <p:cNvPr id="2" name="Title 1">
+            <a:extLst>
+              <a:ext uri="{FF2B5EF4-FFF2-40B4-BE49-F238E27FC236}">
+                <a16:creationId xmlns:a16="http://schemas.microsoft.com/office/drawing/2014/main" id="{52C1A99C-0C8E-41DB-8752-C3CD0DCED123}"/>
+              </a:ext>
+            </a:extLst>
+          </p:cNvPr>
+          <p:cNvSpPr>
+            <a:spLocks noGrp="1"/>
+          </p:cNvSpPr>
+          <p:nvPr>
+            <p:ph type="title"/>
+          </p:nvPr>
+        </p:nvSpPr>
+        <p:spPr/>
+        <p:txBody>
+          <a:bodyPr/>
+          <a:lstStyle/>
+          <a:p>
+            <a:r>
+              <a:rPr lang="en-US"/>
+              <a:t>Input, button </a:t>
+            </a:r>
+            <a:r>
+              <a:rPr lang="en-US" sz="2400"/>
+              <a:t>(Không dùng trong form, dùng trong màn hình chính)</a:t>
+            </a:r>
+            <a:endParaRPr lang="en-US"/>
+          </a:p>
+        </p:txBody>
+      </p:sp>
+      <p:sp>
+        <p:nvSpPr>
+          <p:cNvPr id="6" name="TextBox 5">
+            <a:extLst>
+              <a:ext uri="{FF2B5EF4-FFF2-40B4-BE49-F238E27FC236}">
+                <a16:creationId xmlns:a16="http://schemas.microsoft.com/office/drawing/2014/main" id="{4963DF1F-81E5-4A49-8158-73D9587FB07B}"/>
+              </a:ext>
+            </a:extLst>
+          </p:cNvPr>
+          <p:cNvSpPr txBox="1"/>
+          <p:nvPr/>
+        </p:nvSpPr>
+        <p:spPr>
+          <a:xfrm>
+            <a:off x="838200" y="1768311"/>
+            <a:ext cx="9277350" cy="369332"/>
+          </a:xfrm>
+          <a:prstGeom prst="rect">
+            <a:avLst/>
+          </a:prstGeom>
+          <a:noFill/>
+        </p:spPr>
+        <p:txBody>
+          <a:bodyPr wrap="square" rtlCol="0">
+            <a:spAutoFit/>
+          </a:bodyPr>
+          <a:lstStyle/>
+          <a:p>
+            <a:r>
+              <a:rPr lang="en-US"/>
+              <a:t>Input và button sử dụng khi chỉ có một input (Không dùng label)</a:t>
+            </a:r>
+          </a:p>
+        </p:txBody>
+      </p:sp>
+      <p:sp>
+        <p:nvSpPr>
+          <p:cNvPr id="14" name="TextBox 13">
+            <a:extLst>
+              <a:ext uri="{FF2B5EF4-FFF2-40B4-BE49-F238E27FC236}">
+                <a16:creationId xmlns:a16="http://schemas.microsoft.com/office/drawing/2014/main" id="{65252362-3C2A-40BC-9743-494C01433B07}"/>
+              </a:ext>
+            </a:extLst>
+          </p:cNvPr>
+          <p:cNvSpPr txBox="1"/>
+          <p:nvPr/>
+        </p:nvSpPr>
+        <p:spPr>
+          <a:xfrm>
+            <a:off x="838199" y="3392413"/>
+            <a:ext cx="10439400" cy="369332"/>
+          </a:xfrm>
+          <a:prstGeom prst="rect">
+            <a:avLst/>
+          </a:prstGeom>
+          <a:noFill/>
+        </p:spPr>
+        <p:txBody>
+          <a:bodyPr wrap="square" rtlCol="0">
+            <a:spAutoFit/>
+          </a:bodyPr>
+          <a:lstStyle/>
+          <a:p>
+            <a:r>
+              <a:rPr lang="en-US"/>
+              <a:t>Input và button sử dụng khi 2 input trở lên (Dùng label để phân biệt các input)</a:t>
+            </a:r>
+          </a:p>
+        </p:txBody>
+      </p:sp>
+      <p:cxnSp>
+        <p:nvCxnSpPr>
+          <p:cNvPr id="16" name="Straight Connector 15">
+            <a:extLst>
+              <a:ext uri="{FF2B5EF4-FFF2-40B4-BE49-F238E27FC236}">
+                <a16:creationId xmlns:a16="http://schemas.microsoft.com/office/drawing/2014/main" id="{F5D923C9-7041-431E-B246-59D755C40994}"/>
+              </a:ext>
+            </a:extLst>
+          </p:cNvPr>
+          <p:cNvCxnSpPr>
+            <a:cxnSpLocks/>
+          </p:cNvCxnSpPr>
+          <p:nvPr/>
+        </p:nvCxnSpPr>
+        <p:spPr>
+          <a:xfrm>
+            <a:off x="914400" y="3067050"/>
+            <a:ext cx="10439400" cy="0"/>
+          </a:xfrm>
+          <a:prstGeom prst="line">
+            <a:avLst/>
+          </a:prstGeom>
+          <a:ln w="3175">
+            <a:solidFill>
+              <a:schemeClr val="bg1">
+                <a:lumMod val="85000"/>
+              </a:schemeClr>
+            </a:solidFill>
+          </a:ln>
+        </p:spPr>
+        <p:style>
+          <a:lnRef idx="1">
+            <a:schemeClr val="accent3"/>
+          </a:lnRef>
+          <a:fillRef idx="0">
+            <a:schemeClr val="accent3"/>
+          </a:fillRef>
+          <a:effectRef idx="0">
+            <a:schemeClr val="accent3"/>
+          </a:effectRef>
+          <a:fontRef idx="minor">
+            <a:schemeClr val="tx1"/>
+          </a:fontRef>
+        </p:style>
+      </p:cxnSp>
+      <p:pic>
+        <p:nvPicPr>
+          <p:cNvPr id="11" name="Picture 10">
+            <a:extLst>
+              <a:ext uri="{FF2B5EF4-FFF2-40B4-BE49-F238E27FC236}">
+                <a16:creationId xmlns:a16="http://schemas.microsoft.com/office/drawing/2014/main" id="{5EE47690-00A5-4E50-ACE7-703261260BE3}"/>
+              </a:ext>
+            </a:extLst>
+          </p:cNvPr>
+          <p:cNvPicPr>
+            <a:picLocks noChangeAspect="1"/>
+          </p:cNvPicPr>
+          <p:nvPr/>
+        </p:nvPicPr>
+        <p:blipFill>
+          <a:blip r:embed="rId3"/>
+          <a:stretch>
+            <a:fillRect/>
+          </a:stretch>
+        </p:blipFill>
+        <p:spPr>
+          <a:xfrm>
+            <a:off x="904874" y="2300198"/>
+            <a:ext cx="4286250" cy="523875"/>
+          </a:xfrm>
+          <a:prstGeom prst="rect">
+            <a:avLst/>
+          </a:prstGeom>
+        </p:spPr>
+      </p:pic>
+      <p:pic>
+        <p:nvPicPr>
+          <p:cNvPr id="18" name="Picture 17">
+            <a:extLst>
+              <a:ext uri="{FF2B5EF4-FFF2-40B4-BE49-F238E27FC236}">
+                <a16:creationId xmlns:a16="http://schemas.microsoft.com/office/drawing/2014/main" id="{97788AC2-CBAA-44E6-B121-63122A4DBCD3}"/>
+              </a:ext>
+            </a:extLst>
+          </p:cNvPr>
+          <p:cNvPicPr>
+            <a:picLocks noChangeAspect="1"/>
+          </p:cNvPicPr>
+          <p:nvPr/>
+        </p:nvPicPr>
+        <p:blipFill>
+          <a:blip r:embed="rId4"/>
+          <a:stretch>
+            <a:fillRect/>
+          </a:stretch>
+        </p:blipFill>
+        <p:spPr>
+          <a:xfrm>
+            <a:off x="885825" y="3839368"/>
+            <a:ext cx="9182100" cy="771525"/>
+          </a:xfrm>
+          <a:prstGeom prst="rect">
+            <a:avLst/>
+          </a:prstGeom>
+        </p:spPr>
+      </p:pic>
+    </p:spTree>
+    <p:extLst>
+      <p:ext uri="{BB962C8B-B14F-4D97-AF65-F5344CB8AC3E}">
+        <p14:creationId xmlns:p14="http://schemas.microsoft.com/office/powerpoint/2010/main" val="2637012771"/>
+      </p:ext>
+    </p:extLst>
+  </p:cSld>
+  <p:clrMapOvr>
+    <a:masterClrMapping/>
+  </p:clrMapOvr>
+</p:sld>
+</file>
+
+<file path=ppt/slides/slide6.xml><?xml version="1.0" encoding="utf-8"?>
+<p:sld xmlns:a="http://schemas.openxmlformats.org/drawingml/2006/main" xmlns:r="http://schemas.openxmlformats.org/officeDocument/2006/relationships" xmlns:p="http://schemas.openxmlformats.org/presentationml/2006/main">
+  <p:cSld>
+    <p:spTree>
+      <p:nvGrpSpPr>
+        <p:cNvPr id="1" name=""/>
+        <p:cNvGrpSpPr/>
+        <p:nvPr/>
+      </p:nvGrpSpPr>
+      <p:grpSpPr>
+        <a:xfrm>
+          <a:off x="0" y="0"/>
+          <a:ext cx="0" cy="0"/>
+          <a:chOff x="0" y="0"/>
+          <a:chExt cx="0" cy="0"/>
+        </a:xfrm>
+      </p:grpSpPr>
+      <p:sp>
+        <p:nvSpPr>
+          <p:cNvPr id="2" name="Title 1">
+            <a:extLst>
+              <a:ext uri="{FF2B5EF4-FFF2-40B4-BE49-F238E27FC236}">
+                <a16:creationId xmlns:a16="http://schemas.microsoft.com/office/drawing/2014/main" id="{E7AE7BE7-83C3-4362-B867-AB0013391512}"/>
+              </a:ext>
+            </a:extLst>
+          </p:cNvPr>
+          <p:cNvSpPr>
+            <a:spLocks noGrp="1"/>
+          </p:cNvSpPr>
+          <p:nvPr>
+            <p:ph type="title"/>
+          </p:nvPr>
+        </p:nvSpPr>
+        <p:spPr/>
+        <p:txBody>
+          <a:bodyPr/>
+          <a:lstStyle/>
+          <a:p>
+            <a:r>
+              <a:rPr lang="en-US"/>
+              <a:t>Input, button </a:t>
+            </a:r>
+            <a:r>
+              <a:rPr lang="en-US" sz="2800"/>
+              <a:t>(trong form)</a:t>
+            </a:r>
+            <a:endParaRPr lang="en-US"/>
+          </a:p>
+        </p:txBody>
+      </p:sp>
+      <p:pic>
+        <p:nvPicPr>
+          <p:cNvPr id="8" name="Picture 7">
+            <a:extLst>
+              <a:ext uri="{FF2B5EF4-FFF2-40B4-BE49-F238E27FC236}">
+                <a16:creationId xmlns:a16="http://schemas.microsoft.com/office/drawing/2014/main" id="{971CC7D0-E769-404E-97B6-EAEB58496946}"/>
               </a:ext>
             </a:extLst>
           </p:cNvPr>
@@ -4093,55 +8475,78 @@
         </p:blipFill>
         <p:spPr>
           <a:xfrm>
-            <a:off x="838200" y="1476375"/>
-            <a:ext cx="5467350" cy="2914650"/>
+            <a:off x="1638300" y="1371600"/>
+            <a:ext cx="8915400" cy="5372100"/>
           </a:xfrm>
           <a:prstGeom prst="rect">
             <a:avLst/>
           </a:prstGeom>
         </p:spPr>
       </p:pic>
-      <p:sp>
-        <p:nvSpPr>
-          <p:cNvPr id="5" name="TextBox 4">
-            <a:extLst>
-              <a:ext uri="{FF2B5EF4-FFF2-40B4-BE49-F238E27FC236}">
-                <a16:creationId xmlns:a16="http://schemas.microsoft.com/office/drawing/2014/main" id="{68175437-816E-449D-B816-48F0A62A2E20}"/>
-              </a:ext>
-            </a:extLst>
-          </p:cNvPr>
-          <p:cNvSpPr txBox="1"/>
-          <p:nvPr/>
-        </p:nvSpPr>
-        <p:spPr>
-          <a:xfrm>
-            <a:off x="6962775" y="1690688"/>
-            <a:ext cx="4705350" cy="369332"/>
-          </a:xfrm>
-          <a:prstGeom prst="rect">
-            <a:avLst/>
-          </a:prstGeom>
-          <a:noFill/>
-        </p:spPr>
-        <p:txBody>
-          <a:bodyPr wrap="square" rtlCol="0">
-            <a:spAutoFit/>
-          </a:bodyPr>
-          <a:lstStyle/>
-          <a:p>
-            <a:r>
-              <a:rPr lang="en-US"/>
-              <a:t>Sử dụng khi gom nhóm dữ liệu trong một trang</a:t>
+    </p:spTree>
+    <p:extLst>
+      <p:ext uri="{BB962C8B-B14F-4D97-AF65-F5344CB8AC3E}">
+        <p14:creationId xmlns:p14="http://schemas.microsoft.com/office/powerpoint/2010/main" val="2452043158"/>
+      </p:ext>
+    </p:extLst>
+  </p:cSld>
+  <p:clrMapOvr>
+    <a:masterClrMapping/>
+  </p:clrMapOvr>
+</p:sld>
+</file>
+
+<file path=ppt/slides/slide7.xml><?xml version="1.0" encoding="utf-8"?>
+<p:sld xmlns:a="http://schemas.openxmlformats.org/drawingml/2006/main" xmlns:r="http://schemas.openxmlformats.org/officeDocument/2006/relationships" xmlns:p="http://schemas.openxmlformats.org/presentationml/2006/main">
+  <p:cSld>
+    <p:spTree>
+      <p:nvGrpSpPr>
+        <p:cNvPr id="1" name=""/>
+        <p:cNvGrpSpPr/>
+        <p:nvPr/>
+      </p:nvGrpSpPr>
+      <p:grpSpPr>
+        <a:xfrm>
+          <a:off x="0" y="0"/>
+          <a:ext cx="0" cy="0"/>
+          <a:chOff x="0" y="0"/>
+          <a:chExt cx="0" cy="0"/>
+        </a:xfrm>
+      </p:grpSpPr>
+      <p:sp>
+        <p:nvSpPr>
+          <p:cNvPr id="4" name="Title 3">
+            <a:extLst>
+              <a:ext uri="{FF2B5EF4-FFF2-40B4-BE49-F238E27FC236}">
+                <a16:creationId xmlns:a16="http://schemas.microsoft.com/office/drawing/2014/main" id="{5CBFD50A-9B18-41D5-B1DB-A556FAF905ED}"/>
+              </a:ext>
+            </a:extLst>
+          </p:cNvPr>
+          <p:cNvSpPr>
+            <a:spLocks noGrp="1"/>
+          </p:cNvSpPr>
+          <p:nvPr>
+            <p:ph type="title"/>
+          </p:nvPr>
+        </p:nvSpPr>
+        <p:spPr/>
+        <p:txBody>
+          <a:bodyPr/>
+          <a:lstStyle/>
+          <a:p>
+            <a:r>
+              <a:rPr lang="en-US"/>
+              <a:t>Table</a:t>
             </a:r>
           </a:p>
         </p:txBody>
       </p:sp>
       <p:pic>
         <p:nvPicPr>
-          <p:cNvPr id="6" name="Picture 5">
-            <a:extLst>
-              <a:ext uri="{FF2B5EF4-FFF2-40B4-BE49-F238E27FC236}">
-                <a16:creationId xmlns:a16="http://schemas.microsoft.com/office/drawing/2014/main" id="{AE8EABB4-728D-47AB-8D3F-B91994E79E07}"/>
+          <p:cNvPr id="2" name="Picture 1">
+            <a:extLst>
+              <a:ext uri="{FF2B5EF4-FFF2-40B4-BE49-F238E27FC236}">
+                <a16:creationId xmlns:a16="http://schemas.microsoft.com/office/drawing/2014/main" id="{0B75B2B4-7B95-4D87-95C6-44739DBD6C6B}"/>
               </a:ext>
             </a:extLst>
           </p:cNvPr>
@@ -4158,20 +8563,78 @@
         </p:blipFill>
         <p:spPr>
           <a:xfrm>
-            <a:off x="838200" y="4476194"/>
-            <a:ext cx="4924425" cy="2047875"/>
+            <a:off x="2343150" y="1809750"/>
+            <a:ext cx="7505700" cy="3238500"/>
           </a:xfrm>
           <a:prstGeom prst="rect">
             <a:avLst/>
           </a:prstGeom>
         </p:spPr>
       </p:pic>
-      <p:sp>
-        <p:nvSpPr>
-          <p:cNvPr id="7" name="TextBox 6">
-            <a:extLst>
-              <a:ext uri="{FF2B5EF4-FFF2-40B4-BE49-F238E27FC236}">
-                <a16:creationId xmlns:a16="http://schemas.microsoft.com/office/drawing/2014/main" id="{77AA4C34-A11E-4BDB-A41D-4665C3DDD28D}"/>
+    </p:spTree>
+    <p:extLst>
+      <p:ext uri="{BB962C8B-B14F-4D97-AF65-F5344CB8AC3E}">
+        <p14:creationId xmlns:p14="http://schemas.microsoft.com/office/powerpoint/2010/main" val="1764163392"/>
+      </p:ext>
+    </p:extLst>
+  </p:cSld>
+  <p:clrMapOvr>
+    <a:masterClrMapping/>
+  </p:clrMapOvr>
+</p:sld>
+</file>
+
+<file path=ppt/slides/slide8.xml><?xml version="1.0" encoding="utf-8"?>
+<p:sld xmlns:a="http://schemas.openxmlformats.org/drawingml/2006/main" xmlns:r="http://schemas.openxmlformats.org/officeDocument/2006/relationships" xmlns:p="http://schemas.openxmlformats.org/presentationml/2006/main">
+  <p:cSld>
+    <p:spTree>
+      <p:nvGrpSpPr>
+        <p:cNvPr id="1" name=""/>
+        <p:cNvGrpSpPr/>
+        <p:nvPr/>
+      </p:nvGrpSpPr>
+      <p:grpSpPr>
+        <a:xfrm>
+          <a:off x="0" y="0"/>
+          <a:ext cx="0" cy="0"/>
+          <a:chOff x="0" y="0"/>
+          <a:chExt cx="0" cy="0"/>
+        </a:xfrm>
+      </p:grpSpPr>
+      <p:sp>
+        <p:nvSpPr>
+          <p:cNvPr id="2" name="Title 1">
+            <a:extLst>
+              <a:ext uri="{FF2B5EF4-FFF2-40B4-BE49-F238E27FC236}">
+                <a16:creationId xmlns:a16="http://schemas.microsoft.com/office/drawing/2014/main" id="{A782BE4B-DC76-4072-BCD7-AD4AA56A0490}"/>
+              </a:ext>
+            </a:extLst>
+          </p:cNvPr>
+          <p:cNvSpPr>
+            <a:spLocks noGrp="1"/>
+          </p:cNvSpPr>
+          <p:nvPr>
+            <p:ph type="title"/>
+          </p:nvPr>
+        </p:nvSpPr>
+        <p:spPr/>
+        <p:txBody>
+          <a:bodyPr/>
+          <a:lstStyle/>
+          <a:p>
+            <a:r>
+              <a:rPr lang="en-US"/>
+              <a:t>Chart</a:t>
+            </a:r>
+          </a:p>
+        </p:txBody>
+      </p:sp>
+      <p:sp>
+        <p:nvSpPr>
+          <p:cNvPr id="5" name="TextBox 4">
+            <a:extLst>
+              <a:ext uri="{FF2B5EF4-FFF2-40B4-BE49-F238E27FC236}">
+                <a16:creationId xmlns:a16="http://schemas.microsoft.com/office/drawing/2014/main" id="{0DA80D90-E3B1-4AFE-A385-AAEBE4686DBB}"/>
               </a:ext>
             </a:extLst>
           </p:cNvPr>
@@ -4180,8 +8643,8 @@
         </p:nvSpPr>
         <p:spPr>
           <a:xfrm>
-            <a:off x="6962775" y="4613315"/>
-            <a:ext cx="4705350" cy="369332"/>
+            <a:off x="857250" y="1571625"/>
+            <a:ext cx="2333625" cy="369332"/>
           </a:xfrm>
           <a:prstGeom prst="rect">
             <a:avLst/>
@@ -4194,17 +8657,445 @@
           </a:bodyPr>
           <a:lstStyle/>
           <a:p>
-            <a:r>
-              <a:rPr lang="en-US"/>
-              <a:t>Sử dụng để xác nhận dữ liệu</a:t>
-            </a:r>
+            <a:pPr marL="285750" indent="-285750">
+              <a:buFont typeface="Wingdings" panose="05000000000000000000" pitchFamily="2" charset="2"/>
+              <a:buChar char="v"/>
+            </a:pPr>
+            <a:r>
+              <a:rPr lang="en-US"/>
+              <a:t>Chart bar (cột dọc)</a:t>
+            </a:r>
+          </a:p>
+        </p:txBody>
+      </p:sp>
+      <p:pic>
+        <p:nvPicPr>
+          <p:cNvPr id="3" name="Picture 2">
+            <a:extLst>
+              <a:ext uri="{FF2B5EF4-FFF2-40B4-BE49-F238E27FC236}">
+                <a16:creationId xmlns:a16="http://schemas.microsoft.com/office/drawing/2014/main" id="{6AA333F7-B940-40D9-9D48-2EF96E92EF20}"/>
+              </a:ext>
+            </a:extLst>
+          </p:cNvPr>
+          <p:cNvPicPr>
+            <a:picLocks noChangeAspect="1"/>
+          </p:cNvPicPr>
+          <p:nvPr/>
+        </p:nvPicPr>
+        <p:blipFill>
+          <a:blip r:embed="rId3"/>
+          <a:stretch>
+            <a:fillRect/>
+          </a:stretch>
+        </p:blipFill>
+        <p:spPr>
+          <a:xfrm>
+            <a:off x="2333625" y="2352675"/>
+            <a:ext cx="7696200" cy="2457450"/>
+          </a:xfrm>
+          <a:prstGeom prst="rect">
+            <a:avLst/>
+          </a:prstGeom>
+        </p:spPr>
+      </p:pic>
+      <p:sp>
+        <p:nvSpPr>
+          <p:cNvPr id="7" name="TextBox 6">
+            <a:extLst>
+              <a:ext uri="{FF2B5EF4-FFF2-40B4-BE49-F238E27FC236}">
+                <a16:creationId xmlns:a16="http://schemas.microsoft.com/office/drawing/2014/main" id="{040573DE-CA66-4392-9C63-08C45F4EFE2D}"/>
+              </a:ext>
+            </a:extLst>
+          </p:cNvPr>
+          <p:cNvSpPr txBox="1"/>
+          <p:nvPr/>
+        </p:nvSpPr>
+        <p:spPr>
+          <a:xfrm>
+            <a:off x="5124450" y="4894361"/>
+            <a:ext cx="348172" cy="261610"/>
+          </a:xfrm>
+          <a:prstGeom prst="rect">
+            <a:avLst/>
+          </a:prstGeom>
+          <a:noFill/>
+        </p:spPr>
+        <p:txBody>
+          <a:bodyPr wrap="none" rtlCol="0">
+            <a:spAutoFit/>
+          </a:bodyPr>
+          <a:lstStyle/>
+          <a:p>
+            <a:r>
+              <a:rPr lang="en-US" sz="1100"/>
+              <a:t>Up</a:t>
+            </a:r>
+          </a:p>
+        </p:txBody>
+      </p:sp>
+      <p:sp>
+        <p:nvSpPr>
+          <p:cNvPr id="9" name="TextBox 8">
+            <a:extLst>
+              <a:ext uri="{FF2B5EF4-FFF2-40B4-BE49-F238E27FC236}">
+                <a16:creationId xmlns:a16="http://schemas.microsoft.com/office/drawing/2014/main" id="{0410CB7D-2F2E-4563-BEAD-33B851D92AA0}"/>
+              </a:ext>
+            </a:extLst>
+          </p:cNvPr>
+          <p:cNvSpPr txBox="1"/>
+          <p:nvPr/>
+        </p:nvSpPr>
+        <p:spPr>
+          <a:xfrm>
+            <a:off x="5815012" y="4903886"/>
+            <a:ext cx="848630" cy="276999"/>
+          </a:xfrm>
+          <a:prstGeom prst="rect">
+            <a:avLst/>
+          </a:prstGeom>
+          <a:noFill/>
+        </p:spPr>
+        <p:txBody>
+          <a:bodyPr wrap="none" rtlCol="0">
+            <a:spAutoFit/>
+          </a:bodyPr>
+          <a:lstStyle/>
+          <a:p>
+            <a:r>
+              <a:rPr lang="en-US" sz="1200"/>
+              <a:t>No change</a:t>
+            </a:r>
+          </a:p>
+        </p:txBody>
+      </p:sp>
+      <p:sp>
+        <p:nvSpPr>
+          <p:cNvPr id="11" name="TextBox 10">
+            <a:extLst>
+              <a:ext uri="{FF2B5EF4-FFF2-40B4-BE49-F238E27FC236}">
+                <a16:creationId xmlns:a16="http://schemas.microsoft.com/office/drawing/2014/main" id="{241E88B6-EBA5-4809-B578-D2E059C045A1}"/>
+              </a:ext>
+            </a:extLst>
+          </p:cNvPr>
+          <p:cNvSpPr txBox="1"/>
+          <p:nvPr/>
+        </p:nvSpPr>
+        <p:spPr>
+          <a:xfrm>
+            <a:off x="6926122" y="4921083"/>
+            <a:ext cx="519694" cy="261610"/>
+          </a:xfrm>
+          <a:prstGeom prst="rect">
+            <a:avLst/>
+          </a:prstGeom>
+          <a:noFill/>
+        </p:spPr>
+        <p:txBody>
+          <a:bodyPr wrap="none" rtlCol="0">
+            <a:spAutoFit/>
+          </a:bodyPr>
+          <a:lstStyle/>
+          <a:p>
+            <a:r>
+              <a:rPr lang="en-US" sz="1100"/>
+              <a:t>Down</a:t>
+            </a:r>
+          </a:p>
+        </p:txBody>
+      </p:sp>
+      <p:sp>
+        <p:nvSpPr>
+          <p:cNvPr id="4" name="Oval 3">
+            <a:extLst>
+              <a:ext uri="{FF2B5EF4-FFF2-40B4-BE49-F238E27FC236}">
+                <a16:creationId xmlns:a16="http://schemas.microsoft.com/office/drawing/2014/main" id="{1E4FAF43-91B7-47A2-AAE2-C51A2E202150}"/>
+              </a:ext>
+            </a:extLst>
+          </p:cNvPr>
+          <p:cNvSpPr/>
+          <p:nvPr/>
+        </p:nvSpPr>
+        <p:spPr>
+          <a:xfrm>
+            <a:off x="5019095" y="4960672"/>
+            <a:ext cx="161925" cy="161925"/>
+          </a:xfrm>
+          <a:prstGeom prst="ellipse">
+            <a:avLst/>
+          </a:prstGeom>
+          <a:solidFill>
+            <a:srgbClr val="71CA90"/>
+          </a:solidFill>
+          <a:ln>
+            <a:solidFill>
+              <a:srgbClr val="71CA90"/>
+            </a:solidFill>
+          </a:ln>
+        </p:spPr>
+        <p:style>
+          <a:lnRef idx="2">
+            <a:schemeClr val="accent1">
+              <a:shade val="50000"/>
+            </a:schemeClr>
+          </a:lnRef>
+          <a:fillRef idx="1">
+            <a:schemeClr val="accent1"/>
+          </a:fillRef>
+          <a:effectRef idx="0">
+            <a:schemeClr val="accent1"/>
+          </a:effectRef>
+          <a:fontRef idx="minor">
+            <a:schemeClr val="lt1"/>
+          </a:fontRef>
+        </p:style>
+        <p:txBody>
+          <a:bodyPr rtlCol="0" anchor="ctr"/>
+          <a:lstStyle/>
+          <a:p>
+            <a:pPr algn="ctr"/>
+            <a:endParaRPr lang="en-US"/>
+          </a:p>
+        </p:txBody>
+      </p:sp>
+      <p:sp>
+        <p:nvSpPr>
+          <p:cNvPr id="12" name="Oval 11">
+            <a:extLst>
+              <a:ext uri="{FF2B5EF4-FFF2-40B4-BE49-F238E27FC236}">
+                <a16:creationId xmlns:a16="http://schemas.microsoft.com/office/drawing/2014/main" id="{C129BFDF-5C00-406F-845B-AC48F77E52F5}"/>
+              </a:ext>
+            </a:extLst>
+          </p:cNvPr>
+          <p:cNvSpPr/>
+          <p:nvPr/>
+        </p:nvSpPr>
+        <p:spPr>
+          <a:xfrm>
+            <a:off x="5691696" y="4960672"/>
+            <a:ext cx="161925" cy="161925"/>
+          </a:xfrm>
+          <a:prstGeom prst="ellipse">
+            <a:avLst/>
+          </a:prstGeom>
+          <a:solidFill>
+            <a:srgbClr val="FFCD39"/>
+          </a:solidFill>
+          <a:ln>
+            <a:solidFill>
+              <a:srgbClr val="FFCD39"/>
+            </a:solidFill>
+          </a:ln>
+        </p:spPr>
+        <p:style>
+          <a:lnRef idx="2">
+            <a:schemeClr val="accent1">
+              <a:shade val="50000"/>
+            </a:schemeClr>
+          </a:lnRef>
+          <a:fillRef idx="1">
+            <a:schemeClr val="accent1"/>
+          </a:fillRef>
+          <a:effectRef idx="0">
+            <a:schemeClr val="accent1"/>
+          </a:effectRef>
+          <a:fontRef idx="minor">
+            <a:schemeClr val="lt1"/>
+          </a:fontRef>
+        </p:style>
+        <p:txBody>
+          <a:bodyPr rtlCol="0" anchor="ctr"/>
+          <a:lstStyle/>
+          <a:p>
+            <a:pPr algn="ctr"/>
+            <a:endParaRPr lang="en-US"/>
+          </a:p>
+        </p:txBody>
+      </p:sp>
+      <p:sp>
+        <p:nvSpPr>
+          <p:cNvPr id="13" name="Oval 12">
+            <a:extLst>
+              <a:ext uri="{FF2B5EF4-FFF2-40B4-BE49-F238E27FC236}">
+                <a16:creationId xmlns:a16="http://schemas.microsoft.com/office/drawing/2014/main" id="{EB07CE74-59D5-4B1E-9C6F-7AE0B2517A97}"/>
+              </a:ext>
+            </a:extLst>
+          </p:cNvPr>
+          <p:cNvSpPr/>
+          <p:nvPr/>
+        </p:nvSpPr>
+        <p:spPr>
+          <a:xfrm>
+            <a:off x="6796482" y="4980464"/>
+            <a:ext cx="161925" cy="161925"/>
+          </a:xfrm>
+          <a:prstGeom prst="ellipse">
+            <a:avLst/>
+          </a:prstGeom>
+          <a:solidFill>
+            <a:srgbClr val="F98989"/>
+          </a:solidFill>
+          <a:ln>
+            <a:solidFill>
+              <a:srgbClr val="F98989"/>
+            </a:solidFill>
+          </a:ln>
+        </p:spPr>
+        <p:style>
+          <a:lnRef idx="2">
+            <a:schemeClr val="accent1">
+              <a:shade val="50000"/>
+            </a:schemeClr>
+          </a:lnRef>
+          <a:fillRef idx="1">
+            <a:schemeClr val="accent1"/>
+          </a:fillRef>
+          <a:effectRef idx="0">
+            <a:schemeClr val="accent1"/>
+          </a:effectRef>
+          <a:fontRef idx="minor">
+            <a:schemeClr val="lt1"/>
+          </a:fontRef>
+        </p:style>
+        <p:txBody>
+          <a:bodyPr rtlCol="0" anchor="ctr"/>
+          <a:lstStyle/>
+          <a:p>
+            <a:pPr algn="ctr"/>
+            <a:endParaRPr lang="en-US"/>
           </a:p>
         </p:txBody>
       </p:sp>
     </p:spTree>
     <p:extLst>
       <p:ext uri="{BB962C8B-B14F-4D97-AF65-F5344CB8AC3E}">
-        <p14:creationId xmlns:p14="http://schemas.microsoft.com/office/powerpoint/2010/main" val="780501234"/>
+        <p14:creationId xmlns:p14="http://schemas.microsoft.com/office/powerpoint/2010/main" val="2431866258"/>
+      </p:ext>
+    </p:extLst>
+  </p:cSld>
+  <p:clrMapOvr>
+    <a:masterClrMapping/>
+  </p:clrMapOvr>
+</p:sld>
+</file>
+
+<file path=ppt/slides/slide9.xml><?xml version="1.0" encoding="utf-8"?>
+<p:sld xmlns:a="http://schemas.openxmlformats.org/drawingml/2006/main" xmlns:r="http://schemas.openxmlformats.org/officeDocument/2006/relationships" xmlns:p="http://schemas.openxmlformats.org/presentationml/2006/main">
+  <p:cSld>
+    <p:spTree>
+      <p:nvGrpSpPr>
+        <p:cNvPr id="1" name=""/>
+        <p:cNvGrpSpPr/>
+        <p:nvPr/>
+      </p:nvGrpSpPr>
+      <p:grpSpPr>
+        <a:xfrm>
+          <a:off x="0" y="0"/>
+          <a:ext cx="0" cy="0"/>
+          <a:chOff x="0" y="0"/>
+          <a:chExt cx="0" cy="0"/>
+        </a:xfrm>
+      </p:grpSpPr>
+      <p:sp>
+        <p:nvSpPr>
+          <p:cNvPr id="2" name="Title 1">
+            <a:extLst>
+              <a:ext uri="{FF2B5EF4-FFF2-40B4-BE49-F238E27FC236}">
+                <a16:creationId xmlns:a16="http://schemas.microsoft.com/office/drawing/2014/main" id="{B764A399-D8E1-41C2-BB0D-12E41175B543}"/>
+              </a:ext>
+            </a:extLst>
+          </p:cNvPr>
+          <p:cNvSpPr>
+            <a:spLocks noGrp="1"/>
+          </p:cNvSpPr>
+          <p:nvPr>
+            <p:ph type="title"/>
+          </p:nvPr>
+        </p:nvSpPr>
+        <p:spPr/>
+        <p:txBody>
+          <a:bodyPr/>
+          <a:lstStyle/>
+          <a:p>
+            <a:r>
+              <a:rPr lang="en-US"/>
+              <a:t>Chart </a:t>
+            </a:r>
+          </a:p>
+        </p:txBody>
+      </p:sp>
+      <p:sp>
+        <p:nvSpPr>
+          <p:cNvPr id="4" name="TextBox 3">
+            <a:extLst>
+              <a:ext uri="{FF2B5EF4-FFF2-40B4-BE49-F238E27FC236}">
+                <a16:creationId xmlns:a16="http://schemas.microsoft.com/office/drawing/2014/main" id="{3C3560DF-03AD-4D8E-99E1-89185B7E8332}"/>
+              </a:ext>
+            </a:extLst>
+          </p:cNvPr>
+          <p:cNvSpPr txBox="1"/>
+          <p:nvPr/>
+        </p:nvSpPr>
+        <p:spPr>
+          <a:xfrm>
+            <a:off x="857250" y="1571625"/>
+            <a:ext cx="2800350" cy="369332"/>
+          </a:xfrm>
+          <a:prstGeom prst="rect">
+            <a:avLst/>
+          </a:prstGeom>
+          <a:noFill/>
+        </p:spPr>
+        <p:txBody>
+          <a:bodyPr wrap="square" rtlCol="0">
+            <a:spAutoFit/>
+          </a:bodyPr>
+          <a:lstStyle/>
+          <a:p>
+            <a:pPr marL="285750" indent="-285750">
+              <a:buFont typeface="Wingdings" panose="05000000000000000000" pitchFamily="2" charset="2"/>
+              <a:buChar char="v"/>
+            </a:pPr>
+            <a:r>
+              <a:rPr lang="en-US"/>
+              <a:t>Chart bar (cột ngang)</a:t>
+            </a:r>
+          </a:p>
+        </p:txBody>
+      </p:sp>
+      <p:pic>
+        <p:nvPicPr>
+          <p:cNvPr id="8" name="Picture 7">
+            <a:extLst>
+              <a:ext uri="{FF2B5EF4-FFF2-40B4-BE49-F238E27FC236}">
+                <a16:creationId xmlns:a16="http://schemas.microsoft.com/office/drawing/2014/main" id="{1A7F24D2-9A7B-4778-B515-9E7DA2817327}"/>
+              </a:ext>
+            </a:extLst>
+          </p:cNvPr>
+          <p:cNvPicPr>
+            <a:picLocks noChangeAspect="1"/>
+          </p:cNvPicPr>
+          <p:nvPr/>
+        </p:nvPicPr>
+        <p:blipFill>
+          <a:blip r:embed="rId3"/>
+          <a:stretch>
+            <a:fillRect/>
+          </a:stretch>
+        </p:blipFill>
+        <p:spPr>
+          <a:xfrm>
+            <a:off x="3657600" y="2371725"/>
+            <a:ext cx="4972050" cy="3714750"/>
+          </a:xfrm>
+          <a:prstGeom prst="rect">
+            <a:avLst/>
+          </a:prstGeom>
+        </p:spPr>
+      </p:pic>
+    </p:spTree>
+    <p:extLst>
+      <p:ext uri="{BB962C8B-B14F-4D97-AF65-F5344CB8AC3E}">
+        <p14:creationId xmlns:p14="http://schemas.microsoft.com/office/powerpoint/2010/main" val="3002449045"/>
       </p:ext>
     </p:extLst>
   </p:cSld>
@@ -4507,4 +9398,299 @@
     </a:ext>
   </a:extLst>
 </a:theme>
+</file>
+
+<file path=ppt/theme/theme2.xml><?xml version="1.0" encoding="utf-8"?>
+<a:theme xmlns:a="http://schemas.openxmlformats.org/drawingml/2006/main" name="Office Theme">
+  <a:themeElements>
+    <a:clrScheme name="Office">
+      <a:dk1>
+        <a:sysClr val="windowText" lastClr="000000"/>
+      </a:dk1>
+      <a:lt1>
+        <a:sysClr val="window" lastClr="FFFFFF"/>
+      </a:lt1>
+      <a:dk2>
+        <a:srgbClr val="44546A"/>
+      </a:dk2>
+      <a:lt2>
+        <a:srgbClr val="E7E6E6"/>
+      </a:lt2>
+      <a:accent1>
+        <a:srgbClr val="4472C4"/>
+      </a:accent1>
+      <a:accent2>
+        <a:srgbClr val="ED7D31"/>
+      </a:accent2>
+      <a:accent3>
+        <a:srgbClr val="A5A5A5"/>
+      </a:accent3>
+      <a:accent4>
+        <a:srgbClr val="FFC000"/>
+      </a:accent4>
+      <a:accent5>
+        <a:srgbClr val="5B9BD5"/>
+      </a:accent5>
+      <a:accent6>
+        <a:srgbClr val="70AD47"/>
+      </a:accent6>
+      <a:hlink>
+        <a:srgbClr val="0563C1"/>
+      </a:hlink>
+      <a:folHlink>
+        <a:srgbClr val="954F72"/>
+      </a:folHlink>
+    </a:clrScheme>
+    <a:fontScheme name="Office">
+      <a:majorFont>
+        <a:latin typeface="Calibri Light" panose="020F0302020204030204"/>
+        <a:ea typeface=""/>
+        <a:cs typeface=""/>
+        <a:font script="Jpan" typeface="游ゴシック Light"/>
+        <a:font script="Hang" typeface="맑은 고딕"/>
+        <a:font script="Hans" typeface="等线 Light"/>
+        <a:font script="Hant" typeface="新細明體"/>
+        <a:font script="Arab" typeface="Times New Roman"/>
+        <a:font script="Hebr" typeface="Times New Roman"/>
+        <a:font script="Thai" typeface="Angsana New"/>
+        <a:font script="Ethi" typeface="Nyala"/>
+        <a:font script="Beng" typeface="Vrinda"/>
+        <a:font script="Gujr" typeface="Shruti"/>
+        <a:font script="Khmr" typeface="MoolBoran"/>
+        <a:font script="Knda" typeface="Tunga"/>
+        <a:font script="Guru" typeface="Raavi"/>
+        <a:font script="Cans" typeface="Euphemia"/>
+        <a:font script="Cher" typeface="Plantagenet Cherokee"/>
+        <a:font script="Yiii" typeface="Microsoft Yi Baiti"/>
+        <a:font script="Tibt" typeface="Microsoft Himalaya"/>
+        <a:font script="Thaa" typeface="MV Boli"/>
+        <a:font script="Deva" typeface="Mangal"/>
+        <a:font script="Telu" typeface="Gautami"/>
+        <a:font script="Taml" typeface="Latha"/>
+        <a:font script="Syrc" typeface="Estrangelo Edessa"/>
+        <a:font script="Orya" typeface="Kalinga"/>
+        <a:font script="Mlym" typeface="Kartika"/>
+        <a:font script="Laoo" typeface="DokChampa"/>
+        <a:font script="Sinh" typeface="Iskoola Pota"/>
+        <a:font script="Mong" typeface="Mongolian Baiti"/>
+        <a:font script="Viet" typeface="Times New Roman"/>
+        <a:font script="Uigh" typeface="Microsoft Uighur"/>
+        <a:font script="Geor" typeface="Sylfaen"/>
+        <a:font script="Armn" typeface="Arial"/>
+        <a:font script="Bugi" typeface="Leelawadee UI"/>
+        <a:font script="Bopo" typeface="Microsoft JhengHei"/>
+        <a:font script="Java" typeface="Javanese Text"/>
+        <a:font script="Lisu" typeface="Segoe UI"/>
+        <a:font script="Mymr" typeface="Myanmar Text"/>
+        <a:font script="Nkoo" typeface="Ebrima"/>
+        <a:font script="Olck" typeface="Nirmala UI"/>
+        <a:font script="Osma" typeface="Ebrima"/>
+        <a:font script="Phag" typeface="Phagspa"/>
+        <a:font script="Syrn" typeface="Estrangelo Edessa"/>
+        <a:font script="Syrj" typeface="Estrangelo Edessa"/>
+        <a:font script="Syre" typeface="Estrangelo Edessa"/>
+        <a:font script="Sora" typeface="Nirmala UI"/>
+        <a:font script="Tale" typeface="Microsoft Tai Le"/>
+        <a:font script="Talu" typeface="Microsoft New Tai Lue"/>
+        <a:font script="Tfng" typeface="Ebrima"/>
+      </a:majorFont>
+      <a:minorFont>
+        <a:latin typeface="Calibri" panose="020F0502020204030204"/>
+        <a:ea typeface=""/>
+        <a:cs typeface=""/>
+        <a:font script="Jpan" typeface="游ゴシック"/>
+        <a:font script="Hang" typeface="맑은 고딕"/>
+        <a:font script="Hans" typeface="等线"/>
+        <a:font script="Hant" typeface="新細明體"/>
+        <a:font script="Arab" typeface="Arial"/>
+        <a:font script="Hebr" typeface="Arial"/>
+        <a:font script="Thai" typeface="Cordia New"/>
+        <a:font script="Ethi" typeface="Nyala"/>
+        <a:font script="Beng" typeface="Vrinda"/>
+        <a:font script="Gujr" typeface="Shruti"/>
+        <a:font script="Khmr" typeface="DaunPenh"/>
+        <a:font script="Knda" typeface="Tunga"/>
+        <a:font script="Guru" typeface="Raavi"/>
+        <a:font script="Cans" typeface="Euphemia"/>
+        <a:font script="Cher" typeface="Plantagenet Cherokee"/>
+        <a:font script="Yiii" typeface="Microsoft Yi Baiti"/>
+        <a:font script="Tibt" typeface="Microsoft Himalaya"/>
+        <a:font script="Thaa" typeface="MV Boli"/>
+        <a:font script="Deva" typeface="Mangal"/>
+        <a:font script="Telu" typeface="Gautami"/>
+        <a:font script="Taml" typeface="Latha"/>
+        <a:font script="Syrc" typeface="Estrangelo Edessa"/>
+        <a:font script="Orya" typeface="Kalinga"/>
+        <a:font script="Mlym" typeface="Kartika"/>
+        <a:font script="Laoo" typeface="DokChampa"/>
+        <a:font script="Sinh" typeface="Iskoola Pota"/>
+        <a:font script="Mong" typeface="Mongolian Baiti"/>
+        <a:font script="Viet" typeface="Arial"/>
+        <a:font script="Uigh" typeface="Microsoft Uighur"/>
+        <a:font script="Geor" typeface="Sylfaen"/>
+        <a:font script="Armn" typeface="Arial"/>
+        <a:font script="Bugi" typeface="Leelawadee UI"/>
+        <a:font script="Bopo" typeface="Microsoft JhengHei"/>
+        <a:font script="Java" typeface="Javanese Text"/>
+        <a:font script="Lisu" typeface="Segoe UI"/>
+        <a:font script="Mymr" typeface="Myanmar Text"/>
+        <a:font script="Nkoo" typeface="Ebrima"/>
+        <a:font script="Olck" typeface="Nirmala UI"/>
+        <a:font script="Osma" typeface="Ebrima"/>
+        <a:font script="Phag" typeface="Phagspa"/>
+        <a:font script="Syrn" typeface="Estrangelo Edessa"/>
+        <a:font script="Syrj" typeface="Estrangelo Edessa"/>
+        <a:font script="Syre" typeface="Estrangelo Edessa"/>
+        <a:font script="Sora" typeface="Nirmala UI"/>
+        <a:font script="Tale" typeface="Microsoft Tai Le"/>
+        <a:font script="Talu" typeface="Microsoft New Tai Lue"/>
+        <a:font script="Tfng" typeface="Ebrima"/>
+      </a:minorFont>
+    </a:fontScheme>
+    <a:fmtScheme name="Office">
+      <a:fillStyleLst>
+        <a:solidFill>
+          <a:schemeClr val="phClr"/>
+        </a:solidFill>
+        <a:gradFill rotWithShape="1">
+          <a:gsLst>
+            <a:gs pos="0">
+              <a:schemeClr val="phClr">
+                <a:lumMod val="110000"/>
+                <a:satMod val="105000"/>
+                <a:tint val="67000"/>
+              </a:schemeClr>
+            </a:gs>
+            <a:gs pos="50000">
+              <a:schemeClr val="phClr">
+                <a:lumMod val="105000"/>
+                <a:satMod val="103000"/>
+                <a:tint val="73000"/>
+              </a:schemeClr>
+            </a:gs>
+            <a:gs pos="100000">
+              <a:schemeClr val="phClr">
+                <a:lumMod val="105000"/>
+                <a:satMod val="109000"/>
+                <a:tint val="81000"/>
+              </a:schemeClr>
+            </a:gs>
+          </a:gsLst>
+          <a:lin ang="5400000" scaled="0"/>
+        </a:gradFill>
+        <a:gradFill rotWithShape="1">
+          <a:gsLst>
+            <a:gs pos="0">
+              <a:schemeClr val="phClr">
+                <a:satMod val="103000"/>
+                <a:lumMod val="102000"/>
+                <a:tint val="94000"/>
+              </a:schemeClr>
+            </a:gs>
+            <a:gs pos="50000">
+              <a:schemeClr val="phClr">
+                <a:satMod val="110000"/>
+                <a:lumMod val="100000"/>
+                <a:shade val="100000"/>
+              </a:schemeClr>
+            </a:gs>
+            <a:gs pos="100000">
+              <a:schemeClr val="phClr">
+                <a:lumMod val="99000"/>
+                <a:satMod val="120000"/>
+                <a:shade val="78000"/>
+              </a:schemeClr>
+            </a:gs>
+          </a:gsLst>
+          <a:lin ang="5400000" scaled="0"/>
+        </a:gradFill>
+      </a:fillStyleLst>
+      <a:lnStyleLst>
+        <a:ln w="6350" cap="flat" cmpd="sng" algn="ctr">
+          <a:solidFill>
+            <a:schemeClr val="phClr"/>
+          </a:solidFill>
+          <a:prstDash val="solid"/>
+          <a:miter lim="800000"/>
+        </a:ln>
+        <a:ln w="12700" cap="flat" cmpd="sng" algn="ctr">
+          <a:solidFill>
+            <a:schemeClr val="phClr"/>
+          </a:solidFill>
+          <a:prstDash val="solid"/>
+          <a:miter lim="800000"/>
+        </a:ln>
+        <a:ln w="19050" cap="flat" cmpd="sng" algn="ctr">
+          <a:solidFill>
+            <a:schemeClr val="phClr"/>
+          </a:solidFill>
+          <a:prstDash val="solid"/>
+          <a:miter lim="800000"/>
+        </a:ln>
+      </a:lnStyleLst>
+      <a:effectStyleLst>
+        <a:effectStyle>
+          <a:effectLst/>
+        </a:effectStyle>
+        <a:effectStyle>
+          <a:effectLst/>
+        </a:effectStyle>
+        <a:effectStyle>
+          <a:effectLst>
+            <a:outerShdw blurRad="57150" dist="19050" dir="5400000" algn="ctr" rotWithShape="0">
+              <a:srgbClr val="000000">
+                <a:alpha val="63000"/>
+              </a:srgbClr>
+            </a:outerShdw>
+          </a:effectLst>
+        </a:effectStyle>
+      </a:effectStyleLst>
+      <a:bgFillStyleLst>
+        <a:solidFill>
+          <a:schemeClr val="phClr"/>
+        </a:solidFill>
+        <a:solidFill>
+          <a:schemeClr val="phClr">
+            <a:tint val="95000"/>
+            <a:satMod val="170000"/>
+          </a:schemeClr>
+        </a:solidFill>
+        <a:gradFill rotWithShape="1">
+          <a:gsLst>
+            <a:gs pos="0">
+              <a:schemeClr val="phClr">
+                <a:tint val="93000"/>
+                <a:satMod val="150000"/>
+                <a:shade val="98000"/>
+                <a:lumMod val="102000"/>
+              </a:schemeClr>
+            </a:gs>
+            <a:gs pos="50000">
+              <a:schemeClr val="phClr">
+                <a:tint val="98000"/>
+                <a:satMod val="130000"/>
+                <a:shade val="90000"/>
+                <a:lumMod val="103000"/>
+              </a:schemeClr>
+            </a:gs>
+            <a:gs pos="100000">
+              <a:schemeClr val="phClr">
+                <a:shade val="63000"/>
+                <a:satMod val="120000"/>
+              </a:schemeClr>
+            </a:gs>
+          </a:gsLst>
+          <a:lin ang="5400000" scaled="0"/>
+        </a:gradFill>
+      </a:bgFillStyleLst>
+    </a:fmtScheme>
+  </a:themeElements>
+  <a:objectDefaults/>
+  <a:extraClrSchemeLst/>
+  <a:extLst>
+    <a:ext uri="{05A4C25C-085E-4340-85A3-A5531E510DB2}">
+      <thm15:themeFamily xmlns:thm15="http://schemas.microsoft.com/office/thememl/2012/main" name="Office Theme" id="{62F939B6-93AF-4DB8-9C6B-D6C7DFDC589F}" vid="{4A3C46E8-61CC-4603-A589-7422A47A8E4A}"/>
+    </a:ext>
+  </a:extLst>
+</a:theme>
 </file>